--- a/clases/clase1-introduccion/clase1.pptx
+++ b/clases/clase1-introduccion/clase1.pptx
@@ -104,6 +104,11 @@
       </a:defRPr>
     </a:lvl9pPr>
   </p:defaultTextStyle>
+  <p:extLst>
+    <p:ext uri="{EFAFB233-063F-42B5-8137-9DF3F51BA10A}">
+      <p15:sldGuideLst xmlns:p15="http://schemas.microsoft.com/office/powerpoint/2012/main"/>
+    </p:ext>
+  </p:extLst>
 </p:presentation>
 </file>
 
@@ -3346,7 +3351,11 @@
           <a:bodyPr/>
           <a:lstStyle/>
           <a:p>
-            <a:endParaRPr lang="en-US"/>
+            <a:r>
+              <a:rPr lang="es-419" dirty="0"/>
+              <a:t>UVG - CC3057</a:t>
+            </a:r>
+            <a:endParaRPr lang="en-US" dirty="0"/>
           </a:p>
         </p:txBody>
       </p:sp>
@@ -3371,7 +3380,11 @@
           <a:bodyPr/>
           <a:lstStyle/>
           <a:p>
-            <a:endParaRPr lang="en-US"/>
+            <a:r>
+              <a:rPr lang="es-419" dirty="0"/>
+              <a:t>Bases de datos</a:t>
+            </a:r>
+            <a:endParaRPr lang="en-US" dirty="0"/>
           </a:p>
         </p:txBody>
       </p:sp>

--- a/clases/clase1-introduccion/clase1.pptx
+++ b/clases/clase1-introduccion/clase1.pptx
@@ -4,8 +4,34 @@
   <p:sldMasterIdLst>
     <p:sldMasterId id="2147483648" r:id="rId1"/>
   </p:sldMasterIdLst>
+  <p:notesMasterIdLst>
+    <p:notesMasterId r:id="rId26"/>
+  </p:notesMasterIdLst>
   <p:sldIdLst>
     <p:sldId id="256" r:id="rId2"/>
+    <p:sldId id="257" r:id="rId3"/>
+    <p:sldId id="258" r:id="rId4"/>
+    <p:sldId id="260" r:id="rId5"/>
+    <p:sldId id="261" r:id="rId6"/>
+    <p:sldId id="262" r:id="rId7"/>
+    <p:sldId id="259" r:id="rId8"/>
+    <p:sldId id="267" r:id="rId9"/>
+    <p:sldId id="264" r:id="rId10"/>
+    <p:sldId id="265" r:id="rId11"/>
+    <p:sldId id="266" r:id="rId12"/>
+    <p:sldId id="268" r:id="rId13"/>
+    <p:sldId id="271" r:id="rId14"/>
+    <p:sldId id="272" r:id="rId15"/>
+    <p:sldId id="273" r:id="rId16"/>
+    <p:sldId id="274" r:id="rId17"/>
+    <p:sldId id="275" r:id="rId18"/>
+    <p:sldId id="276" r:id="rId19"/>
+    <p:sldId id="277" r:id="rId20"/>
+    <p:sldId id="278" r:id="rId21"/>
+    <p:sldId id="279" r:id="rId22"/>
+    <p:sldId id="280" r:id="rId23"/>
+    <p:sldId id="281" r:id="rId24"/>
+    <p:sldId id="282" r:id="rId25"/>
   </p:sldIdLst>
   <p:sldSz cx="12192000" cy="6858000"/>
   <p:notesSz cx="6858000" cy="9144000"/>
@@ -105,6 +131,46 @@
     </a:lvl9pPr>
   </p:defaultTextStyle>
   <p:extLst>
+    <p:ext uri="{521415D9-36F7-43E2-AB2F-B90AF26B5E84}">
+      <p14:sectionLst xmlns:p14="http://schemas.microsoft.com/office/powerpoint/2010/main">
+        <p14:section name="Introducción" id="{A1D47E1D-22DB-423A-A9A7-E0F4DA81FE36}">
+          <p14:sldIdLst>
+            <p14:sldId id="256"/>
+            <p14:sldId id="257"/>
+            <p14:sldId id="258"/>
+            <p14:sldId id="260"/>
+            <p14:sldId id="261"/>
+            <p14:sldId id="262"/>
+            <p14:sldId id="259"/>
+            <p14:sldId id="267"/>
+            <p14:sldId id="264"/>
+            <p14:sldId id="265"/>
+            <p14:sldId id="266"/>
+          </p14:sldIdLst>
+        </p14:section>
+        <p14:section name="Acerca de" id="{263F8274-7EAA-4638-89C6-12CACE65ADC1}">
+          <p14:sldIdLst>
+            <p14:sldId id="268"/>
+            <p14:sldId id="271"/>
+            <p14:sldId id="272"/>
+          </p14:sldIdLst>
+        </p14:section>
+        <p14:section name="El modelo relacional" id="{AA735DCC-0CB4-4468-8C72-F2D5F542759F}">
+          <p14:sldIdLst>
+            <p14:sldId id="273"/>
+            <p14:sldId id="274"/>
+            <p14:sldId id="275"/>
+            <p14:sldId id="276"/>
+            <p14:sldId id="277"/>
+            <p14:sldId id="278"/>
+            <p14:sldId id="279"/>
+            <p14:sldId id="280"/>
+            <p14:sldId id="281"/>
+            <p14:sldId id="282"/>
+          </p14:sldIdLst>
+        </p14:section>
+      </p14:sectionLst>
+    </p:ext>
     <p:ext uri="{EFAFB233-063F-42B5-8137-9DF3F51BA10A}">
       <p15:sldGuideLst xmlns:p15="http://schemas.microsoft.com/office/powerpoint/2012/main"/>
     </p:ext>
@@ -114,6 +180,442 @@
 
 <file path=ppt/revisionInfo.xml><?xml version="1.0" encoding="utf-8"?>
 <p1510:revInfo xmlns:a="http://schemas.openxmlformats.org/drawingml/2006/main" xmlns:r="http://schemas.openxmlformats.org/officeDocument/2006/relationships" xmlns:p1510="http://schemas.microsoft.com/office/powerpoint/2015/10/main"/>
+</file>
+
+<file path=ppt/notesMasters/notesMaster1.xml><?xml version="1.0" encoding="utf-8"?>
+<p:notesMaster xmlns:a="http://schemas.openxmlformats.org/drawingml/2006/main" xmlns:r="http://schemas.openxmlformats.org/officeDocument/2006/relationships" xmlns:p="http://schemas.openxmlformats.org/presentationml/2006/main">
+  <p:cSld>
+    <p:bg>
+      <p:bgRef idx="1001">
+        <a:schemeClr val="bg1"/>
+      </p:bgRef>
+    </p:bg>
+    <p:spTree>
+      <p:nvGrpSpPr>
+        <p:cNvPr id="1" name=""/>
+        <p:cNvGrpSpPr/>
+        <p:nvPr/>
+      </p:nvGrpSpPr>
+      <p:grpSpPr>
+        <a:xfrm>
+          <a:off x="0" y="0"/>
+          <a:ext cx="0" cy="0"/>
+          <a:chOff x="0" y="0"/>
+          <a:chExt cx="0" cy="0"/>
+        </a:xfrm>
+      </p:grpSpPr>
+      <p:sp>
+        <p:nvSpPr>
+          <p:cNvPr id="2" name="Header Placeholder 1"/>
+          <p:cNvSpPr>
+            <a:spLocks noGrp="1"/>
+          </p:cNvSpPr>
+          <p:nvPr>
+            <p:ph type="hdr" sz="quarter"/>
+          </p:nvPr>
+        </p:nvSpPr>
+        <p:spPr>
+          <a:xfrm>
+            <a:off x="0" y="0"/>
+            <a:ext cx="2971800" cy="458788"/>
+          </a:xfrm>
+          <a:prstGeom prst="rect">
+            <a:avLst/>
+          </a:prstGeom>
+        </p:spPr>
+        <p:txBody>
+          <a:bodyPr vert="horz" lIns="91440" tIns="45720" rIns="91440" bIns="45720" rtlCol="0"/>
+          <a:lstStyle>
+            <a:lvl1pPr algn="l">
+              <a:defRPr sz="1200"/>
+            </a:lvl1pPr>
+          </a:lstStyle>
+          <a:p>
+            <a:endParaRPr lang="en-US"/>
+          </a:p>
+        </p:txBody>
+      </p:sp>
+      <p:sp>
+        <p:nvSpPr>
+          <p:cNvPr id="3" name="Date Placeholder 2"/>
+          <p:cNvSpPr>
+            <a:spLocks noGrp="1"/>
+          </p:cNvSpPr>
+          <p:nvPr>
+            <p:ph type="dt" idx="1"/>
+          </p:nvPr>
+        </p:nvSpPr>
+        <p:spPr>
+          <a:xfrm>
+            <a:off x="3884613" y="0"/>
+            <a:ext cx="2971800" cy="458788"/>
+          </a:xfrm>
+          <a:prstGeom prst="rect">
+            <a:avLst/>
+          </a:prstGeom>
+        </p:spPr>
+        <p:txBody>
+          <a:bodyPr vert="horz" lIns="91440" tIns="45720" rIns="91440" bIns="45720" rtlCol="0"/>
+          <a:lstStyle>
+            <a:lvl1pPr algn="r">
+              <a:defRPr sz="1200"/>
+            </a:lvl1pPr>
+          </a:lstStyle>
+          <a:p>
+            <a:fld id="{86EFAC72-21A3-49E9-A668-2129A428F568}" type="datetimeFigureOut">
+              <a:rPr lang="en-US" smtClean="0"/>
+              <a:t>1/9/2018</a:t>
+            </a:fld>
+            <a:endParaRPr lang="en-US"/>
+          </a:p>
+        </p:txBody>
+      </p:sp>
+      <p:sp>
+        <p:nvSpPr>
+          <p:cNvPr id="4" name="Slide Image Placeholder 3"/>
+          <p:cNvSpPr>
+            <a:spLocks noGrp="1" noRot="1" noChangeAspect="1"/>
+          </p:cNvSpPr>
+          <p:nvPr>
+            <p:ph type="sldImg" idx="2"/>
+          </p:nvPr>
+        </p:nvSpPr>
+        <p:spPr>
+          <a:xfrm>
+            <a:off x="685800" y="1143000"/>
+            <a:ext cx="5486400" cy="3086100"/>
+          </a:xfrm>
+          <a:prstGeom prst="rect">
+            <a:avLst/>
+          </a:prstGeom>
+          <a:noFill/>
+          <a:ln w="12700">
+            <a:solidFill>
+              <a:prstClr val="black"/>
+            </a:solidFill>
+          </a:ln>
+        </p:spPr>
+        <p:txBody>
+          <a:bodyPr vert="horz" lIns="91440" tIns="45720" rIns="91440" bIns="45720" rtlCol="0" anchor="ctr"/>
+          <a:lstStyle/>
+          <a:p>
+            <a:endParaRPr lang="en-US"/>
+          </a:p>
+        </p:txBody>
+      </p:sp>
+      <p:sp>
+        <p:nvSpPr>
+          <p:cNvPr id="5" name="Notes Placeholder 4"/>
+          <p:cNvSpPr>
+            <a:spLocks noGrp="1"/>
+          </p:cNvSpPr>
+          <p:nvPr>
+            <p:ph type="body" sz="quarter" idx="3"/>
+          </p:nvPr>
+        </p:nvSpPr>
+        <p:spPr>
+          <a:xfrm>
+            <a:off x="685800" y="4400550"/>
+            <a:ext cx="5486400" cy="3600450"/>
+          </a:xfrm>
+          <a:prstGeom prst="rect">
+            <a:avLst/>
+          </a:prstGeom>
+        </p:spPr>
+        <p:txBody>
+          <a:bodyPr vert="horz" lIns="91440" tIns="45720" rIns="91440" bIns="45720" rtlCol="0"/>
+          <a:lstStyle/>
+          <a:p>
+            <a:pPr lvl="0"/>
+            <a:r>
+              <a:rPr lang="en-US"/>
+              <a:t>Edit Master text styles</a:t>
+            </a:r>
+          </a:p>
+          <a:p>
+            <a:pPr lvl="1"/>
+            <a:r>
+              <a:rPr lang="en-US"/>
+              <a:t>Second level</a:t>
+            </a:r>
+          </a:p>
+          <a:p>
+            <a:pPr lvl="2"/>
+            <a:r>
+              <a:rPr lang="en-US"/>
+              <a:t>Third level</a:t>
+            </a:r>
+          </a:p>
+          <a:p>
+            <a:pPr lvl="3"/>
+            <a:r>
+              <a:rPr lang="en-US"/>
+              <a:t>Fourth level</a:t>
+            </a:r>
+          </a:p>
+          <a:p>
+            <a:pPr lvl="4"/>
+            <a:r>
+              <a:rPr lang="en-US"/>
+              <a:t>Fifth level</a:t>
+            </a:r>
+          </a:p>
+        </p:txBody>
+      </p:sp>
+      <p:sp>
+        <p:nvSpPr>
+          <p:cNvPr id="6" name="Footer Placeholder 5"/>
+          <p:cNvSpPr>
+            <a:spLocks noGrp="1"/>
+          </p:cNvSpPr>
+          <p:nvPr>
+            <p:ph type="ftr" sz="quarter" idx="4"/>
+          </p:nvPr>
+        </p:nvSpPr>
+        <p:spPr>
+          <a:xfrm>
+            <a:off x="0" y="8685213"/>
+            <a:ext cx="2971800" cy="458787"/>
+          </a:xfrm>
+          <a:prstGeom prst="rect">
+            <a:avLst/>
+          </a:prstGeom>
+        </p:spPr>
+        <p:txBody>
+          <a:bodyPr vert="horz" lIns="91440" tIns="45720" rIns="91440" bIns="45720" rtlCol="0" anchor="b"/>
+          <a:lstStyle>
+            <a:lvl1pPr algn="l">
+              <a:defRPr sz="1200"/>
+            </a:lvl1pPr>
+          </a:lstStyle>
+          <a:p>
+            <a:endParaRPr lang="en-US"/>
+          </a:p>
+        </p:txBody>
+      </p:sp>
+      <p:sp>
+        <p:nvSpPr>
+          <p:cNvPr id="7" name="Slide Number Placeholder 6"/>
+          <p:cNvSpPr>
+            <a:spLocks noGrp="1"/>
+          </p:cNvSpPr>
+          <p:nvPr>
+            <p:ph type="sldNum" sz="quarter" idx="5"/>
+          </p:nvPr>
+        </p:nvSpPr>
+        <p:spPr>
+          <a:xfrm>
+            <a:off x="3884613" y="8685213"/>
+            <a:ext cx="2971800" cy="458787"/>
+          </a:xfrm>
+          <a:prstGeom prst="rect">
+            <a:avLst/>
+          </a:prstGeom>
+        </p:spPr>
+        <p:txBody>
+          <a:bodyPr vert="horz" lIns="91440" tIns="45720" rIns="91440" bIns="45720" rtlCol="0" anchor="b"/>
+          <a:lstStyle>
+            <a:lvl1pPr algn="r">
+              <a:defRPr sz="1200"/>
+            </a:lvl1pPr>
+          </a:lstStyle>
+          <a:p>
+            <a:fld id="{15079D15-C833-44E5-A819-6860CCCF1F0C}" type="slidenum">
+              <a:rPr lang="en-US" smtClean="0"/>
+              <a:t>‹#›</a:t>
+            </a:fld>
+            <a:endParaRPr lang="en-US"/>
+          </a:p>
+        </p:txBody>
+      </p:sp>
+    </p:spTree>
+    <p:extLst>
+      <p:ext uri="{BB962C8B-B14F-4D97-AF65-F5344CB8AC3E}">
+        <p14:creationId xmlns:p14="http://schemas.microsoft.com/office/powerpoint/2010/main" val="1836233033"/>
+      </p:ext>
+    </p:extLst>
+  </p:cSld>
+  <p:clrMap bg1="lt1" tx1="dk1" bg2="lt2" tx2="dk2" accent1="accent1" accent2="accent2" accent3="accent3" accent4="accent4" accent5="accent5" accent6="accent6" hlink="hlink" folHlink="folHlink"/>
+  <p:notesStyle>
+    <a:lvl1pPr marL="0" algn="l" defTabSz="914400" rtl="0" eaLnBrk="1" latinLnBrk="0" hangingPunct="1">
+      <a:defRPr sz="1200" kern="1200">
+        <a:solidFill>
+          <a:schemeClr val="tx1"/>
+        </a:solidFill>
+        <a:latin typeface="+mn-lt"/>
+        <a:ea typeface="+mn-ea"/>
+        <a:cs typeface="+mn-cs"/>
+      </a:defRPr>
+    </a:lvl1pPr>
+    <a:lvl2pPr marL="457200" algn="l" defTabSz="914400" rtl="0" eaLnBrk="1" latinLnBrk="0" hangingPunct="1">
+      <a:defRPr sz="1200" kern="1200">
+        <a:solidFill>
+          <a:schemeClr val="tx1"/>
+        </a:solidFill>
+        <a:latin typeface="+mn-lt"/>
+        <a:ea typeface="+mn-ea"/>
+        <a:cs typeface="+mn-cs"/>
+      </a:defRPr>
+    </a:lvl2pPr>
+    <a:lvl3pPr marL="914400" algn="l" defTabSz="914400" rtl="0" eaLnBrk="1" latinLnBrk="0" hangingPunct="1">
+      <a:defRPr sz="1200" kern="1200">
+        <a:solidFill>
+          <a:schemeClr val="tx1"/>
+        </a:solidFill>
+        <a:latin typeface="+mn-lt"/>
+        <a:ea typeface="+mn-ea"/>
+        <a:cs typeface="+mn-cs"/>
+      </a:defRPr>
+    </a:lvl3pPr>
+    <a:lvl4pPr marL="1371600" algn="l" defTabSz="914400" rtl="0" eaLnBrk="1" latinLnBrk="0" hangingPunct="1">
+      <a:defRPr sz="1200" kern="1200">
+        <a:solidFill>
+          <a:schemeClr val="tx1"/>
+        </a:solidFill>
+        <a:latin typeface="+mn-lt"/>
+        <a:ea typeface="+mn-ea"/>
+        <a:cs typeface="+mn-cs"/>
+      </a:defRPr>
+    </a:lvl4pPr>
+    <a:lvl5pPr marL="1828800" algn="l" defTabSz="914400" rtl="0" eaLnBrk="1" latinLnBrk="0" hangingPunct="1">
+      <a:defRPr sz="1200" kern="1200">
+        <a:solidFill>
+          <a:schemeClr val="tx1"/>
+        </a:solidFill>
+        <a:latin typeface="+mn-lt"/>
+        <a:ea typeface="+mn-ea"/>
+        <a:cs typeface="+mn-cs"/>
+      </a:defRPr>
+    </a:lvl5pPr>
+    <a:lvl6pPr marL="2286000" algn="l" defTabSz="914400" rtl="0" eaLnBrk="1" latinLnBrk="0" hangingPunct="1">
+      <a:defRPr sz="1200" kern="1200">
+        <a:solidFill>
+          <a:schemeClr val="tx1"/>
+        </a:solidFill>
+        <a:latin typeface="+mn-lt"/>
+        <a:ea typeface="+mn-ea"/>
+        <a:cs typeface="+mn-cs"/>
+      </a:defRPr>
+    </a:lvl6pPr>
+    <a:lvl7pPr marL="2743200" algn="l" defTabSz="914400" rtl="0" eaLnBrk="1" latinLnBrk="0" hangingPunct="1">
+      <a:defRPr sz="1200" kern="1200">
+        <a:solidFill>
+          <a:schemeClr val="tx1"/>
+        </a:solidFill>
+        <a:latin typeface="+mn-lt"/>
+        <a:ea typeface="+mn-ea"/>
+        <a:cs typeface="+mn-cs"/>
+      </a:defRPr>
+    </a:lvl7pPr>
+    <a:lvl8pPr marL="3200400" algn="l" defTabSz="914400" rtl="0" eaLnBrk="1" latinLnBrk="0" hangingPunct="1">
+      <a:defRPr sz="1200" kern="1200">
+        <a:solidFill>
+          <a:schemeClr val="tx1"/>
+        </a:solidFill>
+        <a:latin typeface="+mn-lt"/>
+        <a:ea typeface="+mn-ea"/>
+        <a:cs typeface="+mn-cs"/>
+      </a:defRPr>
+    </a:lvl8pPr>
+    <a:lvl9pPr marL="3657600" algn="l" defTabSz="914400" rtl="0" eaLnBrk="1" latinLnBrk="0" hangingPunct="1">
+      <a:defRPr sz="1200" kern="1200">
+        <a:solidFill>
+          <a:schemeClr val="tx1"/>
+        </a:solidFill>
+        <a:latin typeface="+mn-lt"/>
+        <a:ea typeface="+mn-ea"/>
+        <a:cs typeface="+mn-cs"/>
+      </a:defRPr>
+    </a:lvl9pPr>
+  </p:notesStyle>
+</p:notesMaster>
+</file>
+
+<file path=ppt/notesSlides/notesSlide1.xml><?xml version="1.0" encoding="utf-8"?>
+<p:notes xmlns:a="http://schemas.openxmlformats.org/drawingml/2006/main" xmlns:r="http://schemas.openxmlformats.org/officeDocument/2006/relationships" xmlns:p="http://schemas.openxmlformats.org/presentationml/2006/main">
+  <p:cSld>
+    <p:spTree>
+      <p:nvGrpSpPr>
+        <p:cNvPr id="1" name=""/>
+        <p:cNvGrpSpPr/>
+        <p:nvPr/>
+      </p:nvGrpSpPr>
+      <p:grpSpPr>
+        <a:xfrm>
+          <a:off x="0" y="0"/>
+          <a:ext cx="0" cy="0"/>
+          <a:chOff x="0" y="0"/>
+          <a:chExt cx="0" cy="0"/>
+        </a:xfrm>
+      </p:grpSpPr>
+      <p:sp>
+        <p:nvSpPr>
+          <p:cNvPr id="2" name="Slide Image Placeholder 1"/>
+          <p:cNvSpPr>
+            <a:spLocks noGrp="1" noRot="1" noChangeAspect="1"/>
+          </p:cNvSpPr>
+          <p:nvPr>
+            <p:ph type="sldImg"/>
+          </p:nvPr>
+        </p:nvSpPr>
+        <p:spPr/>
+      </p:sp>
+      <p:sp>
+        <p:nvSpPr>
+          <p:cNvPr id="3" name="Notes Placeholder 2"/>
+          <p:cNvSpPr>
+            <a:spLocks noGrp="1"/>
+          </p:cNvSpPr>
+          <p:nvPr>
+            <p:ph type="body" idx="1"/>
+          </p:nvPr>
+        </p:nvSpPr>
+        <p:spPr/>
+        <p:txBody>
+          <a:bodyPr>
+            <a:normAutofit/>
+          </a:bodyPr>
+          <a:lstStyle/>
+          <a:p>
+            <a:endParaRPr lang="en-US"/>
+          </a:p>
+        </p:txBody>
+      </p:sp>
+      <p:sp>
+        <p:nvSpPr>
+          <p:cNvPr id="4" name="Slide Number Placeholder 3"/>
+          <p:cNvSpPr>
+            <a:spLocks noGrp="1"/>
+          </p:cNvSpPr>
+          <p:nvPr>
+            <p:ph type="sldNum" sz="quarter" idx="10"/>
+          </p:nvPr>
+        </p:nvSpPr>
+        <p:spPr/>
+        <p:txBody>
+          <a:bodyPr/>
+          <a:lstStyle/>
+          <a:p>
+            <a:fld id="{8807C9EC-6344-46D0-ADA9-294A7D3D533F}" type="slidenum">
+              <a:rPr lang="en-US" smtClean="0"/>
+              <a:pPr/>
+              <a:t>22</a:t>
+            </a:fld>
+            <a:endParaRPr lang="en-US"/>
+          </a:p>
+        </p:txBody>
+      </p:sp>
+    </p:spTree>
+    <p:extLst>
+      <p:ext uri="{BB962C8B-B14F-4D97-AF65-F5344CB8AC3E}">
+        <p14:creationId xmlns:p14="http://schemas.microsoft.com/office/powerpoint/2010/main" val="2294351802"/>
+      </p:ext>
+    </p:extLst>
+  </p:cSld>
+  <p:clrMapOvr>
+    <a:masterClrMapping/>
+  </p:clrMapOvr>
+</p:notes>
 </file>
 
 <file path=ppt/slideLayouts/slideLayout1.xml><?xml version="1.0" encoding="utf-8"?>
@@ -3355,6 +3857,13 @@
               <a:rPr lang="es-419" dirty="0"/>
               <a:t>UVG - CC3057</a:t>
             </a:r>
+            <a:br>
+              <a:rPr lang="es-419" dirty="0"/>
+            </a:br>
+            <a:r>
+              <a:rPr lang="es-419" dirty="0"/>
+              <a:t>Bases de datos</a:t>
+            </a:r>
             <a:endParaRPr lang="en-US" dirty="0"/>
           </a:p>
         </p:txBody>
@@ -3382,9 +3891,8 @@
           <a:p>
             <a:r>
               <a:rPr lang="es-419" dirty="0"/>
-              <a:t>Bases de datos</a:t>
-            </a:r>
-            <a:endParaRPr lang="en-US" dirty="0"/>
+              <a:t>Clase 1 – Introducción</a:t>
+            </a:r>
           </a:p>
         </p:txBody>
       </p:sp>
@@ -3392,6 +3900,7902 @@
     <p:extLst>
       <p:ext uri="{BB962C8B-B14F-4D97-AF65-F5344CB8AC3E}">
         <p14:creationId xmlns:p14="http://schemas.microsoft.com/office/powerpoint/2010/main" val="3034904320"/>
+      </p:ext>
+    </p:extLst>
+  </p:cSld>
+  <p:clrMapOvr>
+    <a:masterClrMapping/>
+  </p:clrMapOvr>
+</p:sld>
+</file>
+
+<file path=ppt/slides/slide10.xml><?xml version="1.0" encoding="utf-8"?>
+<p:sld xmlns:a="http://schemas.openxmlformats.org/drawingml/2006/main" xmlns:r="http://schemas.openxmlformats.org/officeDocument/2006/relationships" xmlns:p="http://schemas.openxmlformats.org/presentationml/2006/main">
+  <p:cSld>
+    <p:spTree>
+      <p:nvGrpSpPr>
+        <p:cNvPr id="1" name=""/>
+        <p:cNvGrpSpPr/>
+        <p:nvPr/>
+      </p:nvGrpSpPr>
+      <p:grpSpPr>
+        <a:xfrm>
+          <a:off x="0" y="0"/>
+          <a:ext cx="0" cy="0"/>
+          <a:chOff x="0" y="0"/>
+          <a:chExt cx="0" cy="0"/>
+        </a:xfrm>
+      </p:grpSpPr>
+      <p:sp>
+        <p:nvSpPr>
+          <p:cNvPr id="2" name="Title 1">
+            <a:extLst>
+              <a:ext uri="{FF2B5EF4-FFF2-40B4-BE49-F238E27FC236}">
+                <a16:creationId xmlns:a16="http://schemas.microsoft.com/office/drawing/2014/main" id="{E8292849-9BED-465A-843A-F29595F7876C}"/>
+              </a:ext>
+            </a:extLst>
+          </p:cNvPr>
+          <p:cNvSpPr>
+            <a:spLocks noGrp="1"/>
+          </p:cNvSpPr>
+          <p:nvPr>
+            <p:ph type="title"/>
+          </p:nvPr>
+        </p:nvSpPr>
+        <p:spPr/>
+        <p:txBody>
+          <a:bodyPr/>
+          <a:lstStyle/>
+          <a:p>
+            <a:r>
+              <a:rPr lang="es-419" dirty="0"/>
+              <a:t>¿Qué preguntas buscamos abordar?</a:t>
+            </a:r>
+            <a:endParaRPr lang="en-US" dirty="0"/>
+          </a:p>
+        </p:txBody>
+      </p:sp>
+      <p:sp>
+        <p:nvSpPr>
+          <p:cNvPr id="3" name="Content Placeholder 2">
+            <a:extLst>
+              <a:ext uri="{FF2B5EF4-FFF2-40B4-BE49-F238E27FC236}">
+                <a16:creationId xmlns:a16="http://schemas.microsoft.com/office/drawing/2014/main" id="{4C630DFD-25F2-4BD8-BBC8-49C3E5FE4F31}"/>
+              </a:ext>
+            </a:extLst>
+          </p:cNvPr>
+          <p:cNvSpPr>
+            <a:spLocks noGrp="1"/>
+          </p:cNvSpPr>
+          <p:nvPr>
+            <p:ph idx="1"/>
+          </p:nvPr>
+        </p:nvSpPr>
+        <p:spPr/>
+        <p:txBody>
+          <a:bodyPr>
+            <a:normAutofit/>
+          </a:bodyPr>
+          <a:lstStyle/>
+          <a:p>
+            <a:pPr marL="0" indent="0">
+              <a:buNone/>
+            </a:pPr>
+            <a:r>
+              <a:rPr lang="es-419" dirty="0"/>
+              <a:t>¿Cómo podemos </a:t>
+            </a:r>
+            <a:r>
+              <a:rPr lang="es-419" b="1" dirty="0"/>
+              <a:t>almacenar y organizar</a:t>
+            </a:r>
+            <a:r>
+              <a:rPr lang="es-419" dirty="0"/>
+              <a:t> grandes cantidades de información?</a:t>
+            </a:r>
+          </a:p>
+          <a:p>
+            <a:pPr marL="0" indent="0">
+              <a:buNone/>
+            </a:pPr>
+            <a:r>
+              <a:rPr lang="es-419" sz="2000" i="1" dirty="0"/>
+              <a:t>Construyendo herramientas y </a:t>
+            </a:r>
+            <a:r>
+              <a:rPr lang="es-419" sz="2000" b="1" i="1" dirty="0"/>
+              <a:t>estructuras de datos</a:t>
+            </a:r>
+            <a:r>
+              <a:rPr lang="es-419" sz="2000" i="1" dirty="0"/>
+              <a:t> para proveer e </a:t>
+            </a:r>
+            <a:r>
+              <a:rPr lang="es-419" sz="2000" b="1" i="1" dirty="0"/>
+              <a:t>indexar</a:t>
+            </a:r>
+            <a:r>
+              <a:rPr lang="es-419" sz="2000" i="1" dirty="0"/>
+              <a:t> eficientemente los datos</a:t>
+            </a:r>
+          </a:p>
+          <a:p>
+            <a:pPr marL="0" indent="0">
+              <a:buNone/>
+            </a:pPr>
+            <a:endParaRPr lang="es-419" dirty="0"/>
+          </a:p>
+          <a:p>
+            <a:pPr marL="0" indent="0">
+              <a:buNone/>
+            </a:pPr>
+            <a:r>
+              <a:rPr lang="es-419" dirty="0"/>
+              <a:t>¿Cómo podemos consultar (</a:t>
+            </a:r>
+            <a:r>
+              <a:rPr lang="es-419" i="1" dirty="0" err="1"/>
+              <a:t>query</a:t>
+            </a:r>
+            <a:r>
+              <a:rPr lang="es-419" dirty="0"/>
+              <a:t>) </a:t>
+            </a:r>
+            <a:r>
+              <a:rPr lang="es-419" i="1" dirty="0"/>
+              <a:t>eficientemente</a:t>
+            </a:r>
+            <a:r>
+              <a:rPr lang="es-419" dirty="0"/>
+              <a:t> la información?</a:t>
+            </a:r>
+          </a:p>
+          <a:p>
+            <a:pPr marL="0" indent="0">
+              <a:buNone/>
+            </a:pPr>
+            <a:r>
+              <a:rPr lang="es-419" sz="2000" dirty="0"/>
+              <a:t>Definiendo </a:t>
+            </a:r>
+            <a:r>
+              <a:rPr lang="es-419" sz="2000" b="1" dirty="0"/>
+              <a:t>lenguajes de alto nivel</a:t>
+            </a:r>
+            <a:r>
+              <a:rPr lang="es-419" sz="2000" dirty="0"/>
+              <a:t> que se traduzcan en operaciones sobre las estructuras de datos</a:t>
+            </a:r>
+          </a:p>
+          <a:p>
+            <a:pPr marL="0" indent="0">
+              <a:buNone/>
+            </a:pPr>
+            <a:endParaRPr lang="es-419" dirty="0"/>
+          </a:p>
+          <a:p>
+            <a:pPr marL="0" indent="0">
+              <a:buNone/>
+            </a:pPr>
+            <a:r>
+              <a:rPr lang="es-419" dirty="0"/>
+              <a:t>¿</a:t>
+            </a:r>
+            <a:r>
+              <a:rPr lang="en-US" dirty="0" err="1"/>
+              <a:t>Cómo</a:t>
+            </a:r>
+            <a:r>
+              <a:rPr lang="en-US" dirty="0"/>
+              <a:t> </a:t>
+            </a:r>
+            <a:r>
+              <a:rPr lang="en-US" dirty="0" err="1"/>
+              <a:t>podemos</a:t>
+            </a:r>
+            <a:r>
+              <a:rPr lang="en-US" dirty="0"/>
+              <a:t> </a:t>
+            </a:r>
+            <a:r>
+              <a:rPr lang="en-US" dirty="0" err="1"/>
+              <a:t>actualizar</a:t>
+            </a:r>
+            <a:r>
+              <a:rPr lang="en-US" dirty="0"/>
+              <a:t> </a:t>
+            </a:r>
+            <a:r>
+              <a:rPr lang="en-US" dirty="0" err="1"/>
+              <a:t>los</a:t>
+            </a:r>
+            <a:r>
+              <a:rPr lang="en-US" dirty="0"/>
+              <a:t> </a:t>
+            </a:r>
+            <a:r>
+              <a:rPr lang="en-US" dirty="0" err="1"/>
+              <a:t>datos</a:t>
+            </a:r>
+            <a:r>
+              <a:rPr lang="en-US" dirty="0"/>
+              <a:t> de </a:t>
+            </a:r>
+            <a:r>
+              <a:rPr lang="en-US" dirty="0" err="1"/>
+              <a:t>manera</a:t>
+            </a:r>
+            <a:r>
+              <a:rPr lang="en-US" dirty="0"/>
+              <a:t> </a:t>
+            </a:r>
+            <a:r>
+              <a:rPr lang="en-US" dirty="0" err="1"/>
+              <a:t>confiable</a:t>
+            </a:r>
+            <a:r>
+              <a:rPr lang="en-US" dirty="0"/>
+              <a:t>?</a:t>
+            </a:r>
+          </a:p>
+          <a:p>
+            <a:pPr marL="0" indent="0">
+              <a:buNone/>
+            </a:pPr>
+            <a:r>
+              <a:rPr lang="es-419" sz="2000" dirty="0"/>
+              <a:t>Manejando accesos </a:t>
+            </a:r>
+            <a:r>
+              <a:rPr lang="es-419" sz="2000" b="1" dirty="0"/>
+              <a:t>concurrentes</a:t>
+            </a:r>
+            <a:r>
+              <a:rPr lang="es-419" sz="2000" dirty="0"/>
+              <a:t> a medida que los datos se leen y escriben</a:t>
+            </a:r>
+            <a:endParaRPr lang="en-US" dirty="0"/>
+          </a:p>
+        </p:txBody>
+      </p:sp>
+    </p:spTree>
+    <p:extLst>
+      <p:ext uri="{BB962C8B-B14F-4D97-AF65-F5344CB8AC3E}">
+        <p14:creationId xmlns:p14="http://schemas.microsoft.com/office/powerpoint/2010/main" val="22909948"/>
+      </p:ext>
+    </p:extLst>
+  </p:cSld>
+  <p:clrMapOvr>
+    <a:masterClrMapping/>
+  </p:clrMapOvr>
+</p:sld>
+</file>
+
+<file path=ppt/slides/slide11.xml><?xml version="1.0" encoding="utf-8"?>
+<p:sld xmlns:a="http://schemas.openxmlformats.org/drawingml/2006/main" xmlns:r="http://schemas.openxmlformats.org/officeDocument/2006/relationships" xmlns:p="http://schemas.openxmlformats.org/presentationml/2006/main">
+  <p:cSld>
+    <p:spTree>
+      <p:nvGrpSpPr>
+        <p:cNvPr id="1" name=""/>
+        <p:cNvGrpSpPr/>
+        <p:nvPr/>
+      </p:nvGrpSpPr>
+      <p:grpSpPr>
+        <a:xfrm>
+          <a:off x="0" y="0"/>
+          <a:ext cx="0" cy="0"/>
+          <a:chOff x="0" y="0"/>
+          <a:chExt cx="0" cy="0"/>
+        </a:xfrm>
+      </p:grpSpPr>
+      <p:sp>
+        <p:nvSpPr>
+          <p:cNvPr id="2" name="Title 1">
+            <a:extLst>
+              <a:ext uri="{FF2B5EF4-FFF2-40B4-BE49-F238E27FC236}">
+                <a16:creationId xmlns:a16="http://schemas.microsoft.com/office/drawing/2014/main" id="{DB1AF72C-1300-4945-A7F9-BDFD3B1BD5B1}"/>
+              </a:ext>
+            </a:extLst>
+          </p:cNvPr>
+          <p:cNvSpPr>
+            <a:spLocks noGrp="1"/>
+          </p:cNvSpPr>
+          <p:nvPr>
+            <p:ph type="title"/>
+          </p:nvPr>
+        </p:nvSpPr>
+        <p:spPr/>
+        <p:txBody>
+          <a:bodyPr/>
+          <a:lstStyle/>
+          <a:p>
+            <a:r>
+              <a:rPr lang="es-419" dirty="0"/>
+              <a:t>¿Qué aplicaciones tiene el estudio de bases de datos?</a:t>
+            </a:r>
+            <a:endParaRPr lang="en-US" dirty="0"/>
+          </a:p>
+        </p:txBody>
+      </p:sp>
+      <p:sp>
+        <p:nvSpPr>
+          <p:cNvPr id="3" name="Content Placeholder 2">
+            <a:extLst>
+              <a:ext uri="{FF2B5EF4-FFF2-40B4-BE49-F238E27FC236}">
+                <a16:creationId xmlns:a16="http://schemas.microsoft.com/office/drawing/2014/main" id="{9C27BCA2-78F6-490C-AD6A-49ED0D300000}"/>
+              </a:ext>
+            </a:extLst>
+          </p:cNvPr>
+          <p:cNvSpPr>
+            <a:spLocks noGrp="1"/>
+          </p:cNvSpPr>
+          <p:nvPr>
+            <p:ph idx="1"/>
+          </p:nvPr>
+        </p:nvSpPr>
+        <p:spPr/>
+        <p:txBody>
+          <a:bodyPr/>
+          <a:lstStyle/>
+          <a:p>
+            <a:pPr marL="0" indent="0">
+              <a:buNone/>
+            </a:pPr>
+            <a:endParaRPr lang="es-419" dirty="0"/>
+          </a:p>
+          <a:p>
+            <a:pPr marL="0" indent="0">
+              <a:buNone/>
+            </a:pPr>
+            <a:r>
+              <a:rPr lang="es-419" dirty="0"/>
+              <a:t>Aplicaciones de software</a:t>
+            </a:r>
+          </a:p>
+          <a:p>
+            <a:pPr marL="0" indent="0">
+              <a:buNone/>
+            </a:pPr>
+            <a:r>
+              <a:rPr lang="es-419" sz="2000" dirty="0"/>
+              <a:t>Apps móviles, </a:t>
+            </a:r>
+            <a:r>
+              <a:rPr lang="es-419" sz="2000" i="1" dirty="0" err="1"/>
+              <a:t>cloud</a:t>
+            </a:r>
+            <a:r>
+              <a:rPr lang="es-419" sz="2000" i="1" dirty="0"/>
+              <a:t> </a:t>
+            </a:r>
+            <a:r>
+              <a:rPr lang="es-419" sz="2000" i="1" dirty="0" err="1"/>
+              <a:t>based</a:t>
+            </a:r>
+            <a:r>
+              <a:rPr lang="es-419" sz="2000" i="1" dirty="0"/>
+              <a:t> </a:t>
+            </a:r>
+            <a:r>
+              <a:rPr lang="es-419" sz="2000" i="1" dirty="0" err="1"/>
+              <a:t>applications</a:t>
+            </a:r>
+            <a:r>
+              <a:rPr lang="es-419" sz="2000" dirty="0"/>
+              <a:t>, </a:t>
+            </a:r>
+            <a:r>
+              <a:rPr lang="es-419" sz="2000" i="1" dirty="0"/>
+              <a:t>machine </a:t>
+            </a:r>
+            <a:r>
+              <a:rPr lang="es-419" sz="2000" i="1" dirty="0" err="1"/>
+              <a:t>learning</a:t>
+            </a:r>
+            <a:r>
+              <a:rPr lang="es-419" sz="2000" dirty="0"/>
+              <a:t>, </a:t>
+            </a:r>
+            <a:r>
+              <a:rPr lang="es-419" sz="2000" i="1" dirty="0" err="1"/>
+              <a:t>big</a:t>
+            </a:r>
+            <a:r>
+              <a:rPr lang="es-419" sz="2000" i="1" dirty="0"/>
+              <a:t> data</a:t>
+            </a:r>
+          </a:p>
+          <a:p>
+            <a:pPr marL="0" indent="0">
+              <a:buNone/>
+            </a:pPr>
+            <a:r>
+              <a:rPr lang="es-419" sz="2000" dirty="0"/>
+              <a:t>Por medio de lenguajes de programación y </a:t>
+            </a:r>
+            <a:r>
+              <a:rPr lang="es-419" sz="2000" i="1" dirty="0" err="1"/>
+              <a:t>frameworks</a:t>
+            </a:r>
+            <a:endParaRPr lang="es-419" sz="2400" dirty="0"/>
+          </a:p>
+          <a:p>
+            <a:pPr marL="0" indent="0">
+              <a:buNone/>
+            </a:pPr>
+            <a:endParaRPr lang="es-419" dirty="0"/>
+          </a:p>
+          <a:p>
+            <a:pPr marL="0" indent="0">
+              <a:buNone/>
+            </a:pPr>
+            <a:r>
+              <a:rPr lang="es-419" dirty="0"/>
+              <a:t>Data </a:t>
+            </a:r>
+            <a:r>
+              <a:rPr lang="es-419" dirty="0" err="1"/>
+              <a:t>analytics</a:t>
+            </a:r>
+            <a:endParaRPr lang="es-419" dirty="0"/>
+          </a:p>
+          <a:p>
+            <a:pPr marL="0" indent="0">
+              <a:buNone/>
+            </a:pPr>
+            <a:r>
+              <a:rPr lang="es-419" sz="2000" dirty="0"/>
+              <a:t>Inteligencia de negocios, data </a:t>
+            </a:r>
+            <a:r>
+              <a:rPr lang="es-419" sz="2000" dirty="0" err="1"/>
+              <a:t>science</a:t>
+            </a:r>
+            <a:r>
+              <a:rPr lang="es-419" sz="2000" dirty="0"/>
+              <a:t>, modelamiento predictivo</a:t>
+            </a:r>
+          </a:p>
+          <a:p>
+            <a:pPr marL="0" indent="0">
+              <a:buNone/>
+            </a:pPr>
+            <a:endParaRPr lang="es-419" sz="2400" dirty="0"/>
+          </a:p>
+        </p:txBody>
+      </p:sp>
+    </p:spTree>
+    <p:extLst>
+      <p:ext uri="{BB962C8B-B14F-4D97-AF65-F5344CB8AC3E}">
+        <p14:creationId xmlns:p14="http://schemas.microsoft.com/office/powerpoint/2010/main" val="3910362955"/>
+      </p:ext>
+    </p:extLst>
+  </p:cSld>
+  <p:clrMapOvr>
+    <a:masterClrMapping/>
+  </p:clrMapOvr>
+</p:sld>
+</file>
+
+<file path=ppt/slides/slide12.xml><?xml version="1.0" encoding="utf-8"?>
+<p:sld xmlns:a="http://schemas.openxmlformats.org/drawingml/2006/main" xmlns:r="http://schemas.openxmlformats.org/officeDocument/2006/relationships" xmlns:p="http://schemas.openxmlformats.org/presentationml/2006/main">
+  <p:cSld>
+    <p:spTree>
+      <p:nvGrpSpPr>
+        <p:cNvPr id="1" name=""/>
+        <p:cNvGrpSpPr/>
+        <p:nvPr/>
+      </p:nvGrpSpPr>
+      <p:grpSpPr>
+        <a:xfrm>
+          <a:off x="0" y="0"/>
+          <a:ext cx="0" cy="0"/>
+          <a:chOff x="0" y="0"/>
+          <a:chExt cx="0" cy="0"/>
+        </a:xfrm>
+      </p:grpSpPr>
+      <p:sp>
+        <p:nvSpPr>
+          <p:cNvPr id="2" name="Title 1">
+            <a:extLst>
+              <a:ext uri="{FF2B5EF4-FFF2-40B4-BE49-F238E27FC236}">
+                <a16:creationId xmlns:a16="http://schemas.microsoft.com/office/drawing/2014/main" id="{EFDE188F-65EF-4C02-A5F2-5025B7CA0BA9}"/>
+              </a:ext>
+            </a:extLst>
+          </p:cNvPr>
+          <p:cNvSpPr>
+            <a:spLocks noGrp="1"/>
+          </p:cNvSpPr>
+          <p:nvPr>
+            <p:ph type="title"/>
+          </p:nvPr>
+        </p:nvSpPr>
+        <p:spPr/>
+        <p:txBody>
+          <a:bodyPr/>
+          <a:lstStyle/>
+          <a:p>
+            <a:r>
+              <a:rPr lang="es-419" dirty="0"/>
+              <a:t>Acerca de</a:t>
+            </a:r>
+            <a:endParaRPr lang="en-US" dirty="0"/>
+          </a:p>
+        </p:txBody>
+      </p:sp>
+      <p:sp>
+        <p:nvSpPr>
+          <p:cNvPr id="3" name="Content Placeholder 2">
+            <a:extLst>
+              <a:ext uri="{FF2B5EF4-FFF2-40B4-BE49-F238E27FC236}">
+                <a16:creationId xmlns:a16="http://schemas.microsoft.com/office/drawing/2014/main" id="{3D47A764-2A67-4704-B705-971FEFCC3575}"/>
+              </a:ext>
+            </a:extLst>
+          </p:cNvPr>
+          <p:cNvSpPr>
+            <a:spLocks noGrp="1"/>
+          </p:cNvSpPr>
+          <p:nvPr>
+            <p:ph idx="1"/>
+          </p:nvPr>
+        </p:nvSpPr>
+        <p:spPr/>
+        <p:txBody>
+          <a:bodyPr/>
+          <a:lstStyle/>
+          <a:p>
+            <a:pPr marL="0" indent="0">
+              <a:buNone/>
+            </a:pPr>
+            <a:endParaRPr lang="es-419" dirty="0"/>
+          </a:p>
+          <a:p>
+            <a:pPr marL="0" indent="0" algn="ctr">
+              <a:buNone/>
+            </a:pPr>
+            <a:r>
+              <a:rPr lang="es-419" dirty="0"/>
+              <a:t>Ing. Héctor Hurtarte</a:t>
+            </a:r>
+          </a:p>
+          <a:p>
+            <a:pPr marL="0" indent="0" algn="ctr">
+              <a:buNone/>
+            </a:pPr>
+            <a:r>
+              <a:rPr lang="es-419" dirty="0">
+                <a:hlinkClick r:id="rId2"/>
+              </a:rPr>
+              <a:t>hahurtarte@uvg.edu.gt</a:t>
+            </a:r>
+            <a:endParaRPr lang="es-419" dirty="0"/>
+          </a:p>
+          <a:p>
+            <a:pPr marL="0" indent="0" algn="ctr">
+              <a:buNone/>
+            </a:pPr>
+            <a:r>
+              <a:rPr lang="es-419" dirty="0"/>
+              <a:t>Catedrático horario</a:t>
+            </a:r>
+          </a:p>
+          <a:p>
+            <a:pPr marL="0" indent="0" algn="ctr">
+              <a:buNone/>
+            </a:pPr>
+            <a:r>
+              <a:rPr lang="es-419" dirty="0"/>
+              <a:t>Ingeniero de software (CCSS @ UVG 2012)</a:t>
+            </a:r>
+          </a:p>
+          <a:p>
+            <a:pPr marL="0" indent="0">
+              <a:buNone/>
+            </a:pPr>
+            <a:endParaRPr lang="es-419" dirty="0"/>
+          </a:p>
+        </p:txBody>
+      </p:sp>
+    </p:spTree>
+    <p:extLst>
+      <p:ext uri="{BB962C8B-B14F-4D97-AF65-F5344CB8AC3E}">
+        <p14:creationId xmlns:p14="http://schemas.microsoft.com/office/powerpoint/2010/main" val="2423541890"/>
+      </p:ext>
+    </p:extLst>
+  </p:cSld>
+  <p:clrMapOvr>
+    <a:masterClrMapping/>
+  </p:clrMapOvr>
+</p:sld>
+</file>
+
+<file path=ppt/slides/slide13.xml><?xml version="1.0" encoding="utf-8"?>
+<p:sld xmlns:a="http://schemas.openxmlformats.org/drawingml/2006/main" xmlns:r="http://schemas.openxmlformats.org/officeDocument/2006/relationships" xmlns:p="http://schemas.openxmlformats.org/presentationml/2006/main">
+  <p:cSld>
+    <p:spTree>
+      <p:nvGrpSpPr>
+        <p:cNvPr id="1" name=""/>
+        <p:cNvGrpSpPr/>
+        <p:nvPr/>
+      </p:nvGrpSpPr>
+      <p:grpSpPr>
+        <a:xfrm>
+          <a:off x="0" y="0"/>
+          <a:ext cx="0" cy="0"/>
+          <a:chOff x="0" y="0"/>
+          <a:chExt cx="0" cy="0"/>
+        </a:xfrm>
+      </p:grpSpPr>
+      <p:sp>
+        <p:nvSpPr>
+          <p:cNvPr id="2" name="Title 1">
+            <a:extLst>
+              <a:ext uri="{FF2B5EF4-FFF2-40B4-BE49-F238E27FC236}">
+                <a16:creationId xmlns:a16="http://schemas.microsoft.com/office/drawing/2014/main" id="{46E42DE3-434D-406F-A1CE-B5A2C600E04A}"/>
+              </a:ext>
+            </a:extLst>
+          </p:cNvPr>
+          <p:cNvSpPr>
+            <a:spLocks noGrp="1"/>
+          </p:cNvSpPr>
+          <p:nvPr>
+            <p:ph type="title"/>
+          </p:nvPr>
+        </p:nvSpPr>
+        <p:spPr/>
+        <p:txBody>
+          <a:bodyPr/>
+          <a:lstStyle/>
+          <a:p>
+            <a:r>
+              <a:rPr lang="es-419" dirty="0"/>
+              <a:t>Acerca de</a:t>
+            </a:r>
+            <a:endParaRPr lang="en-US" dirty="0"/>
+          </a:p>
+        </p:txBody>
+      </p:sp>
+      <p:sp>
+        <p:nvSpPr>
+          <p:cNvPr id="4" name="Content Placeholder 3">
+            <a:extLst>
+              <a:ext uri="{FF2B5EF4-FFF2-40B4-BE49-F238E27FC236}">
+                <a16:creationId xmlns:a16="http://schemas.microsoft.com/office/drawing/2014/main" id="{D691A3E2-C2B8-49C2-8275-8122F55EE441}"/>
+              </a:ext>
+            </a:extLst>
+          </p:cNvPr>
+          <p:cNvSpPr>
+            <a:spLocks noGrp="1"/>
+          </p:cNvSpPr>
+          <p:nvPr>
+            <p:ph sz="half" idx="2"/>
+          </p:nvPr>
+        </p:nvSpPr>
+        <p:spPr>
+          <a:xfrm>
+            <a:off x="839788" y="1690689"/>
+            <a:ext cx="5157787" cy="3684588"/>
+          </a:xfrm>
+        </p:spPr>
+        <p:txBody>
+          <a:bodyPr/>
+          <a:lstStyle/>
+          <a:p>
+            <a:pPr marL="0" indent="0" algn="ctr">
+              <a:buNone/>
+            </a:pPr>
+            <a:endParaRPr lang="es-419" dirty="0"/>
+          </a:p>
+          <a:p>
+            <a:pPr marL="0" indent="0" algn="ctr">
+              <a:buNone/>
+            </a:pPr>
+            <a:endParaRPr lang="es-419" dirty="0"/>
+          </a:p>
+          <a:p>
+            <a:pPr marL="0" indent="0" algn="ctr">
+              <a:buNone/>
+            </a:pPr>
+            <a:r>
+              <a:rPr lang="es-419" dirty="0"/>
+              <a:t>A-113</a:t>
+            </a:r>
+          </a:p>
+          <a:p>
+            <a:pPr marL="0" indent="0" algn="ctr">
+              <a:buNone/>
+            </a:pPr>
+            <a:r>
+              <a:rPr lang="es-419" dirty="0"/>
+              <a:t>M</a:t>
+            </a:r>
+            <a:r>
+              <a:rPr lang="en-US" dirty="0" err="1"/>
+              <a:t>artes</a:t>
+            </a:r>
+            <a:r>
+              <a:rPr lang="en-US" dirty="0"/>
+              <a:t>: 7:00 a 9:30</a:t>
+            </a:r>
+          </a:p>
+          <a:p>
+            <a:pPr marL="0" indent="0" algn="ctr">
+              <a:buNone/>
+            </a:pPr>
+            <a:r>
+              <a:rPr lang="es-419" dirty="0"/>
+              <a:t>V</a:t>
+            </a:r>
+            <a:r>
+              <a:rPr lang="en-US" dirty="0" err="1"/>
+              <a:t>iernes</a:t>
+            </a:r>
+            <a:r>
+              <a:rPr lang="en-US" dirty="0"/>
+              <a:t>: 8:40 a 11:25</a:t>
+            </a:r>
+          </a:p>
+          <a:p>
+            <a:pPr marL="0" indent="0" algn="ctr">
+              <a:buNone/>
+            </a:pPr>
+            <a:endParaRPr lang="es-419" dirty="0"/>
+          </a:p>
+          <a:p>
+            <a:pPr marL="0" indent="0" algn="ctr">
+              <a:buNone/>
+            </a:pPr>
+            <a:endParaRPr lang="es-419" dirty="0"/>
+          </a:p>
+        </p:txBody>
+      </p:sp>
+      <p:pic>
+        <p:nvPicPr>
+          <p:cNvPr id="10" name="Content Placeholder 9">
+            <a:extLst>
+              <a:ext uri="{FF2B5EF4-FFF2-40B4-BE49-F238E27FC236}">
+                <a16:creationId xmlns:a16="http://schemas.microsoft.com/office/drawing/2014/main" id="{BA8CAE1D-0274-472A-9156-750A55075ED3}"/>
+              </a:ext>
+            </a:extLst>
+          </p:cNvPr>
+          <p:cNvPicPr>
+            <a:picLocks noGrp="1" noChangeAspect="1"/>
+          </p:cNvPicPr>
+          <p:nvPr>
+            <p:ph sz="quarter" idx="4"/>
+          </p:nvPr>
+        </p:nvPicPr>
+        <p:blipFill>
+          <a:blip r:embed="rId2"/>
+          <a:stretch>
+            <a:fillRect/>
+          </a:stretch>
+        </p:blipFill>
+        <p:spPr>
+          <a:xfrm>
+            <a:off x="6442016" y="1690689"/>
+            <a:ext cx="4468930" cy="3684588"/>
+          </a:xfrm>
+          <a:prstGeom prst="rect">
+            <a:avLst/>
+          </a:prstGeom>
+        </p:spPr>
+      </p:pic>
+    </p:spTree>
+    <p:extLst>
+      <p:ext uri="{BB962C8B-B14F-4D97-AF65-F5344CB8AC3E}">
+        <p14:creationId xmlns:p14="http://schemas.microsoft.com/office/powerpoint/2010/main" val="2269631552"/>
+      </p:ext>
+    </p:extLst>
+  </p:cSld>
+  <p:clrMapOvr>
+    <a:masterClrMapping/>
+  </p:clrMapOvr>
+</p:sld>
+</file>
+
+<file path=ppt/slides/slide14.xml><?xml version="1.0" encoding="utf-8"?>
+<p:sld xmlns:a="http://schemas.openxmlformats.org/drawingml/2006/main" xmlns:r="http://schemas.openxmlformats.org/officeDocument/2006/relationships" xmlns:p="http://schemas.openxmlformats.org/presentationml/2006/main">
+  <p:cSld>
+    <p:spTree>
+      <p:nvGrpSpPr>
+        <p:cNvPr id="1" name=""/>
+        <p:cNvGrpSpPr/>
+        <p:nvPr/>
+      </p:nvGrpSpPr>
+      <p:grpSpPr>
+        <a:xfrm>
+          <a:off x="0" y="0"/>
+          <a:ext cx="0" cy="0"/>
+          <a:chOff x="0" y="0"/>
+          <a:chExt cx="0" cy="0"/>
+        </a:xfrm>
+      </p:grpSpPr>
+      <p:sp>
+        <p:nvSpPr>
+          <p:cNvPr id="2" name="Title 1">
+            <a:extLst>
+              <a:ext uri="{FF2B5EF4-FFF2-40B4-BE49-F238E27FC236}">
+                <a16:creationId xmlns:a16="http://schemas.microsoft.com/office/drawing/2014/main" id="{CB19273F-D2F7-44F4-B25E-E9FC33497F6C}"/>
+              </a:ext>
+            </a:extLst>
+          </p:cNvPr>
+          <p:cNvSpPr>
+            <a:spLocks noGrp="1"/>
+          </p:cNvSpPr>
+          <p:nvPr>
+            <p:ph type="title"/>
+          </p:nvPr>
+        </p:nvSpPr>
+        <p:spPr/>
+        <p:txBody>
+          <a:bodyPr/>
+          <a:lstStyle/>
+          <a:p>
+            <a:r>
+              <a:rPr lang="es-419" dirty="0"/>
+              <a:t>Acerca de</a:t>
+            </a:r>
+            <a:endParaRPr lang="en-US" dirty="0"/>
+          </a:p>
+        </p:txBody>
+      </p:sp>
+      <p:sp>
+        <p:nvSpPr>
+          <p:cNvPr id="3" name="Content Placeholder 2">
+            <a:extLst>
+              <a:ext uri="{FF2B5EF4-FFF2-40B4-BE49-F238E27FC236}">
+                <a16:creationId xmlns:a16="http://schemas.microsoft.com/office/drawing/2014/main" id="{972AA1AB-0310-4ABA-858A-EB6B215D8A4E}"/>
+              </a:ext>
+            </a:extLst>
+          </p:cNvPr>
+          <p:cNvSpPr>
+            <a:spLocks noGrp="1"/>
+          </p:cNvSpPr>
+          <p:nvPr>
+            <p:ph idx="1"/>
+          </p:nvPr>
+        </p:nvSpPr>
+        <p:spPr/>
+        <p:txBody>
+          <a:bodyPr/>
+          <a:lstStyle/>
+          <a:p>
+            <a:pPr marL="0" indent="0">
+              <a:buNone/>
+            </a:pPr>
+            <a:endParaRPr lang="en-US" i="1" dirty="0"/>
+          </a:p>
+          <a:p>
+            <a:pPr marL="0" indent="0">
+              <a:buNone/>
+            </a:pPr>
+            <a:endParaRPr lang="en-US" i="1" dirty="0"/>
+          </a:p>
+          <a:p>
+            <a:pPr marL="0" indent="0">
+              <a:buNone/>
+            </a:pPr>
+            <a:r>
+              <a:rPr lang="en-US" i="1" dirty="0"/>
+              <a:t>An Introduction to Database Systems</a:t>
+            </a:r>
+            <a:r>
+              <a:rPr lang="en-US" dirty="0"/>
+              <a:t>, 8a </a:t>
+            </a:r>
+            <a:r>
+              <a:rPr lang="en-US" dirty="0" err="1"/>
+              <a:t>Edición</a:t>
+            </a:r>
+            <a:r>
+              <a:rPr lang="en-US" dirty="0"/>
+              <a:t>, C. J. Date</a:t>
+            </a:r>
+          </a:p>
+          <a:p>
+            <a:pPr marL="0" indent="0">
+              <a:buNone/>
+            </a:pPr>
+            <a:endParaRPr lang="es-419" dirty="0"/>
+          </a:p>
+          <a:p>
+            <a:pPr marL="0" indent="0">
+              <a:buNone/>
+            </a:pPr>
+            <a:r>
+              <a:rPr lang="en-US" i="1" dirty="0"/>
+              <a:t>Database Systems - The complete book</a:t>
+            </a:r>
+            <a:r>
+              <a:rPr lang="en-US" dirty="0"/>
+              <a:t>, 2a </a:t>
+            </a:r>
+            <a:r>
+              <a:rPr lang="en-US" dirty="0" err="1"/>
+              <a:t>Edición</a:t>
+            </a:r>
+            <a:r>
+              <a:rPr lang="en-US" dirty="0"/>
+              <a:t> , J. Ullman</a:t>
+            </a:r>
+          </a:p>
+        </p:txBody>
+      </p:sp>
+    </p:spTree>
+    <p:extLst>
+      <p:ext uri="{BB962C8B-B14F-4D97-AF65-F5344CB8AC3E}">
+        <p14:creationId xmlns:p14="http://schemas.microsoft.com/office/powerpoint/2010/main" val="1023597055"/>
+      </p:ext>
+    </p:extLst>
+  </p:cSld>
+  <p:clrMapOvr>
+    <a:masterClrMapping/>
+  </p:clrMapOvr>
+</p:sld>
+</file>
+
+<file path=ppt/slides/slide15.xml><?xml version="1.0" encoding="utf-8"?>
+<p:sld xmlns:a="http://schemas.openxmlformats.org/drawingml/2006/main" xmlns:r="http://schemas.openxmlformats.org/officeDocument/2006/relationships" xmlns:p="http://schemas.openxmlformats.org/presentationml/2006/main">
+  <p:cSld>
+    <p:spTree>
+      <p:nvGrpSpPr>
+        <p:cNvPr id="1" name=""/>
+        <p:cNvGrpSpPr/>
+        <p:nvPr/>
+      </p:nvGrpSpPr>
+      <p:grpSpPr>
+        <a:xfrm>
+          <a:off x="0" y="0"/>
+          <a:ext cx="0" cy="0"/>
+          <a:chOff x="0" y="0"/>
+          <a:chExt cx="0" cy="0"/>
+        </a:xfrm>
+      </p:grpSpPr>
+      <p:sp>
+        <p:nvSpPr>
+          <p:cNvPr id="2" name="Title 1">
+            <a:extLst>
+              <a:ext uri="{FF2B5EF4-FFF2-40B4-BE49-F238E27FC236}">
+                <a16:creationId xmlns:a16="http://schemas.microsoft.com/office/drawing/2014/main" id="{C53C8242-02E9-4720-9B4C-439ED6644BAD}"/>
+              </a:ext>
+            </a:extLst>
+          </p:cNvPr>
+          <p:cNvSpPr>
+            <a:spLocks noGrp="1"/>
+          </p:cNvSpPr>
+          <p:nvPr>
+            <p:ph type="ctrTitle"/>
+          </p:nvPr>
+        </p:nvSpPr>
+        <p:spPr/>
+        <p:txBody>
+          <a:bodyPr/>
+          <a:lstStyle/>
+          <a:p>
+            <a:r>
+              <a:rPr lang="es-419" dirty="0"/>
+              <a:t>El modelo relacional</a:t>
+            </a:r>
+            <a:endParaRPr lang="en-US" dirty="0"/>
+          </a:p>
+        </p:txBody>
+      </p:sp>
+      <p:sp>
+        <p:nvSpPr>
+          <p:cNvPr id="3" name="Subtitle 2">
+            <a:extLst>
+              <a:ext uri="{FF2B5EF4-FFF2-40B4-BE49-F238E27FC236}">
+                <a16:creationId xmlns:a16="http://schemas.microsoft.com/office/drawing/2014/main" id="{191D9966-0307-42C1-AC3D-BC179CAB3A24}"/>
+              </a:ext>
+            </a:extLst>
+          </p:cNvPr>
+          <p:cNvSpPr>
+            <a:spLocks noGrp="1"/>
+          </p:cNvSpPr>
+          <p:nvPr>
+            <p:ph type="subTitle" idx="1"/>
+          </p:nvPr>
+        </p:nvSpPr>
+        <p:spPr/>
+        <p:txBody>
+          <a:bodyPr/>
+          <a:lstStyle/>
+          <a:p>
+            <a:endParaRPr lang="en-US"/>
+          </a:p>
+        </p:txBody>
+      </p:sp>
+    </p:spTree>
+    <p:extLst>
+      <p:ext uri="{BB962C8B-B14F-4D97-AF65-F5344CB8AC3E}">
+        <p14:creationId xmlns:p14="http://schemas.microsoft.com/office/powerpoint/2010/main" val="1394757771"/>
+      </p:ext>
+    </p:extLst>
+  </p:cSld>
+  <p:clrMapOvr>
+    <a:masterClrMapping/>
+  </p:clrMapOvr>
+</p:sld>
+</file>
+
+<file path=ppt/slides/slide16.xml><?xml version="1.0" encoding="utf-8"?>
+<p:sld xmlns:a="http://schemas.openxmlformats.org/drawingml/2006/main" xmlns:r="http://schemas.openxmlformats.org/officeDocument/2006/relationships" xmlns:p="http://schemas.openxmlformats.org/presentationml/2006/main">
+  <p:cSld>
+    <p:spTree>
+      <p:nvGrpSpPr>
+        <p:cNvPr id="1" name=""/>
+        <p:cNvGrpSpPr/>
+        <p:nvPr/>
+      </p:nvGrpSpPr>
+      <p:grpSpPr>
+        <a:xfrm>
+          <a:off x="0" y="0"/>
+          <a:ext cx="0" cy="0"/>
+          <a:chOff x="0" y="0"/>
+          <a:chExt cx="0" cy="0"/>
+        </a:xfrm>
+      </p:grpSpPr>
+      <p:sp>
+        <p:nvSpPr>
+          <p:cNvPr id="2" name="Title 1">
+            <a:extLst>
+              <a:ext uri="{FF2B5EF4-FFF2-40B4-BE49-F238E27FC236}">
+                <a16:creationId xmlns:a16="http://schemas.microsoft.com/office/drawing/2014/main" id="{7B1E9EBC-4EA1-4DC0-BF94-5720EA7DDCC1}"/>
+              </a:ext>
+            </a:extLst>
+          </p:cNvPr>
+          <p:cNvSpPr>
+            <a:spLocks noGrp="1"/>
+          </p:cNvSpPr>
+          <p:nvPr>
+            <p:ph type="title"/>
+          </p:nvPr>
+        </p:nvSpPr>
+        <p:spPr/>
+        <p:txBody>
+          <a:bodyPr/>
+          <a:lstStyle/>
+          <a:p>
+            <a:r>
+              <a:rPr lang="es-419" dirty="0"/>
+              <a:t>Entonces, ¿qué es un DBMS?</a:t>
+            </a:r>
+            <a:endParaRPr lang="en-US" dirty="0"/>
+          </a:p>
+        </p:txBody>
+      </p:sp>
+      <p:sp>
+        <p:nvSpPr>
+          <p:cNvPr id="3" name="Content Placeholder 2">
+            <a:extLst>
+              <a:ext uri="{FF2B5EF4-FFF2-40B4-BE49-F238E27FC236}">
+                <a16:creationId xmlns:a16="http://schemas.microsoft.com/office/drawing/2014/main" id="{1DA96818-9013-48F8-A16A-E70E6E851DB1}"/>
+              </a:ext>
+            </a:extLst>
+          </p:cNvPr>
+          <p:cNvSpPr>
+            <a:spLocks noGrp="1"/>
+          </p:cNvSpPr>
+          <p:nvPr>
+            <p:ph idx="1"/>
+          </p:nvPr>
+        </p:nvSpPr>
+        <p:spPr>
+          <a:xfrm>
+            <a:off x="2234648" y="1690688"/>
+            <a:ext cx="7722704" cy="4351338"/>
+          </a:xfrm>
+        </p:spPr>
+        <p:txBody>
+          <a:bodyPr/>
+          <a:lstStyle/>
+          <a:p>
+            <a:pPr marL="0" indent="0" algn="ctr">
+              <a:buNone/>
+            </a:pPr>
+            <a:endParaRPr lang="es-419" dirty="0"/>
+          </a:p>
+          <a:p>
+            <a:pPr marL="0" indent="0" algn="ctr">
+              <a:buNone/>
+            </a:pPr>
+            <a:endParaRPr lang="es-419" dirty="0"/>
+          </a:p>
+          <a:p>
+            <a:pPr marL="0" indent="0" algn="ctr">
+              <a:buNone/>
+            </a:pPr>
+            <a:endParaRPr lang="es-419" dirty="0"/>
+          </a:p>
+          <a:p>
+            <a:pPr marL="0" indent="0" algn="ctr">
+              <a:buNone/>
+            </a:pPr>
+            <a:r>
+              <a:rPr lang="es-419" dirty="0"/>
+              <a:t>Es un sistema de </a:t>
+            </a:r>
+            <a:r>
+              <a:rPr lang="es-419" i="1" dirty="0"/>
+              <a:t>software</a:t>
+            </a:r>
+            <a:r>
+              <a:rPr lang="es-419" dirty="0"/>
+              <a:t> diseñado para almacenar y manejar bases de datos</a:t>
+            </a:r>
+            <a:endParaRPr lang="en-US" dirty="0"/>
+          </a:p>
+        </p:txBody>
+      </p:sp>
+    </p:spTree>
+    <p:extLst>
+      <p:ext uri="{BB962C8B-B14F-4D97-AF65-F5344CB8AC3E}">
+        <p14:creationId xmlns:p14="http://schemas.microsoft.com/office/powerpoint/2010/main" val="2832892298"/>
+      </p:ext>
+    </p:extLst>
+  </p:cSld>
+  <p:clrMapOvr>
+    <a:masterClrMapping/>
+  </p:clrMapOvr>
+</p:sld>
+</file>
+
+<file path=ppt/slides/slide17.xml><?xml version="1.0" encoding="utf-8"?>
+<p:sld xmlns:a="http://schemas.openxmlformats.org/drawingml/2006/main" xmlns:r="http://schemas.openxmlformats.org/officeDocument/2006/relationships" xmlns:p="http://schemas.openxmlformats.org/presentationml/2006/main">
+  <p:cSld>
+    <p:spTree>
+      <p:nvGrpSpPr>
+        <p:cNvPr id="1" name=""/>
+        <p:cNvGrpSpPr/>
+        <p:nvPr/>
+      </p:nvGrpSpPr>
+      <p:grpSpPr>
+        <a:xfrm>
+          <a:off x="0" y="0"/>
+          <a:ext cx="0" cy="0"/>
+          <a:chOff x="0" y="0"/>
+          <a:chExt cx="0" cy="0"/>
+        </a:xfrm>
+      </p:grpSpPr>
+      <p:sp>
+        <p:nvSpPr>
+          <p:cNvPr id="2" name="Title 1">
+            <a:extLst>
+              <a:ext uri="{FF2B5EF4-FFF2-40B4-BE49-F238E27FC236}">
+                <a16:creationId xmlns:a16="http://schemas.microsoft.com/office/drawing/2014/main" id="{40BE6C5D-4CD2-4EC5-9BBE-260D9840B7FA}"/>
+              </a:ext>
+            </a:extLst>
+          </p:cNvPr>
+          <p:cNvSpPr>
+            <a:spLocks noGrp="1"/>
+          </p:cNvSpPr>
+          <p:nvPr>
+            <p:ph type="title"/>
+          </p:nvPr>
+        </p:nvSpPr>
+        <p:spPr/>
+        <p:txBody>
+          <a:bodyPr/>
+          <a:lstStyle/>
+          <a:p>
+            <a:r>
+              <a:rPr lang="es-419" dirty="0"/>
+              <a:t>¿Y qué es una base de datos?</a:t>
+            </a:r>
+            <a:endParaRPr lang="en-US" dirty="0"/>
+          </a:p>
+        </p:txBody>
+      </p:sp>
+      <p:sp>
+        <p:nvSpPr>
+          <p:cNvPr id="3" name="Content Placeholder 2">
+            <a:extLst>
+              <a:ext uri="{FF2B5EF4-FFF2-40B4-BE49-F238E27FC236}">
+                <a16:creationId xmlns:a16="http://schemas.microsoft.com/office/drawing/2014/main" id="{15691ADA-B486-4B6A-A418-BE71247BF746}"/>
+              </a:ext>
+            </a:extLst>
+          </p:cNvPr>
+          <p:cNvSpPr>
+            <a:spLocks noGrp="1"/>
+          </p:cNvSpPr>
+          <p:nvPr>
+            <p:ph idx="1"/>
+          </p:nvPr>
+        </p:nvSpPr>
+        <p:spPr/>
+        <p:txBody>
+          <a:bodyPr/>
+          <a:lstStyle/>
+          <a:p>
+            <a:pPr marL="0" indent="0">
+              <a:buNone/>
+            </a:pPr>
+            <a:endParaRPr lang="es-419" dirty="0"/>
+          </a:p>
+          <a:p>
+            <a:pPr marL="0" indent="0">
+              <a:buNone/>
+            </a:pPr>
+            <a:r>
+              <a:rPr lang="es-419" dirty="0"/>
+              <a:t>Una (potencialmente gran) colección de datos ingresados</a:t>
+            </a:r>
+          </a:p>
+          <a:p>
+            <a:pPr marL="0" indent="0">
+              <a:buNone/>
+            </a:pPr>
+            <a:endParaRPr lang="es-419" dirty="0"/>
+          </a:p>
+          <a:p>
+            <a:pPr marL="0" indent="0">
+              <a:buNone/>
+            </a:pPr>
+            <a:r>
+              <a:rPr lang="es-419" dirty="0"/>
+              <a:t>Que se usa para </a:t>
+            </a:r>
+            <a:r>
+              <a:rPr lang="es-419" b="1" dirty="0"/>
+              <a:t>modelar</a:t>
+            </a:r>
+            <a:r>
+              <a:rPr lang="es-419" dirty="0"/>
+              <a:t> aspectos del mundo real</a:t>
+            </a:r>
+          </a:p>
+          <a:p>
+            <a:pPr marL="0" indent="0">
+              <a:buNone/>
+            </a:pPr>
+            <a:endParaRPr lang="es-419" dirty="0"/>
+          </a:p>
+          <a:p>
+            <a:pPr marL="0" indent="0">
+              <a:buNone/>
+            </a:pPr>
+            <a:r>
+              <a:rPr lang="es-419" dirty="0"/>
+              <a:t>Que maneja </a:t>
+            </a:r>
+            <a:r>
+              <a:rPr lang="es-419" b="1" dirty="0"/>
+              <a:t>entidades</a:t>
+            </a:r>
+            <a:r>
+              <a:rPr lang="es-419" dirty="0"/>
+              <a:t> y </a:t>
+            </a:r>
+            <a:r>
+              <a:rPr lang="es-419" b="1" dirty="0"/>
+              <a:t>relaciones</a:t>
+            </a:r>
+            <a:endParaRPr lang="en-US" b="1" dirty="0"/>
+          </a:p>
+        </p:txBody>
+      </p:sp>
+    </p:spTree>
+    <p:extLst>
+      <p:ext uri="{BB962C8B-B14F-4D97-AF65-F5344CB8AC3E}">
+        <p14:creationId xmlns:p14="http://schemas.microsoft.com/office/powerpoint/2010/main" val="325771197"/>
+      </p:ext>
+    </p:extLst>
+  </p:cSld>
+  <p:clrMapOvr>
+    <a:masterClrMapping/>
+  </p:clrMapOvr>
+</p:sld>
+</file>
+
+<file path=ppt/slides/slide18.xml><?xml version="1.0" encoding="utf-8"?>
+<p:sld xmlns:a="http://schemas.openxmlformats.org/drawingml/2006/main" xmlns:r="http://schemas.openxmlformats.org/officeDocument/2006/relationships" xmlns:p="http://schemas.openxmlformats.org/presentationml/2006/main">
+  <p:cSld>
+    <p:spTree>
+      <p:nvGrpSpPr>
+        <p:cNvPr id="1" name=""/>
+        <p:cNvGrpSpPr/>
+        <p:nvPr/>
+      </p:nvGrpSpPr>
+      <p:grpSpPr>
+        <a:xfrm>
+          <a:off x="0" y="0"/>
+          <a:ext cx="0" cy="0"/>
+          <a:chOff x="0" y="0"/>
+          <a:chExt cx="0" cy="0"/>
+        </a:xfrm>
+      </p:grpSpPr>
+      <p:sp>
+        <p:nvSpPr>
+          <p:cNvPr id="2" name="Title 1">
+            <a:extLst>
+              <a:ext uri="{FF2B5EF4-FFF2-40B4-BE49-F238E27FC236}">
+                <a16:creationId xmlns:a16="http://schemas.microsoft.com/office/drawing/2014/main" id="{D2EEA410-FBE5-4146-8BB4-31D940F27DB6}"/>
+              </a:ext>
+            </a:extLst>
+          </p:cNvPr>
+          <p:cNvSpPr>
+            <a:spLocks noGrp="1"/>
+          </p:cNvSpPr>
+          <p:nvPr>
+            <p:ph type="title"/>
+          </p:nvPr>
+        </p:nvSpPr>
+        <p:spPr/>
+        <p:txBody>
+          <a:bodyPr/>
+          <a:lstStyle/>
+          <a:p>
+            <a:r>
+              <a:rPr lang="es-419" dirty="0"/>
+              <a:t>Por ejemplo</a:t>
+            </a:r>
+            <a:endParaRPr lang="en-US" dirty="0"/>
+          </a:p>
+        </p:txBody>
+      </p:sp>
+      <p:sp>
+        <p:nvSpPr>
+          <p:cNvPr id="3" name="Content Placeholder 2">
+            <a:extLst>
+              <a:ext uri="{FF2B5EF4-FFF2-40B4-BE49-F238E27FC236}">
+                <a16:creationId xmlns:a16="http://schemas.microsoft.com/office/drawing/2014/main" id="{B2411E30-F52F-4C76-90C4-0284CE213218}"/>
+              </a:ext>
+            </a:extLst>
+          </p:cNvPr>
+          <p:cNvSpPr>
+            <a:spLocks noGrp="1"/>
+          </p:cNvSpPr>
+          <p:nvPr>
+            <p:ph idx="1"/>
+          </p:nvPr>
+        </p:nvSpPr>
+        <p:spPr/>
+        <p:txBody>
+          <a:bodyPr/>
+          <a:lstStyle/>
+          <a:p>
+            <a:pPr marL="0" indent="0">
+              <a:buNone/>
+            </a:pPr>
+            <a:r>
+              <a:rPr lang="es-419" dirty="0"/>
+              <a:t>Un sistema manejador de contenidos (CMS):</a:t>
+            </a:r>
+          </a:p>
+          <a:p>
+            <a:pPr marL="0" indent="0">
+              <a:buNone/>
+            </a:pPr>
+            <a:endParaRPr lang="es-419" dirty="0"/>
+          </a:p>
+          <a:p>
+            <a:pPr lvl="1"/>
+            <a:r>
+              <a:rPr lang="en-US" dirty="0" err="1"/>
+              <a:t>Estudiantes</a:t>
+            </a:r>
+            <a:endParaRPr lang="en-US" dirty="0"/>
+          </a:p>
+          <a:p>
+            <a:pPr lvl="1"/>
+            <a:r>
+              <a:rPr lang="en-US" dirty="0" err="1"/>
+              <a:t>Cursos</a:t>
+            </a:r>
+            <a:endParaRPr lang="en-US" dirty="0"/>
+          </a:p>
+          <a:p>
+            <a:pPr lvl="1"/>
+            <a:r>
+              <a:rPr lang="en-US" dirty="0" err="1"/>
+              <a:t>Profesores</a:t>
+            </a:r>
+            <a:endParaRPr lang="en-US" dirty="0"/>
+          </a:p>
+          <a:p>
+            <a:pPr lvl="1"/>
+            <a:endParaRPr lang="en-US" dirty="0"/>
+          </a:p>
+          <a:p>
+            <a:pPr marL="457200" lvl="1" indent="0">
+              <a:buNone/>
+            </a:pPr>
+            <a:endParaRPr lang="en-US" dirty="0"/>
+          </a:p>
+          <a:p>
+            <a:pPr lvl="1"/>
+            <a:r>
+              <a:rPr lang="en-US" dirty="0" err="1"/>
+              <a:t>Quién</a:t>
+            </a:r>
+            <a:r>
+              <a:rPr lang="en-US" dirty="0"/>
+              <a:t> </a:t>
+            </a:r>
+            <a:r>
+              <a:rPr lang="en-US" b="1" dirty="0" err="1"/>
+              <a:t>estudia</a:t>
+            </a:r>
+            <a:r>
+              <a:rPr lang="en-US" dirty="0"/>
+              <a:t> </a:t>
+            </a:r>
+            <a:r>
+              <a:rPr lang="en-US" dirty="0" err="1"/>
+              <a:t>qué</a:t>
+            </a:r>
+            <a:endParaRPr lang="en-US" dirty="0"/>
+          </a:p>
+          <a:p>
+            <a:pPr lvl="1"/>
+            <a:r>
+              <a:rPr lang="es-419" dirty="0"/>
+              <a:t>Quién </a:t>
+            </a:r>
+            <a:r>
+              <a:rPr lang="es-419" b="1" dirty="0"/>
+              <a:t>imparte </a:t>
+            </a:r>
+            <a:r>
+              <a:rPr lang="es-419" dirty="0"/>
+              <a:t>qué</a:t>
+            </a:r>
+            <a:endParaRPr lang="en-US" dirty="0"/>
+          </a:p>
+        </p:txBody>
+      </p:sp>
+      <p:sp>
+        <p:nvSpPr>
+          <p:cNvPr id="4" name="Right Brace 3">
+            <a:extLst>
+              <a:ext uri="{FF2B5EF4-FFF2-40B4-BE49-F238E27FC236}">
+                <a16:creationId xmlns:a16="http://schemas.microsoft.com/office/drawing/2014/main" id="{A9C5F10A-7C77-463C-B92E-8C1B97A2456D}"/>
+              </a:ext>
+            </a:extLst>
+          </p:cNvPr>
+          <p:cNvSpPr/>
+          <p:nvPr/>
+        </p:nvSpPr>
+        <p:spPr>
+          <a:xfrm>
+            <a:off x="4229100" y="2588269"/>
+            <a:ext cx="381000" cy="1295400"/>
+          </a:xfrm>
+          <a:prstGeom prst="rightBrace">
+            <a:avLst/>
+          </a:prstGeom>
+          <a:noFill/>
+          <a:ln w="63500">
+            <a:solidFill>
+              <a:srgbClr val="FF0000"/>
+            </a:solidFill>
+          </a:ln>
+        </p:spPr>
+        <p:style>
+          <a:lnRef idx="1">
+            <a:schemeClr val="accent1"/>
+          </a:lnRef>
+          <a:fillRef idx="0">
+            <a:schemeClr val="accent1"/>
+          </a:fillRef>
+          <a:effectRef idx="0">
+            <a:schemeClr val="accent1"/>
+          </a:effectRef>
+          <a:fontRef idx="minor">
+            <a:schemeClr val="tx1"/>
+          </a:fontRef>
+        </p:style>
+        <p:txBody>
+          <a:bodyPr rtlCol="0" anchor="ctr"/>
+          <a:lstStyle/>
+          <a:p>
+            <a:pPr algn="ctr"/>
+            <a:endParaRPr lang="en-US" dirty="0"/>
+          </a:p>
+        </p:txBody>
+      </p:sp>
+      <p:sp>
+        <p:nvSpPr>
+          <p:cNvPr id="5" name="TextBox 4">
+            <a:extLst>
+              <a:ext uri="{FF2B5EF4-FFF2-40B4-BE49-F238E27FC236}">
+                <a16:creationId xmlns:a16="http://schemas.microsoft.com/office/drawing/2014/main" id="{94C8A5E4-C545-4A75-9E61-114B5CA3B27B}"/>
+              </a:ext>
+            </a:extLst>
+          </p:cNvPr>
+          <p:cNvSpPr txBox="1"/>
+          <p:nvPr/>
+        </p:nvSpPr>
+        <p:spPr>
+          <a:xfrm>
+            <a:off x="5025887" y="3005136"/>
+            <a:ext cx="1524000" cy="461665"/>
+          </a:xfrm>
+          <a:prstGeom prst="rect">
+            <a:avLst/>
+          </a:prstGeom>
+          <a:noFill/>
+        </p:spPr>
+        <p:txBody>
+          <a:bodyPr wrap="square" rtlCol="0">
+            <a:spAutoFit/>
+          </a:bodyPr>
+          <a:lstStyle/>
+          <a:p>
+            <a:pPr algn="ctr"/>
+            <a:r>
+              <a:rPr lang="en-US" sz="2400" i="1" dirty="0" err="1">
+                <a:solidFill>
+                  <a:srgbClr val="FF0000"/>
+                </a:solidFill>
+              </a:rPr>
+              <a:t>Entidades</a:t>
+            </a:r>
+            <a:endParaRPr lang="en-US" sz="2400" i="1" dirty="0">
+              <a:solidFill>
+                <a:srgbClr val="FF0000"/>
+              </a:solidFill>
+            </a:endParaRPr>
+          </a:p>
+        </p:txBody>
+      </p:sp>
+      <p:sp>
+        <p:nvSpPr>
+          <p:cNvPr id="6" name="Right Brace 5">
+            <a:extLst>
+              <a:ext uri="{FF2B5EF4-FFF2-40B4-BE49-F238E27FC236}">
+                <a16:creationId xmlns:a16="http://schemas.microsoft.com/office/drawing/2014/main" id="{C8C096DF-23B4-40D2-8176-CD06FFADEFAC}"/>
+              </a:ext>
+            </a:extLst>
+          </p:cNvPr>
+          <p:cNvSpPr/>
+          <p:nvPr/>
+        </p:nvSpPr>
+        <p:spPr>
+          <a:xfrm>
+            <a:off x="4229100" y="4692742"/>
+            <a:ext cx="381000" cy="685800"/>
+          </a:xfrm>
+          <a:prstGeom prst="rightBrace">
+            <a:avLst/>
+          </a:prstGeom>
+          <a:noFill/>
+          <a:ln w="63500">
+            <a:solidFill>
+              <a:srgbClr val="00B0F0"/>
+            </a:solidFill>
+          </a:ln>
+        </p:spPr>
+        <p:style>
+          <a:lnRef idx="1">
+            <a:schemeClr val="accent1"/>
+          </a:lnRef>
+          <a:fillRef idx="0">
+            <a:schemeClr val="accent1"/>
+          </a:fillRef>
+          <a:effectRef idx="0">
+            <a:schemeClr val="accent1"/>
+          </a:effectRef>
+          <a:fontRef idx="minor">
+            <a:schemeClr val="tx1"/>
+          </a:fontRef>
+        </p:style>
+        <p:txBody>
+          <a:bodyPr rtlCol="0" anchor="ctr"/>
+          <a:lstStyle/>
+          <a:p>
+            <a:pPr algn="ctr"/>
+            <a:endParaRPr lang="en-US"/>
+          </a:p>
+        </p:txBody>
+      </p:sp>
+      <p:sp>
+        <p:nvSpPr>
+          <p:cNvPr id="7" name="TextBox 6">
+            <a:extLst>
+              <a:ext uri="{FF2B5EF4-FFF2-40B4-BE49-F238E27FC236}">
+                <a16:creationId xmlns:a16="http://schemas.microsoft.com/office/drawing/2014/main" id="{255AEFD0-0372-4ACD-8CDB-62AD2A8A0150}"/>
+              </a:ext>
+            </a:extLst>
+          </p:cNvPr>
+          <p:cNvSpPr txBox="1"/>
+          <p:nvPr/>
+        </p:nvSpPr>
+        <p:spPr>
+          <a:xfrm>
+            <a:off x="4835387" y="4804809"/>
+            <a:ext cx="1905000" cy="461665"/>
+          </a:xfrm>
+          <a:prstGeom prst="rect">
+            <a:avLst/>
+          </a:prstGeom>
+          <a:noFill/>
+        </p:spPr>
+        <p:txBody>
+          <a:bodyPr wrap="square" rtlCol="0">
+            <a:spAutoFit/>
+          </a:bodyPr>
+          <a:lstStyle/>
+          <a:p>
+            <a:pPr algn="ctr"/>
+            <a:r>
+              <a:rPr lang="en-US" sz="2400" i="1" dirty="0" err="1">
+                <a:solidFill>
+                  <a:srgbClr val="00B0F0"/>
+                </a:solidFill>
+              </a:rPr>
+              <a:t>Relaciones</a:t>
+            </a:r>
+            <a:endParaRPr lang="en-US" sz="2400" i="1" dirty="0">
+              <a:solidFill>
+                <a:srgbClr val="00B0F0"/>
+              </a:solidFill>
+            </a:endParaRPr>
+          </a:p>
+        </p:txBody>
+      </p:sp>
+    </p:spTree>
+    <p:extLst>
+      <p:ext uri="{BB962C8B-B14F-4D97-AF65-F5344CB8AC3E}">
+        <p14:creationId xmlns:p14="http://schemas.microsoft.com/office/powerpoint/2010/main" val="3046759007"/>
+      </p:ext>
+    </p:extLst>
+  </p:cSld>
+  <p:clrMapOvr>
+    <a:masterClrMapping/>
+  </p:clrMapOvr>
+  <p:timing>
+    <p:tnLst>
+      <p:par>
+        <p:cTn id="1" dur="indefinite" restart="never" nodeType="tmRoot">
+          <p:childTnLst>
+            <p:seq concurrent="1" nextAc="seek">
+              <p:cTn id="2" dur="indefinite" nodeType="mainSeq">
+                <p:childTnLst>
+                  <p:par>
+                    <p:cTn id="3" fill="hold">
+                      <p:stCondLst>
+                        <p:cond delay="indefinite"/>
+                      </p:stCondLst>
+                      <p:childTnLst>
+                        <p:par>
+                          <p:cTn id="4" fill="hold">
+                            <p:stCondLst>
+                              <p:cond delay="0"/>
+                            </p:stCondLst>
+                            <p:childTnLst>
+                              <p:par>
+                                <p:cTn id="5" presetID="1" presetClass="entr" presetSubtype="0" fill="hold" grpId="0" nodeType="clickEffect">
+                                  <p:stCondLst>
+                                    <p:cond delay="0"/>
+                                  </p:stCondLst>
+                                  <p:childTnLst>
+                                    <p:set>
+                                      <p:cBhvr>
+                                        <p:cTn id="6" dur="1" fill="hold">
+                                          <p:stCondLst>
+                                            <p:cond delay="0"/>
+                                          </p:stCondLst>
+                                        </p:cTn>
+                                        <p:tgtEl>
+                                          <p:spTgt spid="4"/>
+                                        </p:tgtEl>
+                                        <p:attrNameLst>
+                                          <p:attrName>style.visibility</p:attrName>
+                                        </p:attrNameLst>
+                                      </p:cBhvr>
+                                      <p:to>
+                                        <p:strVal val="visible"/>
+                                      </p:to>
+                                    </p:set>
+                                  </p:childTnLst>
+                                </p:cTn>
+                              </p:par>
+                              <p:par>
+                                <p:cTn id="7" presetID="1" presetClass="entr" presetSubtype="0" fill="hold" grpId="0" nodeType="withEffect">
+                                  <p:stCondLst>
+                                    <p:cond delay="0"/>
+                                  </p:stCondLst>
+                                  <p:childTnLst>
+                                    <p:set>
+                                      <p:cBhvr>
+                                        <p:cTn id="8" dur="1" fill="hold">
+                                          <p:stCondLst>
+                                            <p:cond delay="0"/>
+                                          </p:stCondLst>
+                                        </p:cTn>
+                                        <p:tgtEl>
+                                          <p:spTgt spid="5"/>
+                                        </p:tgtEl>
+                                        <p:attrNameLst>
+                                          <p:attrName>style.visibility</p:attrName>
+                                        </p:attrNameLst>
+                                      </p:cBhvr>
+                                      <p:to>
+                                        <p:strVal val="visible"/>
+                                      </p:to>
+                                    </p:set>
+                                  </p:childTnLst>
+                                </p:cTn>
+                              </p:par>
+                              <p:par>
+                                <p:cTn id="9" presetID="1" presetClass="entr" presetSubtype="0" fill="hold" grpId="0" nodeType="withEffect">
+                                  <p:stCondLst>
+                                    <p:cond delay="0"/>
+                                  </p:stCondLst>
+                                  <p:childTnLst>
+                                    <p:set>
+                                      <p:cBhvr>
+                                        <p:cTn id="10" dur="1" fill="hold">
+                                          <p:stCondLst>
+                                            <p:cond delay="0"/>
+                                          </p:stCondLst>
+                                        </p:cTn>
+                                        <p:tgtEl>
+                                          <p:spTgt spid="6"/>
+                                        </p:tgtEl>
+                                        <p:attrNameLst>
+                                          <p:attrName>style.visibility</p:attrName>
+                                        </p:attrNameLst>
+                                      </p:cBhvr>
+                                      <p:to>
+                                        <p:strVal val="visible"/>
+                                      </p:to>
+                                    </p:set>
+                                  </p:childTnLst>
+                                </p:cTn>
+                              </p:par>
+                              <p:par>
+                                <p:cTn id="11" presetID="1" presetClass="entr" presetSubtype="0" fill="hold" grpId="0" nodeType="withEffect">
+                                  <p:stCondLst>
+                                    <p:cond delay="0"/>
+                                  </p:stCondLst>
+                                  <p:childTnLst>
+                                    <p:set>
+                                      <p:cBhvr>
+                                        <p:cTn id="12" dur="1" fill="hold">
+                                          <p:stCondLst>
+                                            <p:cond delay="0"/>
+                                          </p:stCondLst>
+                                        </p:cTn>
+                                        <p:tgtEl>
+                                          <p:spTgt spid="7"/>
+                                        </p:tgtEl>
+                                        <p:attrNameLst>
+                                          <p:attrName>style.visibility</p:attrName>
+                                        </p:attrNameLst>
+                                      </p:cBhvr>
+                                      <p:to>
+                                        <p:strVal val="visible"/>
+                                      </p:to>
+                                    </p:set>
+                                  </p:childTnLst>
+                                </p:cTn>
+                              </p:par>
+                            </p:childTnLst>
+                          </p:cTn>
+                        </p:par>
+                      </p:childTnLst>
+                    </p:cTn>
+                  </p:par>
+                </p:childTnLst>
+              </p:cTn>
+              <p:prevCondLst>
+                <p:cond evt="onPrev" delay="0">
+                  <p:tgtEl>
+                    <p:sldTgt/>
+                  </p:tgtEl>
+                </p:cond>
+              </p:prevCondLst>
+              <p:nextCondLst>
+                <p:cond evt="onNext" delay="0">
+                  <p:tgtEl>
+                    <p:sldTgt/>
+                  </p:tgtEl>
+                </p:cond>
+              </p:nextCondLst>
+            </p:seq>
+          </p:childTnLst>
+        </p:cTn>
+      </p:par>
+    </p:tnLst>
+    <p:bldLst>
+      <p:bldP spid="4" grpId="0" animBg="1"/>
+      <p:bldP spid="5" grpId="0"/>
+      <p:bldP spid="6" grpId="0" animBg="1"/>
+      <p:bldP spid="7" grpId="0"/>
+    </p:bldLst>
+  </p:timing>
+</p:sld>
+</file>
+
+<file path=ppt/slides/slide19.xml><?xml version="1.0" encoding="utf-8"?>
+<p:sld xmlns:a="http://schemas.openxmlformats.org/drawingml/2006/main" xmlns:r="http://schemas.openxmlformats.org/officeDocument/2006/relationships" xmlns:p="http://schemas.openxmlformats.org/presentationml/2006/main">
+  <p:cSld>
+    <p:spTree>
+      <p:nvGrpSpPr>
+        <p:cNvPr id="1" name=""/>
+        <p:cNvGrpSpPr/>
+        <p:nvPr/>
+      </p:nvGrpSpPr>
+      <p:grpSpPr>
+        <a:xfrm>
+          <a:off x="0" y="0"/>
+          <a:ext cx="0" cy="0"/>
+          <a:chOff x="0" y="0"/>
+          <a:chExt cx="0" cy="0"/>
+        </a:xfrm>
+      </p:grpSpPr>
+      <p:sp>
+        <p:nvSpPr>
+          <p:cNvPr id="2" name="Title 1">
+            <a:extLst>
+              <a:ext uri="{FF2B5EF4-FFF2-40B4-BE49-F238E27FC236}">
+                <a16:creationId xmlns:a16="http://schemas.microsoft.com/office/drawing/2014/main" id="{F6A2EC5D-EC60-42F0-B6F4-63578E8E1705}"/>
+              </a:ext>
+            </a:extLst>
+          </p:cNvPr>
+          <p:cNvSpPr>
+            <a:spLocks noGrp="1"/>
+          </p:cNvSpPr>
+          <p:nvPr>
+            <p:ph type="title"/>
+          </p:nvPr>
+        </p:nvSpPr>
+        <p:spPr/>
+        <p:txBody>
+          <a:bodyPr/>
+          <a:lstStyle/>
+          <a:p>
+            <a:r>
+              <a:rPr lang="es-419" dirty="0"/>
+              <a:t>Modelos de datos</a:t>
+            </a:r>
+            <a:endParaRPr lang="en-US" dirty="0"/>
+          </a:p>
+        </p:txBody>
+      </p:sp>
+      <p:sp>
+        <p:nvSpPr>
+          <p:cNvPr id="3" name="Content Placeholder 2">
+            <a:extLst>
+              <a:ext uri="{FF2B5EF4-FFF2-40B4-BE49-F238E27FC236}">
+                <a16:creationId xmlns:a16="http://schemas.microsoft.com/office/drawing/2014/main" id="{56936ED4-975D-442F-9DE4-5682C5A83FA9}"/>
+              </a:ext>
+            </a:extLst>
+          </p:cNvPr>
+          <p:cNvSpPr>
+            <a:spLocks noGrp="1"/>
+          </p:cNvSpPr>
+          <p:nvPr>
+            <p:ph idx="1"/>
+          </p:nvPr>
+        </p:nvSpPr>
+        <p:spPr/>
+        <p:txBody>
+          <a:bodyPr/>
+          <a:lstStyle/>
+          <a:p>
+            <a:r>
+              <a:rPr lang="es-419" dirty="0"/>
+              <a:t>Un </a:t>
+            </a:r>
+            <a:r>
+              <a:rPr lang="es-419" b="1" dirty="0"/>
+              <a:t>modelo de datos</a:t>
+            </a:r>
+            <a:r>
+              <a:rPr lang="es-419" dirty="0"/>
+              <a:t> es una colección de conceptos utilizados para describir datos</a:t>
+            </a:r>
+          </a:p>
+          <a:p>
+            <a:pPr lvl="1"/>
+            <a:r>
+              <a:rPr lang="es-419" dirty="0"/>
+              <a:t>Modelo jerárquico</a:t>
+            </a:r>
+          </a:p>
+          <a:p>
+            <a:pPr lvl="1"/>
+            <a:r>
+              <a:rPr lang="es-419" dirty="0"/>
+              <a:t>Modelo orientado a objetos</a:t>
+            </a:r>
+          </a:p>
+          <a:p>
+            <a:pPr lvl="1"/>
+            <a:r>
+              <a:rPr lang="es-419" dirty="0"/>
+              <a:t>El </a:t>
+            </a:r>
+            <a:r>
+              <a:rPr lang="es-419" u="sng" dirty="0"/>
+              <a:t>modelo relacional</a:t>
+            </a:r>
+            <a:r>
+              <a:rPr lang="es-419" dirty="0"/>
+              <a:t> es el más usado actualmente (?)</a:t>
+            </a:r>
+          </a:p>
+          <a:p>
+            <a:pPr lvl="2"/>
+            <a:r>
+              <a:rPr lang="es-419" dirty="0"/>
+              <a:t>Se fundamenta en el concepto de una </a:t>
+            </a:r>
+            <a:r>
+              <a:rPr lang="es-419" i="1" dirty="0"/>
+              <a:t>relación</a:t>
+            </a:r>
+            <a:r>
+              <a:rPr lang="es-419" dirty="0"/>
+              <a:t> (</a:t>
+            </a:r>
+            <a:r>
+              <a:rPr lang="es-419" dirty="0" err="1"/>
+              <a:t>mundamente</a:t>
+            </a:r>
+            <a:r>
+              <a:rPr lang="es-419" dirty="0"/>
+              <a:t> conocido como </a:t>
+            </a:r>
+            <a:r>
+              <a:rPr lang="es-419" i="1" dirty="0"/>
+              <a:t>tabla</a:t>
+            </a:r>
+            <a:r>
+              <a:rPr lang="es-419" dirty="0"/>
+              <a:t>)</a:t>
+            </a:r>
+          </a:p>
+          <a:p>
+            <a:pPr lvl="2"/>
+            <a:endParaRPr lang="es-419" dirty="0"/>
+          </a:p>
+          <a:p>
+            <a:r>
+              <a:rPr lang="es-419" dirty="0"/>
+              <a:t>Un </a:t>
+            </a:r>
+            <a:r>
+              <a:rPr lang="es-419" b="1" dirty="0"/>
+              <a:t>esquema</a:t>
+            </a:r>
+            <a:r>
+              <a:rPr lang="es-419" dirty="0"/>
+              <a:t> (</a:t>
+            </a:r>
+            <a:r>
+              <a:rPr lang="es-419" i="1" dirty="0" err="1"/>
+              <a:t>schema</a:t>
+            </a:r>
+            <a:r>
+              <a:rPr lang="es-419" dirty="0"/>
+              <a:t>) es una descripción de una colección particular de datos, usando el </a:t>
+            </a:r>
+            <a:r>
+              <a:rPr lang="es-419" b="1" dirty="0"/>
+              <a:t>modelo de datos</a:t>
+            </a:r>
+            <a:r>
+              <a:rPr lang="es-419" dirty="0"/>
+              <a:t> dado</a:t>
+            </a:r>
+          </a:p>
+          <a:p>
+            <a:pPr lvl="1"/>
+            <a:r>
+              <a:rPr lang="es-419" dirty="0"/>
+              <a:t>Cada </a:t>
+            </a:r>
+            <a:r>
+              <a:rPr lang="es-419" i="1" dirty="0"/>
+              <a:t>relación</a:t>
+            </a:r>
+            <a:r>
+              <a:rPr lang="es-419" dirty="0"/>
+              <a:t> en el modelo relacional tiene un esquema que define tipos de datos</a:t>
+            </a:r>
+          </a:p>
+        </p:txBody>
+      </p:sp>
+    </p:spTree>
+    <p:extLst>
+      <p:ext uri="{BB962C8B-B14F-4D97-AF65-F5344CB8AC3E}">
+        <p14:creationId xmlns:p14="http://schemas.microsoft.com/office/powerpoint/2010/main" val="3225730352"/>
+      </p:ext>
+    </p:extLst>
+  </p:cSld>
+  <p:clrMapOvr>
+    <a:masterClrMapping/>
+  </p:clrMapOvr>
+</p:sld>
+</file>
+
+<file path=ppt/slides/slide2.xml><?xml version="1.0" encoding="utf-8"?>
+<p:sld xmlns:a="http://schemas.openxmlformats.org/drawingml/2006/main" xmlns:r="http://schemas.openxmlformats.org/officeDocument/2006/relationships" xmlns:p="http://schemas.openxmlformats.org/presentationml/2006/main">
+  <p:cSld>
+    <p:spTree>
+      <p:nvGrpSpPr>
+        <p:cNvPr id="1" name=""/>
+        <p:cNvGrpSpPr/>
+        <p:nvPr/>
+      </p:nvGrpSpPr>
+      <p:grpSpPr>
+        <a:xfrm>
+          <a:off x="0" y="0"/>
+          <a:ext cx="0" cy="0"/>
+          <a:chOff x="0" y="0"/>
+          <a:chExt cx="0" cy="0"/>
+        </a:xfrm>
+      </p:grpSpPr>
+      <p:sp>
+        <p:nvSpPr>
+          <p:cNvPr id="2" name="Title 1">
+            <a:extLst>
+              <a:ext uri="{FF2B5EF4-FFF2-40B4-BE49-F238E27FC236}">
+                <a16:creationId xmlns:a16="http://schemas.microsoft.com/office/drawing/2014/main" id="{D48C50AA-7A51-42B5-AC61-4C9190F8CA5C}"/>
+              </a:ext>
+            </a:extLst>
+          </p:cNvPr>
+          <p:cNvSpPr>
+            <a:spLocks noGrp="1"/>
+          </p:cNvSpPr>
+          <p:nvPr>
+            <p:ph type="ctrTitle"/>
+          </p:nvPr>
+        </p:nvSpPr>
+        <p:spPr>
+          <a:xfrm>
+            <a:off x="1524000" y="875228"/>
+            <a:ext cx="9144000" cy="3400209"/>
+          </a:xfrm>
+        </p:spPr>
+        <p:txBody>
+          <a:bodyPr/>
+          <a:lstStyle/>
+          <a:p>
+            <a:r>
+              <a:rPr lang="es-419" dirty="0"/>
+              <a:t>El mundo es cada vez más conducido por los </a:t>
+            </a:r>
+            <a:r>
+              <a:rPr lang="es-419" b="1" dirty="0"/>
+              <a:t>datos</a:t>
+            </a:r>
+            <a:endParaRPr lang="en-US" b="1" dirty="0"/>
+          </a:p>
+        </p:txBody>
+      </p:sp>
+      <p:sp>
+        <p:nvSpPr>
+          <p:cNvPr id="5" name="Title 1">
+            <a:extLst>
+              <a:ext uri="{FF2B5EF4-FFF2-40B4-BE49-F238E27FC236}">
+                <a16:creationId xmlns:a16="http://schemas.microsoft.com/office/drawing/2014/main" id="{6060BA59-4A3E-450B-B2EC-16ABFEEEF927}"/>
+              </a:ext>
+            </a:extLst>
+          </p:cNvPr>
+          <p:cNvSpPr txBox="1">
+            <a:spLocks/>
+          </p:cNvSpPr>
+          <p:nvPr/>
+        </p:nvSpPr>
+        <p:spPr>
+          <a:xfrm>
+            <a:off x="794952" y="3001964"/>
+            <a:ext cx="9144000" cy="2387600"/>
+          </a:xfrm>
+          <a:prstGeom prst="rect">
+            <a:avLst/>
+          </a:prstGeom>
+        </p:spPr>
+        <p:txBody>
+          <a:bodyPr vert="horz" lIns="91440" tIns="45720" rIns="91440" bIns="45720" rtlCol="0" anchor="b">
+            <a:normAutofit/>
+          </a:bodyPr>
+          <a:lstStyle>
+            <a:lvl1pPr algn="ctr" defTabSz="914400" rtl="0" eaLnBrk="1" latinLnBrk="0" hangingPunct="1">
+              <a:lnSpc>
+                <a:spcPct val="90000"/>
+              </a:lnSpc>
+              <a:spcBef>
+                <a:spcPct val="0"/>
+              </a:spcBef>
+              <a:buNone/>
+              <a:defRPr sz="6000" kern="1200">
+                <a:solidFill>
+                  <a:schemeClr val="tx1"/>
+                </a:solidFill>
+                <a:latin typeface="+mj-lt"/>
+                <a:ea typeface="+mj-ea"/>
+                <a:cs typeface="+mj-cs"/>
+              </a:defRPr>
+            </a:lvl1pPr>
+          </a:lstStyle>
+          <a:p>
+            <a:endParaRPr lang="en-US" dirty="0"/>
+          </a:p>
+        </p:txBody>
+      </p:sp>
+    </p:spTree>
+    <p:extLst>
+      <p:ext uri="{BB962C8B-B14F-4D97-AF65-F5344CB8AC3E}">
+        <p14:creationId xmlns:p14="http://schemas.microsoft.com/office/powerpoint/2010/main" val="699972502"/>
+      </p:ext>
+    </p:extLst>
+  </p:cSld>
+  <p:clrMapOvr>
+    <a:masterClrMapping/>
+  </p:clrMapOvr>
+</p:sld>
+</file>
+
+<file path=ppt/slides/slide20.xml><?xml version="1.0" encoding="utf-8"?>
+<p:sld xmlns:a="http://schemas.openxmlformats.org/drawingml/2006/main" xmlns:r="http://schemas.openxmlformats.org/officeDocument/2006/relationships" xmlns:p="http://schemas.openxmlformats.org/presentationml/2006/main">
+  <p:cSld>
+    <p:spTree>
+      <p:nvGrpSpPr>
+        <p:cNvPr id="1" name=""/>
+        <p:cNvGrpSpPr/>
+        <p:nvPr/>
+      </p:nvGrpSpPr>
+      <p:grpSpPr>
+        <a:xfrm>
+          <a:off x="0" y="0"/>
+          <a:ext cx="0" cy="0"/>
+          <a:chOff x="0" y="0"/>
+          <a:chExt cx="0" cy="0"/>
+        </a:xfrm>
+      </p:grpSpPr>
+      <p:sp>
+        <p:nvSpPr>
+          <p:cNvPr id="2" name="Title 1">
+            <a:extLst>
+              <a:ext uri="{FF2B5EF4-FFF2-40B4-BE49-F238E27FC236}">
+                <a16:creationId xmlns:a16="http://schemas.microsoft.com/office/drawing/2014/main" id="{27DE7A97-4BAF-4CCD-B121-B5C337990499}"/>
+              </a:ext>
+            </a:extLst>
+          </p:cNvPr>
+          <p:cNvSpPr>
+            <a:spLocks noGrp="1"/>
+          </p:cNvSpPr>
+          <p:nvPr>
+            <p:ph type="title"/>
+          </p:nvPr>
+        </p:nvSpPr>
+        <p:spPr/>
+        <p:txBody>
+          <a:bodyPr/>
+          <a:lstStyle/>
+          <a:p>
+            <a:r>
+              <a:rPr lang="es-419" dirty="0"/>
+              <a:t>Modelando el CMS</a:t>
+            </a:r>
+            <a:endParaRPr lang="en-US" dirty="0"/>
+          </a:p>
+        </p:txBody>
+      </p:sp>
+      <p:sp>
+        <p:nvSpPr>
+          <p:cNvPr id="5" name="Content Placeholder 2">
+            <a:extLst>
+              <a:ext uri="{FF2B5EF4-FFF2-40B4-BE49-F238E27FC236}">
+                <a16:creationId xmlns:a16="http://schemas.microsoft.com/office/drawing/2014/main" id="{AAE962BF-A0F7-4313-808F-D00BEC0AC677}"/>
+              </a:ext>
+            </a:extLst>
+          </p:cNvPr>
+          <p:cNvSpPr txBox="1">
+            <a:spLocks/>
+          </p:cNvSpPr>
+          <p:nvPr/>
+        </p:nvSpPr>
+        <p:spPr>
+          <a:xfrm>
+            <a:off x="838200" y="1488826"/>
+            <a:ext cx="8229600" cy="4525963"/>
+          </a:xfrm>
+          <a:prstGeom prst="rect">
+            <a:avLst/>
+          </a:prstGeom>
+        </p:spPr>
+        <p:txBody>
+          <a:bodyPr vert="horz" lIns="91440" tIns="45720" rIns="91440" bIns="45720" rtlCol="0">
+            <a:normAutofit/>
+          </a:bodyPr>
+          <a:lstStyle>
+            <a:lvl1pPr marL="228600" indent="-228600" algn="l" defTabSz="914400" rtl="0" eaLnBrk="1" latinLnBrk="0" hangingPunct="1">
+              <a:lnSpc>
+                <a:spcPct val="90000"/>
+              </a:lnSpc>
+              <a:spcBef>
+                <a:spcPts val="1000"/>
+              </a:spcBef>
+              <a:buFont typeface="Arial" panose="020B0604020202020204" pitchFamily="34" charset="0"/>
+              <a:buChar char="•"/>
+              <a:defRPr sz="2800" kern="1200">
+                <a:solidFill>
+                  <a:schemeClr val="tx1"/>
+                </a:solidFill>
+                <a:latin typeface="+mn-lt"/>
+                <a:ea typeface="+mn-ea"/>
+                <a:cs typeface="+mn-cs"/>
+              </a:defRPr>
+            </a:lvl1pPr>
+            <a:lvl2pPr marL="685800" indent="-228600" algn="l" defTabSz="914400" rtl="0" eaLnBrk="1" latinLnBrk="0" hangingPunct="1">
+              <a:lnSpc>
+                <a:spcPct val="90000"/>
+              </a:lnSpc>
+              <a:spcBef>
+                <a:spcPts val="500"/>
+              </a:spcBef>
+              <a:buFont typeface="Arial" panose="020B0604020202020204" pitchFamily="34" charset="0"/>
+              <a:buChar char="•"/>
+              <a:defRPr sz="2400" kern="1200">
+                <a:solidFill>
+                  <a:schemeClr val="tx1"/>
+                </a:solidFill>
+                <a:latin typeface="+mn-lt"/>
+                <a:ea typeface="+mn-ea"/>
+                <a:cs typeface="+mn-cs"/>
+              </a:defRPr>
+            </a:lvl2pPr>
+            <a:lvl3pPr marL="1143000" indent="-228600" algn="l" defTabSz="914400" rtl="0" eaLnBrk="1" latinLnBrk="0" hangingPunct="1">
+              <a:lnSpc>
+                <a:spcPct val="90000"/>
+              </a:lnSpc>
+              <a:spcBef>
+                <a:spcPts val="500"/>
+              </a:spcBef>
+              <a:buFont typeface="Arial" panose="020B0604020202020204" pitchFamily="34" charset="0"/>
+              <a:buChar char="•"/>
+              <a:defRPr sz="2000" kern="1200">
+                <a:solidFill>
+                  <a:schemeClr val="tx1"/>
+                </a:solidFill>
+                <a:latin typeface="+mn-lt"/>
+                <a:ea typeface="+mn-ea"/>
+                <a:cs typeface="+mn-cs"/>
+              </a:defRPr>
+            </a:lvl3pPr>
+            <a:lvl4pPr marL="1600200" indent="-228600" algn="l" defTabSz="914400" rtl="0" eaLnBrk="1" latinLnBrk="0" hangingPunct="1">
+              <a:lnSpc>
+                <a:spcPct val="90000"/>
+              </a:lnSpc>
+              <a:spcBef>
+                <a:spcPts val="500"/>
+              </a:spcBef>
+              <a:buFont typeface="Arial" panose="020B0604020202020204" pitchFamily="34" charset="0"/>
+              <a:buChar char="•"/>
+              <a:defRPr sz="1800" kern="1200">
+                <a:solidFill>
+                  <a:schemeClr val="tx1"/>
+                </a:solidFill>
+                <a:latin typeface="+mn-lt"/>
+                <a:ea typeface="+mn-ea"/>
+                <a:cs typeface="+mn-cs"/>
+              </a:defRPr>
+            </a:lvl4pPr>
+            <a:lvl5pPr marL="2057400" indent="-228600" algn="l" defTabSz="914400" rtl="0" eaLnBrk="1" latinLnBrk="0" hangingPunct="1">
+              <a:lnSpc>
+                <a:spcPct val="90000"/>
+              </a:lnSpc>
+              <a:spcBef>
+                <a:spcPts val="500"/>
+              </a:spcBef>
+              <a:buFont typeface="Arial" panose="020B0604020202020204" pitchFamily="34" charset="0"/>
+              <a:buChar char="•"/>
+              <a:defRPr sz="1800" kern="1200">
+                <a:solidFill>
+                  <a:schemeClr val="tx1"/>
+                </a:solidFill>
+                <a:latin typeface="+mn-lt"/>
+                <a:ea typeface="+mn-ea"/>
+                <a:cs typeface="+mn-cs"/>
+              </a:defRPr>
+            </a:lvl5pPr>
+            <a:lvl6pPr marL="2514600" indent="-228600" algn="l" defTabSz="914400" rtl="0" eaLnBrk="1" latinLnBrk="0" hangingPunct="1">
+              <a:lnSpc>
+                <a:spcPct val="90000"/>
+              </a:lnSpc>
+              <a:spcBef>
+                <a:spcPts val="500"/>
+              </a:spcBef>
+              <a:buFont typeface="Arial" panose="020B0604020202020204" pitchFamily="34" charset="0"/>
+              <a:buChar char="•"/>
+              <a:defRPr sz="1800" kern="1200">
+                <a:solidFill>
+                  <a:schemeClr val="tx1"/>
+                </a:solidFill>
+                <a:latin typeface="+mn-lt"/>
+                <a:ea typeface="+mn-ea"/>
+                <a:cs typeface="+mn-cs"/>
+              </a:defRPr>
+            </a:lvl6pPr>
+            <a:lvl7pPr marL="2971800" indent="-228600" algn="l" defTabSz="914400" rtl="0" eaLnBrk="1" latinLnBrk="0" hangingPunct="1">
+              <a:lnSpc>
+                <a:spcPct val="90000"/>
+              </a:lnSpc>
+              <a:spcBef>
+                <a:spcPts val="500"/>
+              </a:spcBef>
+              <a:buFont typeface="Arial" panose="020B0604020202020204" pitchFamily="34" charset="0"/>
+              <a:buChar char="•"/>
+              <a:defRPr sz="1800" kern="1200">
+                <a:solidFill>
+                  <a:schemeClr val="tx1"/>
+                </a:solidFill>
+                <a:latin typeface="+mn-lt"/>
+                <a:ea typeface="+mn-ea"/>
+                <a:cs typeface="+mn-cs"/>
+              </a:defRPr>
+            </a:lvl7pPr>
+            <a:lvl8pPr marL="3429000" indent="-228600" algn="l" defTabSz="914400" rtl="0" eaLnBrk="1" latinLnBrk="0" hangingPunct="1">
+              <a:lnSpc>
+                <a:spcPct val="90000"/>
+              </a:lnSpc>
+              <a:spcBef>
+                <a:spcPts val="500"/>
+              </a:spcBef>
+              <a:buFont typeface="Arial" panose="020B0604020202020204" pitchFamily="34" charset="0"/>
+              <a:buChar char="•"/>
+              <a:defRPr sz="1800" kern="1200">
+                <a:solidFill>
+                  <a:schemeClr val="tx1"/>
+                </a:solidFill>
+                <a:latin typeface="+mn-lt"/>
+                <a:ea typeface="+mn-ea"/>
+                <a:cs typeface="+mn-cs"/>
+              </a:defRPr>
+            </a:lvl8pPr>
+            <a:lvl9pPr marL="3886200" indent="-228600" algn="l" defTabSz="914400" rtl="0" eaLnBrk="1" latinLnBrk="0" hangingPunct="1">
+              <a:lnSpc>
+                <a:spcPct val="90000"/>
+              </a:lnSpc>
+              <a:spcBef>
+                <a:spcPts val="500"/>
+              </a:spcBef>
+              <a:buFont typeface="Arial" panose="020B0604020202020204" pitchFamily="34" charset="0"/>
+              <a:buChar char="•"/>
+              <a:defRPr sz="1800" kern="1200">
+                <a:solidFill>
+                  <a:schemeClr val="tx1"/>
+                </a:solidFill>
+                <a:latin typeface="+mn-lt"/>
+                <a:ea typeface="+mn-ea"/>
+                <a:cs typeface="+mn-cs"/>
+              </a:defRPr>
+            </a:lvl9pPr>
+          </a:lstStyle>
+          <a:p>
+            <a:r>
+              <a:rPr lang="en-US" i="1" dirty="0" err="1"/>
+              <a:t>Esquema</a:t>
+            </a:r>
+            <a:r>
+              <a:rPr lang="en-US" i="1" dirty="0"/>
+              <a:t> </a:t>
+            </a:r>
+            <a:r>
+              <a:rPr lang="en-US" i="1" dirty="0" err="1"/>
+              <a:t>lógico</a:t>
+            </a:r>
+            <a:endParaRPr lang="en-US" i="1" dirty="0"/>
+          </a:p>
+          <a:p>
+            <a:pPr lvl="1"/>
+            <a:r>
+              <a:rPr lang="en-US" dirty="0" err="1">
+                <a:latin typeface="Arial" pitchFamily="34" charset="0"/>
+                <a:cs typeface="Arial" pitchFamily="34" charset="0"/>
+              </a:rPr>
+              <a:t>Estudiantes</a:t>
+            </a:r>
+            <a:r>
+              <a:rPr lang="en-US" dirty="0"/>
+              <a:t>(</a:t>
+            </a:r>
+            <a:r>
+              <a:rPr lang="en-US" dirty="0" err="1"/>
+              <a:t>e_id</a:t>
+            </a:r>
+            <a:r>
+              <a:rPr lang="en-US" dirty="0"/>
+              <a:t>: </a:t>
+            </a:r>
+            <a:r>
+              <a:rPr lang="en-US" i="1" dirty="0"/>
+              <a:t>string</a:t>
+            </a:r>
+            <a:r>
+              <a:rPr lang="en-US" dirty="0"/>
+              <a:t>, nom: </a:t>
+            </a:r>
+            <a:r>
+              <a:rPr lang="en-US" i="1" dirty="0"/>
+              <a:t>string</a:t>
+            </a:r>
+            <a:r>
+              <a:rPr lang="en-US" dirty="0"/>
+              <a:t>, pro: </a:t>
+            </a:r>
+            <a:r>
+              <a:rPr lang="en-US" i="1" dirty="0"/>
+              <a:t>float</a:t>
+            </a:r>
+            <a:r>
+              <a:rPr lang="en-US" dirty="0"/>
+              <a:t>)</a:t>
+            </a:r>
+          </a:p>
+          <a:p>
+            <a:pPr lvl="1"/>
+            <a:r>
+              <a:rPr lang="en-US" dirty="0" err="1">
+                <a:latin typeface="Arial" pitchFamily="34" charset="0"/>
+                <a:cs typeface="Arial" pitchFamily="34" charset="0"/>
+              </a:rPr>
+              <a:t>Cursos</a:t>
+            </a:r>
+            <a:r>
+              <a:rPr lang="en-US" dirty="0"/>
+              <a:t>(</a:t>
+            </a:r>
+            <a:r>
+              <a:rPr lang="en-US" dirty="0" err="1"/>
+              <a:t>c_id</a:t>
+            </a:r>
+            <a:r>
+              <a:rPr lang="en-US" dirty="0"/>
+              <a:t>: </a:t>
+            </a:r>
+            <a:r>
+              <a:rPr lang="en-US" i="1" dirty="0"/>
+              <a:t>string</a:t>
+            </a:r>
+            <a:r>
+              <a:rPr lang="en-US" dirty="0"/>
+              <a:t>, nom: </a:t>
+            </a:r>
+            <a:r>
+              <a:rPr lang="en-US" i="1" dirty="0"/>
+              <a:t>string</a:t>
+            </a:r>
+            <a:r>
+              <a:rPr lang="en-US" dirty="0"/>
+              <a:t>, cred: </a:t>
+            </a:r>
+            <a:r>
+              <a:rPr lang="en-US" i="1" dirty="0" err="1"/>
+              <a:t>int</a:t>
+            </a:r>
+            <a:r>
+              <a:rPr lang="en-US" dirty="0"/>
+              <a:t>)</a:t>
+            </a:r>
+          </a:p>
+          <a:p>
+            <a:pPr lvl="1"/>
+            <a:r>
+              <a:rPr lang="en-US" dirty="0" err="1">
+                <a:latin typeface="Arial" pitchFamily="34" charset="0"/>
+                <a:cs typeface="Arial" pitchFamily="34" charset="0"/>
+              </a:rPr>
+              <a:t>Asignaciones</a:t>
+            </a:r>
+            <a:r>
+              <a:rPr lang="en-US" dirty="0"/>
+              <a:t>(</a:t>
+            </a:r>
+            <a:r>
+              <a:rPr lang="en-US" dirty="0" err="1"/>
+              <a:t>sid</a:t>
+            </a:r>
+            <a:r>
+              <a:rPr lang="en-US" dirty="0"/>
+              <a:t>: </a:t>
+            </a:r>
+            <a:r>
+              <a:rPr lang="en-US" i="1" dirty="0"/>
+              <a:t>string, </a:t>
+            </a:r>
+            <a:r>
+              <a:rPr lang="en-US" dirty="0"/>
+              <a:t>cid</a:t>
+            </a:r>
+            <a:r>
+              <a:rPr lang="en-US" i="1" dirty="0"/>
+              <a:t>: string, </a:t>
+            </a:r>
+            <a:r>
+              <a:rPr lang="en-US" dirty="0"/>
+              <a:t>nota</a:t>
+            </a:r>
+            <a:r>
+              <a:rPr lang="en-US" i="1" dirty="0"/>
+              <a:t>: float</a:t>
+            </a:r>
+            <a:r>
+              <a:rPr lang="en-US" dirty="0"/>
+              <a:t>)</a:t>
+            </a:r>
+          </a:p>
+          <a:p>
+            <a:pPr lvl="1"/>
+            <a:endParaRPr lang="en-US" dirty="0"/>
+          </a:p>
+        </p:txBody>
+      </p:sp>
+      <p:sp>
+        <p:nvSpPr>
+          <p:cNvPr id="6" name="Rectangle 5">
+            <a:extLst>
+              <a:ext uri="{FF2B5EF4-FFF2-40B4-BE49-F238E27FC236}">
+                <a16:creationId xmlns:a16="http://schemas.microsoft.com/office/drawing/2014/main" id="{5C25CD6A-CB3E-4653-A02D-E6AFFBA0E9A9}"/>
+              </a:ext>
+            </a:extLst>
+          </p:cNvPr>
+          <p:cNvSpPr/>
+          <p:nvPr/>
+        </p:nvSpPr>
+        <p:spPr>
+          <a:xfrm>
+            <a:off x="1524000" y="3388829"/>
+            <a:ext cx="9144000" cy="3124200"/>
+          </a:xfrm>
+          <a:prstGeom prst="rect">
+            <a:avLst/>
+          </a:prstGeom>
+          <a:solidFill>
+            <a:schemeClr val="accent1">
+              <a:alpha val="21000"/>
+            </a:schemeClr>
+          </a:solidFill>
+          <a:ln>
+            <a:noFill/>
+          </a:ln>
+        </p:spPr>
+        <p:style>
+          <a:lnRef idx="2">
+            <a:schemeClr val="accent1">
+              <a:shade val="50000"/>
+            </a:schemeClr>
+          </a:lnRef>
+          <a:fillRef idx="1">
+            <a:schemeClr val="accent1"/>
+          </a:fillRef>
+          <a:effectRef idx="0">
+            <a:schemeClr val="accent1"/>
+          </a:effectRef>
+          <a:fontRef idx="minor">
+            <a:schemeClr val="lt1"/>
+          </a:fontRef>
+        </p:style>
+        <p:txBody>
+          <a:bodyPr rtlCol="0" anchor="ctr"/>
+          <a:lstStyle/>
+          <a:p>
+            <a:pPr algn="ctr"/>
+            <a:endParaRPr lang="en-US"/>
+          </a:p>
+        </p:txBody>
+      </p:sp>
+      <p:graphicFrame>
+        <p:nvGraphicFramePr>
+          <p:cNvPr id="7" name="Table 6">
+            <a:extLst>
+              <a:ext uri="{FF2B5EF4-FFF2-40B4-BE49-F238E27FC236}">
+                <a16:creationId xmlns:a16="http://schemas.microsoft.com/office/drawing/2014/main" id="{1E01CD34-F6BD-47B1-9090-3862E7E0FE06}"/>
+              </a:ext>
+            </a:extLst>
+          </p:cNvPr>
+          <p:cNvGraphicFramePr>
+            <a:graphicFrameLocks noGrp="1"/>
+          </p:cNvGraphicFramePr>
+          <p:nvPr>
+            <p:extLst>
+              <p:ext uri="{D42A27DB-BD31-4B8C-83A1-F6EECF244321}">
+                <p14:modId xmlns:p14="http://schemas.microsoft.com/office/powerpoint/2010/main" val="488097615"/>
+              </p:ext>
+            </p:extLst>
+          </p:nvPr>
+        </p:nvGraphicFramePr>
+        <p:xfrm>
+          <a:off x="1676400" y="3617429"/>
+          <a:ext cx="2667000" cy="1371600"/>
+        </p:xfrm>
+        <a:graphic>
+          <a:graphicData uri="http://schemas.openxmlformats.org/drawingml/2006/table">
+            <a:tbl>
+              <a:tblPr firstRow="1" bandRow="1">
+                <a:tableStyleId>{5940675A-B579-460E-94D1-54222C63F5DA}</a:tableStyleId>
+              </a:tblPr>
+              <a:tblGrid>
+                <a:gridCol w="808182">
+                  <a:extLst>
+                    <a:ext uri="{9D8B030D-6E8A-4147-A177-3AD203B41FA5}">
+                      <a16:colId xmlns:a16="http://schemas.microsoft.com/office/drawing/2014/main" val="20000"/>
+                    </a:ext>
+                  </a:extLst>
+                </a:gridCol>
+                <a:gridCol w="1050636">
+                  <a:extLst>
+                    <a:ext uri="{9D8B030D-6E8A-4147-A177-3AD203B41FA5}">
+                      <a16:colId xmlns:a16="http://schemas.microsoft.com/office/drawing/2014/main" val="20001"/>
+                    </a:ext>
+                  </a:extLst>
+                </a:gridCol>
+                <a:gridCol w="808182">
+                  <a:extLst>
+                    <a:ext uri="{9D8B030D-6E8A-4147-A177-3AD203B41FA5}">
+                      <a16:colId xmlns:a16="http://schemas.microsoft.com/office/drawing/2014/main" val="20002"/>
+                    </a:ext>
+                  </a:extLst>
+                </a:gridCol>
+              </a:tblGrid>
+              <a:tr h="370840">
+                <a:tc>
+                  <a:txBody>
+                    <a:bodyPr/>
+                    <a:lstStyle/>
+                    <a:p>
+                      <a:pPr algn="ctr"/>
+                      <a:r>
+                        <a:rPr lang="en-US" sz="2400" b="1" dirty="0" err="1"/>
+                        <a:t>e_id</a:t>
+                      </a:r>
+                      <a:endParaRPr lang="en-US" sz="2400" b="1" dirty="0"/>
+                    </a:p>
+                  </a:txBody>
+                  <a:tcPr>
+                    <a:solidFill>
+                      <a:schemeClr val="accent4">
+                        <a:lumMod val="20000"/>
+                        <a:lumOff val="80000"/>
+                      </a:schemeClr>
+                    </a:solidFill>
+                  </a:tcPr>
+                </a:tc>
+                <a:tc>
+                  <a:txBody>
+                    <a:bodyPr/>
+                    <a:lstStyle/>
+                    <a:p>
+                      <a:pPr algn="ctr"/>
+                      <a:r>
+                        <a:rPr lang="en-US" sz="2400" b="1" dirty="0"/>
+                        <a:t>nom</a:t>
+                      </a:r>
+                    </a:p>
+                  </a:txBody>
+                  <a:tcPr>
+                    <a:solidFill>
+                      <a:schemeClr val="accent4">
+                        <a:lumMod val="20000"/>
+                        <a:lumOff val="80000"/>
+                      </a:schemeClr>
+                    </a:solidFill>
+                  </a:tcPr>
+                </a:tc>
+                <a:tc>
+                  <a:txBody>
+                    <a:bodyPr/>
+                    <a:lstStyle/>
+                    <a:p>
+                      <a:pPr algn="ctr"/>
+                      <a:r>
+                        <a:rPr lang="es-419" sz="2400" b="1" dirty="0"/>
+                        <a:t>pro</a:t>
+                      </a:r>
+                      <a:endParaRPr lang="en-US" sz="2400" b="1" dirty="0"/>
+                    </a:p>
+                  </a:txBody>
+                  <a:tcPr>
+                    <a:solidFill>
+                      <a:schemeClr val="accent4">
+                        <a:lumMod val="20000"/>
+                        <a:lumOff val="80000"/>
+                      </a:schemeClr>
+                    </a:solidFill>
+                  </a:tcPr>
+                </a:tc>
+                <a:extLst>
+                  <a:ext uri="{0D108BD9-81ED-4DB2-BD59-A6C34878D82A}">
+                    <a16:rowId xmlns:a16="http://schemas.microsoft.com/office/drawing/2014/main" val="10000"/>
+                  </a:ext>
+                </a:extLst>
+              </a:tr>
+              <a:tr h="370840">
+                <a:tc>
+                  <a:txBody>
+                    <a:bodyPr/>
+                    <a:lstStyle/>
+                    <a:p>
+                      <a:r>
+                        <a:rPr lang="en-US" sz="2400" dirty="0"/>
+                        <a:t>101</a:t>
+                      </a:r>
+                    </a:p>
+                  </a:txBody>
+                  <a:tcPr>
+                    <a:solidFill>
+                      <a:schemeClr val="bg1"/>
+                    </a:solidFill>
+                  </a:tcPr>
+                </a:tc>
+                <a:tc>
+                  <a:txBody>
+                    <a:bodyPr/>
+                    <a:lstStyle/>
+                    <a:p>
+                      <a:r>
+                        <a:rPr lang="en-US" sz="2400" dirty="0"/>
+                        <a:t>Bob</a:t>
+                      </a:r>
+                    </a:p>
+                  </a:txBody>
+                  <a:tcPr>
+                    <a:solidFill>
+                      <a:schemeClr val="bg1"/>
+                    </a:solidFill>
+                  </a:tcPr>
+                </a:tc>
+                <a:tc>
+                  <a:txBody>
+                    <a:bodyPr/>
+                    <a:lstStyle/>
+                    <a:p>
+                      <a:pPr algn="ctr"/>
+                      <a:r>
+                        <a:rPr lang="en-US" sz="2400" dirty="0"/>
+                        <a:t>83.2</a:t>
+                      </a:r>
+                    </a:p>
+                  </a:txBody>
+                  <a:tcPr>
+                    <a:solidFill>
+                      <a:schemeClr val="bg1"/>
+                    </a:solidFill>
+                  </a:tcPr>
+                </a:tc>
+                <a:extLst>
+                  <a:ext uri="{0D108BD9-81ED-4DB2-BD59-A6C34878D82A}">
+                    <a16:rowId xmlns:a16="http://schemas.microsoft.com/office/drawing/2014/main" val="10001"/>
+                  </a:ext>
+                </a:extLst>
+              </a:tr>
+              <a:tr h="370840">
+                <a:tc>
+                  <a:txBody>
+                    <a:bodyPr/>
+                    <a:lstStyle/>
+                    <a:p>
+                      <a:r>
+                        <a:rPr lang="en-US" sz="2400" dirty="0"/>
+                        <a:t>123</a:t>
+                      </a:r>
+                    </a:p>
+                  </a:txBody>
+                  <a:tcPr>
+                    <a:solidFill>
+                      <a:schemeClr val="bg1"/>
+                    </a:solidFill>
+                  </a:tcPr>
+                </a:tc>
+                <a:tc>
+                  <a:txBody>
+                    <a:bodyPr/>
+                    <a:lstStyle/>
+                    <a:p>
+                      <a:r>
+                        <a:rPr lang="en-US" sz="2400" dirty="0"/>
+                        <a:t>Mary</a:t>
+                      </a:r>
+                    </a:p>
+                  </a:txBody>
+                  <a:tcPr>
+                    <a:solidFill>
+                      <a:schemeClr val="bg1"/>
+                    </a:solidFill>
+                  </a:tcPr>
+                </a:tc>
+                <a:tc>
+                  <a:txBody>
+                    <a:bodyPr/>
+                    <a:lstStyle/>
+                    <a:p>
+                      <a:pPr algn="ctr"/>
+                      <a:r>
+                        <a:rPr lang="en-US" sz="2400" dirty="0"/>
+                        <a:t>93.8</a:t>
+                      </a:r>
+                    </a:p>
+                  </a:txBody>
+                  <a:tcPr>
+                    <a:solidFill>
+                      <a:schemeClr val="bg1"/>
+                    </a:solidFill>
+                  </a:tcPr>
+                </a:tc>
+                <a:extLst>
+                  <a:ext uri="{0D108BD9-81ED-4DB2-BD59-A6C34878D82A}">
+                    <a16:rowId xmlns:a16="http://schemas.microsoft.com/office/drawing/2014/main" val="10002"/>
+                  </a:ext>
+                </a:extLst>
+              </a:tr>
+            </a:tbl>
+          </a:graphicData>
+        </a:graphic>
+      </p:graphicFrame>
+      <p:sp>
+        <p:nvSpPr>
+          <p:cNvPr id="8" name="TextBox 7">
+            <a:extLst>
+              <a:ext uri="{FF2B5EF4-FFF2-40B4-BE49-F238E27FC236}">
+                <a16:creationId xmlns:a16="http://schemas.microsoft.com/office/drawing/2014/main" id="{B9F39633-594E-4F57-AFB3-45AB6F0E892E}"/>
+              </a:ext>
+            </a:extLst>
+          </p:cNvPr>
+          <p:cNvSpPr txBox="1"/>
+          <p:nvPr/>
+        </p:nvSpPr>
+        <p:spPr>
+          <a:xfrm>
+            <a:off x="1908313" y="5136965"/>
+            <a:ext cx="1825487" cy="461665"/>
+          </a:xfrm>
+          <a:prstGeom prst="rect">
+            <a:avLst/>
+          </a:prstGeom>
+          <a:noFill/>
+        </p:spPr>
+        <p:txBody>
+          <a:bodyPr wrap="square" rtlCol="0">
+            <a:spAutoFit/>
+          </a:bodyPr>
+          <a:lstStyle/>
+          <a:p>
+            <a:pPr algn="ctr"/>
+            <a:r>
+              <a:rPr lang="en-US" sz="2400" dirty="0" err="1">
+                <a:latin typeface="Arial" pitchFamily="34" charset="0"/>
+                <a:cs typeface="Arial" pitchFamily="34" charset="0"/>
+              </a:rPr>
+              <a:t>Estudiantes</a:t>
+            </a:r>
+            <a:endParaRPr lang="en-US" sz="2400" dirty="0"/>
+          </a:p>
+        </p:txBody>
+      </p:sp>
+      <p:graphicFrame>
+        <p:nvGraphicFramePr>
+          <p:cNvPr id="9" name="Table 8">
+            <a:extLst>
+              <a:ext uri="{FF2B5EF4-FFF2-40B4-BE49-F238E27FC236}">
+                <a16:creationId xmlns:a16="http://schemas.microsoft.com/office/drawing/2014/main" id="{E9B07676-5428-47C0-915B-C684202106DE}"/>
+              </a:ext>
+            </a:extLst>
+          </p:cNvPr>
+          <p:cNvGraphicFramePr>
+            <a:graphicFrameLocks noGrp="1"/>
+          </p:cNvGraphicFramePr>
+          <p:nvPr>
+            <p:extLst>
+              <p:ext uri="{D42A27DB-BD31-4B8C-83A1-F6EECF244321}">
+                <p14:modId xmlns:p14="http://schemas.microsoft.com/office/powerpoint/2010/main" val="172926028"/>
+              </p:ext>
+            </p:extLst>
+          </p:nvPr>
+        </p:nvGraphicFramePr>
+        <p:xfrm>
+          <a:off x="7696200" y="3617429"/>
+          <a:ext cx="2895600" cy="1371600"/>
+        </p:xfrm>
+        <a:graphic>
+          <a:graphicData uri="http://schemas.openxmlformats.org/drawingml/2006/table">
+            <a:tbl>
+              <a:tblPr firstRow="1" bandRow="1">
+                <a:tableStyleId>{5940675A-B579-460E-94D1-54222C63F5DA}</a:tableStyleId>
+              </a:tblPr>
+              <a:tblGrid>
+                <a:gridCol w="762000">
+                  <a:extLst>
+                    <a:ext uri="{9D8B030D-6E8A-4147-A177-3AD203B41FA5}">
+                      <a16:colId xmlns:a16="http://schemas.microsoft.com/office/drawing/2014/main" val="20000"/>
+                    </a:ext>
+                  </a:extLst>
+                </a:gridCol>
+                <a:gridCol w="1066800">
+                  <a:extLst>
+                    <a:ext uri="{9D8B030D-6E8A-4147-A177-3AD203B41FA5}">
+                      <a16:colId xmlns:a16="http://schemas.microsoft.com/office/drawing/2014/main" val="20001"/>
+                    </a:ext>
+                  </a:extLst>
+                </a:gridCol>
+                <a:gridCol w="1066800">
+                  <a:extLst>
+                    <a:ext uri="{9D8B030D-6E8A-4147-A177-3AD203B41FA5}">
+                      <a16:colId xmlns:a16="http://schemas.microsoft.com/office/drawing/2014/main" val="20002"/>
+                    </a:ext>
+                  </a:extLst>
+                </a:gridCol>
+              </a:tblGrid>
+              <a:tr h="370840">
+                <a:tc>
+                  <a:txBody>
+                    <a:bodyPr/>
+                    <a:lstStyle/>
+                    <a:p>
+                      <a:pPr algn="ctr"/>
+                      <a:r>
+                        <a:rPr lang="en-US" sz="2400" b="1" dirty="0" err="1"/>
+                        <a:t>c_id</a:t>
+                      </a:r>
+                      <a:endParaRPr lang="en-US" sz="2400" b="1" dirty="0"/>
+                    </a:p>
+                  </a:txBody>
+                  <a:tcPr>
+                    <a:solidFill>
+                      <a:schemeClr val="accent4">
+                        <a:lumMod val="20000"/>
+                        <a:lumOff val="80000"/>
+                      </a:schemeClr>
+                    </a:solidFill>
+                  </a:tcPr>
+                </a:tc>
+                <a:tc>
+                  <a:txBody>
+                    <a:bodyPr/>
+                    <a:lstStyle/>
+                    <a:p>
+                      <a:pPr algn="ctr"/>
+                      <a:r>
+                        <a:rPr lang="en-US" sz="2400" b="1" dirty="0"/>
+                        <a:t>nom</a:t>
+                      </a:r>
+                    </a:p>
+                  </a:txBody>
+                  <a:tcPr>
+                    <a:solidFill>
+                      <a:schemeClr val="accent4">
+                        <a:lumMod val="20000"/>
+                        <a:lumOff val="80000"/>
+                      </a:schemeClr>
+                    </a:solidFill>
+                  </a:tcPr>
+                </a:tc>
+                <a:tc>
+                  <a:txBody>
+                    <a:bodyPr/>
+                    <a:lstStyle/>
+                    <a:p>
+                      <a:pPr algn="ctr"/>
+                      <a:r>
+                        <a:rPr lang="en-US" sz="2400" b="1" dirty="0"/>
+                        <a:t>cred</a:t>
+                      </a:r>
+                    </a:p>
+                  </a:txBody>
+                  <a:tcPr>
+                    <a:solidFill>
+                      <a:schemeClr val="accent4">
+                        <a:lumMod val="20000"/>
+                        <a:lumOff val="80000"/>
+                      </a:schemeClr>
+                    </a:solidFill>
+                  </a:tcPr>
+                </a:tc>
+                <a:extLst>
+                  <a:ext uri="{0D108BD9-81ED-4DB2-BD59-A6C34878D82A}">
+                    <a16:rowId xmlns:a16="http://schemas.microsoft.com/office/drawing/2014/main" val="10000"/>
+                  </a:ext>
+                </a:extLst>
+              </a:tr>
+              <a:tr h="370840">
+                <a:tc>
+                  <a:txBody>
+                    <a:bodyPr/>
+                    <a:lstStyle/>
+                    <a:p>
+                      <a:r>
+                        <a:rPr lang="en-US" sz="2400" dirty="0"/>
+                        <a:t>564</a:t>
+                      </a:r>
+                    </a:p>
+                  </a:txBody>
+                  <a:tcPr>
+                    <a:solidFill>
+                      <a:schemeClr val="bg1"/>
+                    </a:solidFill>
+                  </a:tcPr>
+                </a:tc>
+                <a:tc>
+                  <a:txBody>
+                    <a:bodyPr/>
+                    <a:lstStyle/>
+                    <a:p>
+                      <a:r>
+                        <a:rPr lang="en-US" sz="2400" dirty="0"/>
+                        <a:t>564-2</a:t>
+                      </a:r>
+                    </a:p>
+                  </a:txBody>
+                  <a:tcPr>
+                    <a:solidFill>
+                      <a:schemeClr val="bg1"/>
+                    </a:solidFill>
+                  </a:tcPr>
+                </a:tc>
+                <a:tc>
+                  <a:txBody>
+                    <a:bodyPr/>
+                    <a:lstStyle/>
+                    <a:p>
+                      <a:pPr algn="ctr"/>
+                      <a:r>
+                        <a:rPr lang="en-US" sz="2400" dirty="0"/>
+                        <a:t>4</a:t>
+                      </a:r>
+                    </a:p>
+                  </a:txBody>
+                  <a:tcPr>
+                    <a:solidFill>
+                      <a:schemeClr val="bg1"/>
+                    </a:solidFill>
+                  </a:tcPr>
+                </a:tc>
+                <a:extLst>
+                  <a:ext uri="{0D108BD9-81ED-4DB2-BD59-A6C34878D82A}">
+                    <a16:rowId xmlns:a16="http://schemas.microsoft.com/office/drawing/2014/main" val="10001"/>
+                  </a:ext>
+                </a:extLst>
+              </a:tr>
+              <a:tr h="370840">
+                <a:tc>
+                  <a:txBody>
+                    <a:bodyPr/>
+                    <a:lstStyle/>
+                    <a:p>
+                      <a:r>
+                        <a:rPr lang="en-US" sz="2400" dirty="0"/>
+                        <a:t>308</a:t>
+                      </a:r>
+                    </a:p>
+                  </a:txBody>
+                  <a:tcPr>
+                    <a:solidFill>
+                      <a:schemeClr val="bg1"/>
+                    </a:solidFill>
+                  </a:tcPr>
+                </a:tc>
+                <a:tc>
+                  <a:txBody>
+                    <a:bodyPr/>
+                    <a:lstStyle/>
+                    <a:p>
+                      <a:r>
+                        <a:rPr lang="en-US" sz="2400" dirty="0"/>
+                        <a:t>417</a:t>
+                      </a:r>
+                    </a:p>
+                  </a:txBody>
+                  <a:tcPr>
+                    <a:solidFill>
+                      <a:schemeClr val="bg1"/>
+                    </a:solidFill>
+                  </a:tcPr>
+                </a:tc>
+                <a:tc>
+                  <a:txBody>
+                    <a:bodyPr/>
+                    <a:lstStyle/>
+                    <a:p>
+                      <a:pPr algn="ctr"/>
+                      <a:r>
+                        <a:rPr lang="en-US" sz="2400" dirty="0"/>
+                        <a:t>2</a:t>
+                      </a:r>
+                    </a:p>
+                  </a:txBody>
+                  <a:tcPr>
+                    <a:solidFill>
+                      <a:schemeClr val="bg1"/>
+                    </a:solidFill>
+                  </a:tcPr>
+                </a:tc>
+                <a:extLst>
+                  <a:ext uri="{0D108BD9-81ED-4DB2-BD59-A6C34878D82A}">
+                    <a16:rowId xmlns:a16="http://schemas.microsoft.com/office/drawing/2014/main" val="10002"/>
+                  </a:ext>
+                </a:extLst>
+              </a:tr>
+            </a:tbl>
+          </a:graphicData>
+        </a:graphic>
+      </p:graphicFrame>
+      <p:sp>
+        <p:nvSpPr>
+          <p:cNvPr id="10" name="TextBox 9">
+            <a:extLst>
+              <a:ext uri="{FF2B5EF4-FFF2-40B4-BE49-F238E27FC236}">
+                <a16:creationId xmlns:a16="http://schemas.microsoft.com/office/drawing/2014/main" id="{C524DDF6-A0C9-481F-9F86-60A7B83BE18D}"/>
+              </a:ext>
+            </a:extLst>
+          </p:cNvPr>
+          <p:cNvSpPr txBox="1"/>
+          <p:nvPr/>
+        </p:nvSpPr>
+        <p:spPr>
+          <a:xfrm>
+            <a:off x="8153400" y="5136965"/>
+            <a:ext cx="1676400" cy="461665"/>
+          </a:xfrm>
+          <a:prstGeom prst="rect">
+            <a:avLst/>
+          </a:prstGeom>
+          <a:noFill/>
+        </p:spPr>
+        <p:txBody>
+          <a:bodyPr wrap="square" rtlCol="0">
+            <a:spAutoFit/>
+          </a:bodyPr>
+          <a:lstStyle/>
+          <a:p>
+            <a:pPr algn="ctr"/>
+            <a:r>
+              <a:rPr lang="en-US" sz="2400" dirty="0" err="1">
+                <a:latin typeface="Arial" pitchFamily="34" charset="0"/>
+                <a:cs typeface="Arial" pitchFamily="34" charset="0"/>
+              </a:rPr>
+              <a:t>Cursos</a:t>
+            </a:r>
+            <a:endParaRPr lang="en-US" sz="2400" dirty="0"/>
+          </a:p>
+        </p:txBody>
+      </p:sp>
+      <p:graphicFrame>
+        <p:nvGraphicFramePr>
+          <p:cNvPr id="11" name="Table 10">
+            <a:extLst>
+              <a:ext uri="{FF2B5EF4-FFF2-40B4-BE49-F238E27FC236}">
+                <a16:creationId xmlns:a16="http://schemas.microsoft.com/office/drawing/2014/main" id="{B1187164-117F-4F08-996E-B0024188C857}"/>
+              </a:ext>
+            </a:extLst>
+          </p:cNvPr>
+          <p:cNvGraphicFramePr>
+            <a:graphicFrameLocks noGrp="1"/>
+          </p:cNvGraphicFramePr>
+          <p:nvPr>
+            <p:extLst>
+              <p:ext uri="{D42A27DB-BD31-4B8C-83A1-F6EECF244321}">
+                <p14:modId xmlns:p14="http://schemas.microsoft.com/office/powerpoint/2010/main" val="2612935490"/>
+              </p:ext>
+            </p:extLst>
+          </p:nvPr>
+        </p:nvGraphicFramePr>
+        <p:xfrm>
+          <a:off x="4572000" y="5065229"/>
+          <a:ext cx="2895600" cy="914400"/>
+        </p:xfrm>
+        <a:graphic>
+          <a:graphicData uri="http://schemas.openxmlformats.org/drawingml/2006/table">
+            <a:tbl>
+              <a:tblPr firstRow="1" bandRow="1">
+                <a:tableStyleId>{5940675A-B579-460E-94D1-54222C63F5DA}</a:tableStyleId>
+              </a:tblPr>
+              <a:tblGrid>
+                <a:gridCol w="762000">
+                  <a:extLst>
+                    <a:ext uri="{9D8B030D-6E8A-4147-A177-3AD203B41FA5}">
+                      <a16:colId xmlns:a16="http://schemas.microsoft.com/office/drawing/2014/main" val="20000"/>
+                    </a:ext>
+                  </a:extLst>
+                </a:gridCol>
+                <a:gridCol w="1066800">
+                  <a:extLst>
+                    <a:ext uri="{9D8B030D-6E8A-4147-A177-3AD203B41FA5}">
+                      <a16:colId xmlns:a16="http://schemas.microsoft.com/office/drawing/2014/main" val="20001"/>
+                    </a:ext>
+                  </a:extLst>
+                </a:gridCol>
+                <a:gridCol w="1066800">
+                  <a:extLst>
+                    <a:ext uri="{9D8B030D-6E8A-4147-A177-3AD203B41FA5}">
+                      <a16:colId xmlns:a16="http://schemas.microsoft.com/office/drawing/2014/main" val="20002"/>
+                    </a:ext>
+                  </a:extLst>
+                </a:gridCol>
+              </a:tblGrid>
+              <a:tr h="370840">
+                <a:tc>
+                  <a:txBody>
+                    <a:bodyPr/>
+                    <a:lstStyle/>
+                    <a:p>
+                      <a:pPr algn="ctr"/>
+                      <a:r>
+                        <a:rPr lang="en-US" sz="2400" b="1" dirty="0" err="1"/>
+                        <a:t>e_id</a:t>
+                      </a:r>
+                      <a:endParaRPr lang="en-US" sz="2400" b="1" dirty="0"/>
+                    </a:p>
+                  </a:txBody>
+                  <a:tcPr>
+                    <a:solidFill>
+                      <a:schemeClr val="accent4">
+                        <a:lumMod val="20000"/>
+                        <a:lumOff val="80000"/>
+                      </a:schemeClr>
+                    </a:solidFill>
+                  </a:tcPr>
+                </a:tc>
+                <a:tc>
+                  <a:txBody>
+                    <a:bodyPr/>
+                    <a:lstStyle/>
+                    <a:p>
+                      <a:pPr algn="ctr"/>
+                      <a:r>
+                        <a:rPr lang="en-US" sz="2400" b="1" dirty="0" err="1"/>
+                        <a:t>c_id</a:t>
+                      </a:r>
+                      <a:endParaRPr lang="en-US" sz="2400" b="1" dirty="0"/>
+                    </a:p>
+                  </a:txBody>
+                  <a:tcPr>
+                    <a:solidFill>
+                      <a:schemeClr val="accent4">
+                        <a:lumMod val="20000"/>
+                        <a:lumOff val="80000"/>
+                      </a:schemeClr>
+                    </a:solidFill>
+                  </a:tcPr>
+                </a:tc>
+                <a:tc>
+                  <a:txBody>
+                    <a:bodyPr/>
+                    <a:lstStyle/>
+                    <a:p>
+                      <a:pPr algn="ctr"/>
+                      <a:r>
+                        <a:rPr lang="en-US" sz="2400" b="1" dirty="0"/>
+                        <a:t>nota</a:t>
+                      </a:r>
+                    </a:p>
+                  </a:txBody>
+                  <a:tcPr>
+                    <a:solidFill>
+                      <a:schemeClr val="accent4">
+                        <a:lumMod val="20000"/>
+                        <a:lumOff val="80000"/>
+                      </a:schemeClr>
+                    </a:solidFill>
+                  </a:tcPr>
+                </a:tc>
+                <a:extLst>
+                  <a:ext uri="{0D108BD9-81ED-4DB2-BD59-A6C34878D82A}">
+                    <a16:rowId xmlns:a16="http://schemas.microsoft.com/office/drawing/2014/main" val="10000"/>
+                  </a:ext>
+                </a:extLst>
+              </a:tr>
+              <a:tr h="370840">
+                <a:tc>
+                  <a:txBody>
+                    <a:bodyPr/>
+                    <a:lstStyle/>
+                    <a:p>
+                      <a:r>
+                        <a:rPr lang="en-US" sz="2400" dirty="0"/>
+                        <a:t>123</a:t>
+                      </a:r>
+                    </a:p>
+                  </a:txBody>
+                  <a:tcPr>
+                    <a:solidFill>
+                      <a:schemeClr val="bg1"/>
+                    </a:solidFill>
+                  </a:tcPr>
+                </a:tc>
+                <a:tc>
+                  <a:txBody>
+                    <a:bodyPr/>
+                    <a:lstStyle/>
+                    <a:p>
+                      <a:r>
+                        <a:rPr lang="en-US" sz="2400" dirty="0"/>
+                        <a:t>564</a:t>
+                      </a:r>
+                    </a:p>
+                  </a:txBody>
+                  <a:tcPr>
+                    <a:solidFill>
+                      <a:schemeClr val="bg1"/>
+                    </a:solidFill>
+                  </a:tcPr>
+                </a:tc>
+                <a:tc>
+                  <a:txBody>
+                    <a:bodyPr/>
+                    <a:lstStyle/>
+                    <a:p>
+                      <a:pPr algn="ctr"/>
+                      <a:r>
+                        <a:rPr lang="en-US" sz="2400" dirty="0"/>
+                        <a:t>85</a:t>
+                      </a:r>
+                    </a:p>
+                  </a:txBody>
+                  <a:tcPr>
+                    <a:solidFill>
+                      <a:schemeClr val="bg1"/>
+                    </a:solidFill>
+                  </a:tcPr>
+                </a:tc>
+                <a:extLst>
+                  <a:ext uri="{0D108BD9-81ED-4DB2-BD59-A6C34878D82A}">
+                    <a16:rowId xmlns:a16="http://schemas.microsoft.com/office/drawing/2014/main" val="10001"/>
+                  </a:ext>
+                </a:extLst>
+              </a:tr>
+            </a:tbl>
+          </a:graphicData>
+        </a:graphic>
+      </p:graphicFrame>
+      <p:sp>
+        <p:nvSpPr>
+          <p:cNvPr id="12" name="TextBox 11">
+            <a:extLst>
+              <a:ext uri="{FF2B5EF4-FFF2-40B4-BE49-F238E27FC236}">
+                <a16:creationId xmlns:a16="http://schemas.microsoft.com/office/drawing/2014/main" id="{177AF231-9973-408B-94CA-1843C713C52F}"/>
+              </a:ext>
+            </a:extLst>
+          </p:cNvPr>
+          <p:cNvSpPr txBox="1"/>
+          <p:nvPr/>
+        </p:nvSpPr>
+        <p:spPr>
+          <a:xfrm>
+            <a:off x="4810539" y="6051364"/>
+            <a:ext cx="2047461" cy="461665"/>
+          </a:xfrm>
+          <a:prstGeom prst="rect">
+            <a:avLst/>
+          </a:prstGeom>
+          <a:noFill/>
+        </p:spPr>
+        <p:txBody>
+          <a:bodyPr wrap="square" rtlCol="0">
+            <a:spAutoFit/>
+          </a:bodyPr>
+          <a:lstStyle/>
+          <a:p>
+            <a:pPr algn="ctr"/>
+            <a:r>
+              <a:rPr lang="en-US" sz="2400" dirty="0" err="1">
+                <a:latin typeface="Arial" pitchFamily="34" charset="0"/>
+                <a:cs typeface="Arial" pitchFamily="34" charset="0"/>
+              </a:rPr>
+              <a:t>Asignaciones</a:t>
+            </a:r>
+            <a:endParaRPr lang="en-US" sz="2400" dirty="0"/>
+          </a:p>
+        </p:txBody>
+      </p:sp>
+      <p:sp>
+        <p:nvSpPr>
+          <p:cNvPr id="13" name="TextBox 12">
+            <a:extLst>
+              <a:ext uri="{FF2B5EF4-FFF2-40B4-BE49-F238E27FC236}">
+                <a16:creationId xmlns:a16="http://schemas.microsoft.com/office/drawing/2014/main" id="{469D1FD0-A029-45CA-8C8F-8131A4D9CB7C}"/>
+              </a:ext>
+            </a:extLst>
+          </p:cNvPr>
+          <p:cNvSpPr txBox="1"/>
+          <p:nvPr/>
+        </p:nvSpPr>
+        <p:spPr>
+          <a:xfrm>
+            <a:off x="5105400" y="3693629"/>
+            <a:ext cx="1752600" cy="523220"/>
+          </a:xfrm>
+          <a:prstGeom prst="rect">
+            <a:avLst/>
+          </a:prstGeom>
+          <a:solidFill>
+            <a:schemeClr val="bg1"/>
+          </a:solidFill>
+        </p:spPr>
+        <p:txBody>
+          <a:bodyPr wrap="square" rtlCol="0">
+            <a:spAutoFit/>
+          </a:bodyPr>
+          <a:lstStyle/>
+          <a:p>
+            <a:pPr algn="ctr"/>
+            <a:r>
+              <a:rPr lang="en-US" sz="2800" i="1" dirty="0" err="1"/>
+              <a:t>Relaciones</a:t>
+            </a:r>
+            <a:endParaRPr lang="en-US" sz="2800" i="1" dirty="0"/>
+          </a:p>
+        </p:txBody>
+      </p:sp>
+    </p:spTree>
+    <p:extLst>
+      <p:ext uri="{BB962C8B-B14F-4D97-AF65-F5344CB8AC3E}">
+        <p14:creationId xmlns:p14="http://schemas.microsoft.com/office/powerpoint/2010/main" val="549421674"/>
+      </p:ext>
+    </p:extLst>
+  </p:cSld>
+  <p:clrMapOvr>
+    <a:masterClrMapping/>
+  </p:clrMapOvr>
+  <p:timing>
+    <p:tnLst>
+      <p:par>
+        <p:cTn id="1" dur="indefinite" restart="never" nodeType="tmRoot">
+          <p:childTnLst>
+            <p:seq concurrent="1" nextAc="seek">
+              <p:cTn id="2" dur="indefinite" nodeType="mainSeq">
+                <p:childTnLst>
+                  <p:par>
+                    <p:cTn id="3" fill="hold">
+                      <p:stCondLst>
+                        <p:cond delay="indefinite"/>
+                      </p:stCondLst>
+                      <p:childTnLst>
+                        <p:par>
+                          <p:cTn id="4" fill="hold">
+                            <p:stCondLst>
+                              <p:cond delay="0"/>
+                            </p:stCondLst>
+                            <p:childTnLst>
+                              <p:par>
+                                <p:cTn id="5" presetID="1" presetClass="entr" presetSubtype="0" fill="hold" nodeType="clickEffect">
+                                  <p:stCondLst>
+                                    <p:cond delay="0"/>
+                                  </p:stCondLst>
+                                  <p:childTnLst>
+                                    <p:set>
+                                      <p:cBhvr>
+                                        <p:cTn id="6" dur="1" fill="hold">
+                                          <p:stCondLst>
+                                            <p:cond delay="0"/>
+                                          </p:stCondLst>
+                                        </p:cTn>
+                                        <p:tgtEl>
+                                          <p:spTgt spid="5">
+                                            <p:txEl>
+                                              <p:pRg st="0" end="0"/>
+                                            </p:txEl>
+                                          </p:spTgt>
+                                        </p:tgtEl>
+                                        <p:attrNameLst>
+                                          <p:attrName>style.visibility</p:attrName>
+                                        </p:attrNameLst>
+                                      </p:cBhvr>
+                                      <p:to>
+                                        <p:strVal val="visible"/>
+                                      </p:to>
+                                    </p:set>
+                                  </p:childTnLst>
+                                </p:cTn>
+                              </p:par>
+                              <p:par>
+                                <p:cTn id="7" presetID="1" presetClass="entr" presetSubtype="0" fill="hold" nodeType="withEffect">
+                                  <p:stCondLst>
+                                    <p:cond delay="0"/>
+                                  </p:stCondLst>
+                                  <p:childTnLst>
+                                    <p:set>
+                                      <p:cBhvr>
+                                        <p:cTn id="8" dur="1" fill="hold">
+                                          <p:stCondLst>
+                                            <p:cond delay="0"/>
+                                          </p:stCondLst>
+                                        </p:cTn>
+                                        <p:tgtEl>
+                                          <p:spTgt spid="5">
+                                            <p:txEl>
+                                              <p:pRg st="1" end="1"/>
+                                            </p:txEl>
+                                          </p:spTgt>
+                                        </p:tgtEl>
+                                        <p:attrNameLst>
+                                          <p:attrName>style.visibility</p:attrName>
+                                        </p:attrNameLst>
+                                      </p:cBhvr>
+                                      <p:to>
+                                        <p:strVal val="visible"/>
+                                      </p:to>
+                                    </p:set>
+                                  </p:childTnLst>
+                                </p:cTn>
+                              </p:par>
+                              <p:par>
+                                <p:cTn id="9" presetID="1" presetClass="entr" presetSubtype="0" fill="hold" nodeType="withEffect">
+                                  <p:stCondLst>
+                                    <p:cond delay="0"/>
+                                  </p:stCondLst>
+                                  <p:childTnLst>
+                                    <p:set>
+                                      <p:cBhvr>
+                                        <p:cTn id="10" dur="1" fill="hold">
+                                          <p:stCondLst>
+                                            <p:cond delay="0"/>
+                                          </p:stCondLst>
+                                        </p:cTn>
+                                        <p:tgtEl>
+                                          <p:spTgt spid="5">
+                                            <p:txEl>
+                                              <p:pRg st="2" end="2"/>
+                                            </p:txEl>
+                                          </p:spTgt>
+                                        </p:tgtEl>
+                                        <p:attrNameLst>
+                                          <p:attrName>style.visibility</p:attrName>
+                                        </p:attrNameLst>
+                                      </p:cBhvr>
+                                      <p:to>
+                                        <p:strVal val="visible"/>
+                                      </p:to>
+                                    </p:set>
+                                  </p:childTnLst>
+                                </p:cTn>
+                              </p:par>
+                              <p:par>
+                                <p:cTn id="11" presetID="1" presetClass="entr" presetSubtype="0" fill="hold" nodeType="withEffect">
+                                  <p:stCondLst>
+                                    <p:cond delay="0"/>
+                                  </p:stCondLst>
+                                  <p:childTnLst>
+                                    <p:set>
+                                      <p:cBhvr>
+                                        <p:cTn id="12" dur="1" fill="hold">
+                                          <p:stCondLst>
+                                            <p:cond delay="0"/>
+                                          </p:stCondLst>
+                                        </p:cTn>
+                                        <p:tgtEl>
+                                          <p:spTgt spid="5">
+                                            <p:txEl>
+                                              <p:pRg st="3" end="3"/>
+                                            </p:txEl>
+                                          </p:spTgt>
+                                        </p:tgtEl>
+                                        <p:attrNameLst>
+                                          <p:attrName>style.visibility</p:attrName>
+                                        </p:attrNameLst>
+                                      </p:cBhvr>
+                                      <p:to>
+                                        <p:strVal val="visible"/>
+                                      </p:to>
+                                    </p:set>
+                                  </p:childTnLst>
+                                </p:cTn>
+                              </p:par>
+                            </p:childTnLst>
+                          </p:cTn>
+                        </p:par>
+                      </p:childTnLst>
+                    </p:cTn>
+                  </p:par>
+                  <p:par>
+                    <p:cTn id="13" fill="hold">
+                      <p:stCondLst>
+                        <p:cond delay="indefinite"/>
+                      </p:stCondLst>
+                      <p:childTnLst>
+                        <p:par>
+                          <p:cTn id="14" fill="hold">
+                            <p:stCondLst>
+                              <p:cond delay="0"/>
+                            </p:stCondLst>
+                            <p:childTnLst>
+                              <p:par>
+                                <p:cTn id="15" presetID="1" presetClass="entr" presetSubtype="0" fill="hold" nodeType="clickEffect">
+                                  <p:stCondLst>
+                                    <p:cond delay="0"/>
+                                  </p:stCondLst>
+                                  <p:childTnLst>
+                                    <p:set>
+                                      <p:cBhvr>
+                                        <p:cTn id="16" dur="1" fill="hold">
+                                          <p:stCondLst>
+                                            <p:cond delay="0"/>
+                                          </p:stCondLst>
+                                        </p:cTn>
+                                        <p:tgtEl>
+                                          <p:spTgt spid="7"/>
+                                        </p:tgtEl>
+                                        <p:attrNameLst>
+                                          <p:attrName>style.visibility</p:attrName>
+                                        </p:attrNameLst>
+                                      </p:cBhvr>
+                                      <p:to>
+                                        <p:strVal val="visible"/>
+                                      </p:to>
+                                    </p:set>
+                                  </p:childTnLst>
+                                </p:cTn>
+                              </p:par>
+                              <p:par>
+                                <p:cTn id="17" presetID="1" presetClass="entr" presetSubtype="0" fill="hold" nodeType="withEffect">
+                                  <p:stCondLst>
+                                    <p:cond delay="0"/>
+                                  </p:stCondLst>
+                                  <p:childTnLst>
+                                    <p:set>
+                                      <p:cBhvr>
+                                        <p:cTn id="18" dur="1" fill="hold">
+                                          <p:stCondLst>
+                                            <p:cond delay="0"/>
+                                          </p:stCondLst>
+                                        </p:cTn>
+                                        <p:tgtEl>
+                                          <p:spTgt spid="8"/>
+                                        </p:tgtEl>
+                                        <p:attrNameLst>
+                                          <p:attrName>style.visibility</p:attrName>
+                                        </p:attrNameLst>
+                                      </p:cBhvr>
+                                      <p:to>
+                                        <p:strVal val="visible"/>
+                                      </p:to>
+                                    </p:set>
+                                  </p:childTnLst>
+                                </p:cTn>
+                              </p:par>
+                              <p:par>
+                                <p:cTn id="19" presetID="1" presetClass="entr" presetSubtype="0" fill="hold" nodeType="withEffect">
+                                  <p:stCondLst>
+                                    <p:cond delay="0"/>
+                                  </p:stCondLst>
+                                  <p:childTnLst>
+                                    <p:set>
+                                      <p:cBhvr>
+                                        <p:cTn id="20" dur="1" fill="hold">
+                                          <p:stCondLst>
+                                            <p:cond delay="0"/>
+                                          </p:stCondLst>
+                                        </p:cTn>
+                                        <p:tgtEl>
+                                          <p:spTgt spid="9"/>
+                                        </p:tgtEl>
+                                        <p:attrNameLst>
+                                          <p:attrName>style.visibility</p:attrName>
+                                        </p:attrNameLst>
+                                      </p:cBhvr>
+                                      <p:to>
+                                        <p:strVal val="visible"/>
+                                      </p:to>
+                                    </p:set>
+                                  </p:childTnLst>
+                                </p:cTn>
+                              </p:par>
+                              <p:par>
+                                <p:cTn id="21" presetID="1" presetClass="entr" presetSubtype="0" fill="hold" nodeType="withEffect">
+                                  <p:stCondLst>
+                                    <p:cond delay="0"/>
+                                  </p:stCondLst>
+                                  <p:childTnLst>
+                                    <p:set>
+                                      <p:cBhvr>
+                                        <p:cTn id="22" dur="1" fill="hold">
+                                          <p:stCondLst>
+                                            <p:cond delay="0"/>
+                                          </p:stCondLst>
+                                        </p:cTn>
+                                        <p:tgtEl>
+                                          <p:spTgt spid="10"/>
+                                        </p:tgtEl>
+                                        <p:attrNameLst>
+                                          <p:attrName>style.visibility</p:attrName>
+                                        </p:attrNameLst>
+                                      </p:cBhvr>
+                                      <p:to>
+                                        <p:strVal val="visible"/>
+                                      </p:to>
+                                    </p:set>
+                                  </p:childTnLst>
+                                </p:cTn>
+                              </p:par>
+                              <p:par>
+                                <p:cTn id="23" presetID="1" presetClass="entr" presetSubtype="0" fill="hold" nodeType="withEffect">
+                                  <p:stCondLst>
+                                    <p:cond delay="0"/>
+                                  </p:stCondLst>
+                                  <p:childTnLst>
+                                    <p:set>
+                                      <p:cBhvr>
+                                        <p:cTn id="24" dur="1" fill="hold">
+                                          <p:stCondLst>
+                                            <p:cond delay="0"/>
+                                          </p:stCondLst>
+                                        </p:cTn>
+                                        <p:tgtEl>
+                                          <p:spTgt spid="11"/>
+                                        </p:tgtEl>
+                                        <p:attrNameLst>
+                                          <p:attrName>style.visibility</p:attrName>
+                                        </p:attrNameLst>
+                                      </p:cBhvr>
+                                      <p:to>
+                                        <p:strVal val="visible"/>
+                                      </p:to>
+                                    </p:set>
+                                  </p:childTnLst>
+                                </p:cTn>
+                              </p:par>
+                              <p:par>
+                                <p:cTn id="25" presetID="1" presetClass="entr" presetSubtype="0" fill="hold" nodeType="withEffect">
+                                  <p:stCondLst>
+                                    <p:cond delay="0"/>
+                                  </p:stCondLst>
+                                  <p:childTnLst>
+                                    <p:set>
+                                      <p:cBhvr>
+                                        <p:cTn id="26" dur="1" fill="hold">
+                                          <p:stCondLst>
+                                            <p:cond delay="0"/>
+                                          </p:stCondLst>
+                                        </p:cTn>
+                                        <p:tgtEl>
+                                          <p:spTgt spid="12"/>
+                                        </p:tgtEl>
+                                        <p:attrNameLst>
+                                          <p:attrName>style.visibility</p:attrName>
+                                        </p:attrNameLst>
+                                      </p:cBhvr>
+                                      <p:to>
+                                        <p:strVal val="visible"/>
+                                      </p:to>
+                                    </p:set>
+                                  </p:childTnLst>
+                                </p:cTn>
+                              </p:par>
+                              <p:par>
+                                <p:cTn id="27" presetID="1" presetClass="entr" presetSubtype="0" fill="hold" nodeType="withEffect">
+                                  <p:stCondLst>
+                                    <p:cond delay="0"/>
+                                  </p:stCondLst>
+                                  <p:childTnLst>
+                                    <p:set>
+                                      <p:cBhvr>
+                                        <p:cTn id="28" dur="1" fill="hold">
+                                          <p:stCondLst>
+                                            <p:cond delay="0"/>
+                                          </p:stCondLst>
+                                        </p:cTn>
+                                        <p:tgtEl>
+                                          <p:spTgt spid="13"/>
+                                        </p:tgtEl>
+                                        <p:attrNameLst>
+                                          <p:attrName>style.visibility</p:attrName>
+                                        </p:attrNameLst>
+                                      </p:cBhvr>
+                                      <p:to>
+                                        <p:strVal val="visible"/>
+                                      </p:to>
+                                    </p:set>
+                                  </p:childTnLst>
+                                </p:cTn>
+                              </p:par>
+                              <p:par>
+                                <p:cTn id="29" presetID="1" presetClass="entr" presetSubtype="0" fill="hold" grpId="0" nodeType="withEffect">
+                                  <p:stCondLst>
+                                    <p:cond delay="0"/>
+                                  </p:stCondLst>
+                                  <p:childTnLst>
+                                    <p:set>
+                                      <p:cBhvr>
+                                        <p:cTn id="30" dur="1" fill="hold">
+                                          <p:stCondLst>
+                                            <p:cond delay="0"/>
+                                          </p:stCondLst>
+                                        </p:cTn>
+                                        <p:tgtEl>
+                                          <p:spTgt spid="6"/>
+                                        </p:tgtEl>
+                                        <p:attrNameLst>
+                                          <p:attrName>style.visibility</p:attrName>
+                                        </p:attrNameLst>
+                                      </p:cBhvr>
+                                      <p:to>
+                                        <p:strVal val="visible"/>
+                                      </p:to>
+                                    </p:set>
+                                  </p:childTnLst>
+                                </p:cTn>
+                              </p:par>
+                            </p:childTnLst>
+                          </p:cTn>
+                        </p:par>
+                      </p:childTnLst>
+                    </p:cTn>
+                  </p:par>
+                </p:childTnLst>
+              </p:cTn>
+              <p:prevCondLst>
+                <p:cond evt="onPrev" delay="0">
+                  <p:tgtEl>
+                    <p:sldTgt/>
+                  </p:tgtEl>
+                </p:cond>
+              </p:prevCondLst>
+              <p:nextCondLst>
+                <p:cond evt="onNext" delay="0">
+                  <p:tgtEl>
+                    <p:sldTgt/>
+                  </p:tgtEl>
+                </p:cond>
+              </p:nextCondLst>
+            </p:seq>
+          </p:childTnLst>
+        </p:cTn>
+      </p:par>
+    </p:tnLst>
+    <p:bldLst>
+      <p:bldP spid="6" grpId="0" animBg="1"/>
+    </p:bldLst>
+  </p:timing>
+</p:sld>
+</file>
+
+<file path=ppt/slides/slide21.xml><?xml version="1.0" encoding="utf-8"?>
+<p:sld xmlns:a="http://schemas.openxmlformats.org/drawingml/2006/main" xmlns:r="http://schemas.openxmlformats.org/officeDocument/2006/relationships" xmlns:p="http://schemas.openxmlformats.org/presentationml/2006/main">
+  <p:cSld>
+    <p:spTree>
+      <p:nvGrpSpPr>
+        <p:cNvPr id="1" name=""/>
+        <p:cNvGrpSpPr/>
+        <p:nvPr/>
+      </p:nvGrpSpPr>
+      <p:grpSpPr>
+        <a:xfrm>
+          <a:off x="0" y="0"/>
+          <a:ext cx="0" cy="0"/>
+          <a:chOff x="0" y="0"/>
+          <a:chExt cx="0" cy="0"/>
+        </a:xfrm>
+      </p:grpSpPr>
+      <p:sp>
+        <p:nvSpPr>
+          <p:cNvPr id="2" name="Title 1">
+            <a:extLst>
+              <a:ext uri="{FF2B5EF4-FFF2-40B4-BE49-F238E27FC236}">
+                <a16:creationId xmlns:a16="http://schemas.microsoft.com/office/drawing/2014/main" id="{27DE7A97-4BAF-4CCD-B121-B5C337990499}"/>
+              </a:ext>
+            </a:extLst>
+          </p:cNvPr>
+          <p:cNvSpPr>
+            <a:spLocks noGrp="1"/>
+          </p:cNvSpPr>
+          <p:nvPr>
+            <p:ph type="title"/>
+          </p:nvPr>
+        </p:nvSpPr>
+        <p:spPr/>
+        <p:txBody>
+          <a:bodyPr/>
+          <a:lstStyle/>
+          <a:p>
+            <a:r>
+              <a:rPr lang="es-419" dirty="0"/>
+              <a:t>Modelando el CMS</a:t>
+            </a:r>
+            <a:endParaRPr lang="en-US" dirty="0"/>
+          </a:p>
+        </p:txBody>
+      </p:sp>
+      <p:sp>
+        <p:nvSpPr>
+          <p:cNvPr id="5" name="Content Placeholder 2">
+            <a:extLst>
+              <a:ext uri="{FF2B5EF4-FFF2-40B4-BE49-F238E27FC236}">
+                <a16:creationId xmlns:a16="http://schemas.microsoft.com/office/drawing/2014/main" id="{AAE962BF-A0F7-4313-808F-D00BEC0AC677}"/>
+              </a:ext>
+            </a:extLst>
+          </p:cNvPr>
+          <p:cNvSpPr txBox="1">
+            <a:spLocks/>
+          </p:cNvSpPr>
+          <p:nvPr/>
+        </p:nvSpPr>
+        <p:spPr>
+          <a:xfrm>
+            <a:off x="838200" y="1488826"/>
+            <a:ext cx="8229600" cy="4525963"/>
+          </a:xfrm>
+          <a:prstGeom prst="rect">
+            <a:avLst/>
+          </a:prstGeom>
+        </p:spPr>
+        <p:txBody>
+          <a:bodyPr vert="horz" lIns="91440" tIns="45720" rIns="91440" bIns="45720" rtlCol="0">
+            <a:normAutofit/>
+          </a:bodyPr>
+          <a:lstStyle>
+            <a:lvl1pPr marL="228600" indent="-228600" algn="l" defTabSz="914400" rtl="0" eaLnBrk="1" latinLnBrk="0" hangingPunct="1">
+              <a:lnSpc>
+                <a:spcPct val="90000"/>
+              </a:lnSpc>
+              <a:spcBef>
+                <a:spcPts val="1000"/>
+              </a:spcBef>
+              <a:buFont typeface="Arial" panose="020B0604020202020204" pitchFamily="34" charset="0"/>
+              <a:buChar char="•"/>
+              <a:defRPr sz="2800" kern="1200">
+                <a:solidFill>
+                  <a:schemeClr val="tx1"/>
+                </a:solidFill>
+                <a:latin typeface="+mn-lt"/>
+                <a:ea typeface="+mn-ea"/>
+                <a:cs typeface="+mn-cs"/>
+              </a:defRPr>
+            </a:lvl1pPr>
+            <a:lvl2pPr marL="685800" indent="-228600" algn="l" defTabSz="914400" rtl="0" eaLnBrk="1" latinLnBrk="0" hangingPunct="1">
+              <a:lnSpc>
+                <a:spcPct val="90000"/>
+              </a:lnSpc>
+              <a:spcBef>
+                <a:spcPts val="500"/>
+              </a:spcBef>
+              <a:buFont typeface="Arial" panose="020B0604020202020204" pitchFamily="34" charset="0"/>
+              <a:buChar char="•"/>
+              <a:defRPr sz="2400" kern="1200">
+                <a:solidFill>
+                  <a:schemeClr val="tx1"/>
+                </a:solidFill>
+                <a:latin typeface="+mn-lt"/>
+                <a:ea typeface="+mn-ea"/>
+                <a:cs typeface="+mn-cs"/>
+              </a:defRPr>
+            </a:lvl2pPr>
+            <a:lvl3pPr marL="1143000" indent="-228600" algn="l" defTabSz="914400" rtl="0" eaLnBrk="1" latinLnBrk="0" hangingPunct="1">
+              <a:lnSpc>
+                <a:spcPct val="90000"/>
+              </a:lnSpc>
+              <a:spcBef>
+                <a:spcPts val="500"/>
+              </a:spcBef>
+              <a:buFont typeface="Arial" panose="020B0604020202020204" pitchFamily="34" charset="0"/>
+              <a:buChar char="•"/>
+              <a:defRPr sz="2000" kern="1200">
+                <a:solidFill>
+                  <a:schemeClr val="tx1"/>
+                </a:solidFill>
+                <a:latin typeface="+mn-lt"/>
+                <a:ea typeface="+mn-ea"/>
+                <a:cs typeface="+mn-cs"/>
+              </a:defRPr>
+            </a:lvl3pPr>
+            <a:lvl4pPr marL="1600200" indent="-228600" algn="l" defTabSz="914400" rtl="0" eaLnBrk="1" latinLnBrk="0" hangingPunct="1">
+              <a:lnSpc>
+                <a:spcPct val="90000"/>
+              </a:lnSpc>
+              <a:spcBef>
+                <a:spcPts val="500"/>
+              </a:spcBef>
+              <a:buFont typeface="Arial" panose="020B0604020202020204" pitchFamily="34" charset="0"/>
+              <a:buChar char="•"/>
+              <a:defRPr sz="1800" kern="1200">
+                <a:solidFill>
+                  <a:schemeClr val="tx1"/>
+                </a:solidFill>
+                <a:latin typeface="+mn-lt"/>
+                <a:ea typeface="+mn-ea"/>
+                <a:cs typeface="+mn-cs"/>
+              </a:defRPr>
+            </a:lvl4pPr>
+            <a:lvl5pPr marL="2057400" indent="-228600" algn="l" defTabSz="914400" rtl="0" eaLnBrk="1" latinLnBrk="0" hangingPunct="1">
+              <a:lnSpc>
+                <a:spcPct val="90000"/>
+              </a:lnSpc>
+              <a:spcBef>
+                <a:spcPts val="500"/>
+              </a:spcBef>
+              <a:buFont typeface="Arial" panose="020B0604020202020204" pitchFamily="34" charset="0"/>
+              <a:buChar char="•"/>
+              <a:defRPr sz="1800" kern="1200">
+                <a:solidFill>
+                  <a:schemeClr val="tx1"/>
+                </a:solidFill>
+                <a:latin typeface="+mn-lt"/>
+                <a:ea typeface="+mn-ea"/>
+                <a:cs typeface="+mn-cs"/>
+              </a:defRPr>
+            </a:lvl5pPr>
+            <a:lvl6pPr marL="2514600" indent="-228600" algn="l" defTabSz="914400" rtl="0" eaLnBrk="1" latinLnBrk="0" hangingPunct="1">
+              <a:lnSpc>
+                <a:spcPct val="90000"/>
+              </a:lnSpc>
+              <a:spcBef>
+                <a:spcPts val="500"/>
+              </a:spcBef>
+              <a:buFont typeface="Arial" panose="020B0604020202020204" pitchFamily="34" charset="0"/>
+              <a:buChar char="•"/>
+              <a:defRPr sz="1800" kern="1200">
+                <a:solidFill>
+                  <a:schemeClr val="tx1"/>
+                </a:solidFill>
+                <a:latin typeface="+mn-lt"/>
+                <a:ea typeface="+mn-ea"/>
+                <a:cs typeface="+mn-cs"/>
+              </a:defRPr>
+            </a:lvl6pPr>
+            <a:lvl7pPr marL="2971800" indent="-228600" algn="l" defTabSz="914400" rtl="0" eaLnBrk="1" latinLnBrk="0" hangingPunct="1">
+              <a:lnSpc>
+                <a:spcPct val="90000"/>
+              </a:lnSpc>
+              <a:spcBef>
+                <a:spcPts val="500"/>
+              </a:spcBef>
+              <a:buFont typeface="Arial" panose="020B0604020202020204" pitchFamily="34" charset="0"/>
+              <a:buChar char="•"/>
+              <a:defRPr sz="1800" kern="1200">
+                <a:solidFill>
+                  <a:schemeClr val="tx1"/>
+                </a:solidFill>
+                <a:latin typeface="+mn-lt"/>
+                <a:ea typeface="+mn-ea"/>
+                <a:cs typeface="+mn-cs"/>
+              </a:defRPr>
+            </a:lvl7pPr>
+            <a:lvl8pPr marL="3429000" indent="-228600" algn="l" defTabSz="914400" rtl="0" eaLnBrk="1" latinLnBrk="0" hangingPunct="1">
+              <a:lnSpc>
+                <a:spcPct val="90000"/>
+              </a:lnSpc>
+              <a:spcBef>
+                <a:spcPts val="500"/>
+              </a:spcBef>
+              <a:buFont typeface="Arial" panose="020B0604020202020204" pitchFamily="34" charset="0"/>
+              <a:buChar char="•"/>
+              <a:defRPr sz="1800" kern="1200">
+                <a:solidFill>
+                  <a:schemeClr val="tx1"/>
+                </a:solidFill>
+                <a:latin typeface="+mn-lt"/>
+                <a:ea typeface="+mn-ea"/>
+                <a:cs typeface="+mn-cs"/>
+              </a:defRPr>
+            </a:lvl8pPr>
+            <a:lvl9pPr marL="3886200" indent="-228600" algn="l" defTabSz="914400" rtl="0" eaLnBrk="1" latinLnBrk="0" hangingPunct="1">
+              <a:lnSpc>
+                <a:spcPct val="90000"/>
+              </a:lnSpc>
+              <a:spcBef>
+                <a:spcPts val="500"/>
+              </a:spcBef>
+              <a:buFont typeface="Arial" panose="020B0604020202020204" pitchFamily="34" charset="0"/>
+              <a:buChar char="•"/>
+              <a:defRPr sz="1800" kern="1200">
+                <a:solidFill>
+                  <a:schemeClr val="tx1"/>
+                </a:solidFill>
+                <a:latin typeface="+mn-lt"/>
+                <a:ea typeface="+mn-ea"/>
+                <a:cs typeface="+mn-cs"/>
+              </a:defRPr>
+            </a:lvl9pPr>
+          </a:lstStyle>
+          <a:p>
+            <a:r>
+              <a:rPr lang="en-US" i="1" dirty="0" err="1"/>
+              <a:t>Esquema</a:t>
+            </a:r>
+            <a:r>
+              <a:rPr lang="en-US" i="1" dirty="0"/>
+              <a:t> </a:t>
+            </a:r>
+            <a:r>
+              <a:rPr lang="en-US" i="1" dirty="0" err="1"/>
+              <a:t>lógico</a:t>
+            </a:r>
+            <a:endParaRPr lang="en-US" i="1" dirty="0"/>
+          </a:p>
+          <a:p>
+            <a:pPr lvl="1"/>
+            <a:r>
+              <a:rPr lang="en-US" dirty="0" err="1">
+                <a:latin typeface="Arial" pitchFamily="34" charset="0"/>
+                <a:cs typeface="Arial" pitchFamily="34" charset="0"/>
+              </a:rPr>
+              <a:t>Estudiantes</a:t>
+            </a:r>
+            <a:r>
+              <a:rPr lang="en-US" dirty="0"/>
+              <a:t>(</a:t>
+            </a:r>
+            <a:r>
+              <a:rPr lang="en-US" dirty="0" err="1"/>
+              <a:t>e_id</a:t>
+            </a:r>
+            <a:r>
+              <a:rPr lang="en-US" dirty="0"/>
+              <a:t>: </a:t>
+            </a:r>
+            <a:r>
+              <a:rPr lang="en-US" i="1" dirty="0"/>
+              <a:t>string</a:t>
+            </a:r>
+            <a:r>
+              <a:rPr lang="en-US" dirty="0"/>
+              <a:t>, nom: </a:t>
+            </a:r>
+            <a:r>
+              <a:rPr lang="en-US" i="1" dirty="0"/>
+              <a:t>string</a:t>
+            </a:r>
+            <a:r>
+              <a:rPr lang="en-US" dirty="0"/>
+              <a:t>, pro: </a:t>
+            </a:r>
+            <a:r>
+              <a:rPr lang="en-US" i="1" dirty="0"/>
+              <a:t>float</a:t>
+            </a:r>
+            <a:r>
+              <a:rPr lang="en-US" dirty="0"/>
+              <a:t>)</a:t>
+            </a:r>
+          </a:p>
+          <a:p>
+            <a:pPr lvl="1"/>
+            <a:r>
+              <a:rPr lang="en-US" dirty="0" err="1">
+                <a:latin typeface="Arial" pitchFamily="34" charset="0"/>
+                <a:cs typeface="Arial" pitchFamily="34" charset="0"/>
+              </a:rPr>
+              <a:t>Cursos</a:t>
+            </a:r>
+            <a:r>
+              <a:rPr lang="en-US" dirty="0"/>
+              <a:t>(</a:t>
+            </a:r>
+            <a:r>
+              <a:rPr lang="en-US" dirty="0" err="1"/>
+              <a:t>c_id</a:t>
+            </a:r>
+            <a:r>
+              <a:rPr lang="en-US" dirty="0"/>
+              <a:t>: </a:t>
+            </a:r>
+            <a:r>
+              <a:rPr lang="en-US" i="1" dirty="0"/>
+              <a:t>string</a:t>
+            </a:r>
+            <a:r>
+              <a:rPr lang="en-US" dirty="0"/>
+              <a:t>, nom: </a:t>
+            </a:r>
+            <a:r>
+              <a:rPr lang="en-US" i="1" dirty="0"/>
+              <a:t>string</a:t>
+            </a:r>
+            <a:r>
+              <a:rPr lang="en-US" dirty="0"/>
+              <a:t>, cred: </a:t>
+            </a:r>
+            <a:r>
+              <a:rPr lang="en-US" i="1" dirty="0" err="1"/>
+              <a:t>int</a:t>
+            </a:r>
+            <a:r>
+              <a:rPr lang="en-US" dirty="0"/>
+              <a:t>)</a:t>
+            </a:r>
+          </a:p>
+          <a:p>
+            <a:pPr lvl="1"/>
+            <a:r>
+              <a:rPr lang="en-US" dirty="0" err="1">
+                <a:latin typeface="Arial" pitchFamily="34" charset="0"/>
+                <a:cs typeface="Arial" pitchFamily="34" charset="0"/>
+              </a:rPr>
+              <a:t>Asignaciones</a:t>
+            </a:r>
+            <a:r>
+              <a:rPr lang="en-US" dirty="0"/>
+              <a:t>(</a:t>
+            </a:r>
+            <a:r>
+              <a:rPr lang="en-US" dirty="0" err="1"/>
+              <a:t>sid</a:t>
+            </a:r>
+            <a:r>
+              <a:rPr lang="en-US" dirty="0"/>
+              <a:t>: </a:t>
+            </a:r>
+            <a:r>
+              <a:rPr lang="en-US" i="1" dirty="0"/>
+              <a:t>string, </a:t>
+            </a:r>
+            <a:r>
+              <a:rPr lang="en-US" dirty="0"/>
+              <a:t>cid</a:t>
+            </a:r>
+            <a:r>
+              <a:rPr lang="en-US" i="1" dirty="0"/>
+              <a:t>: string, </a:t>
+            </a:r>
+            <a:r>
+              <a:rPr lang="en-US" dirty="0"/>
+              <a:t>nota</a:t>
+            </a:r>
+            <a:r>
+              <a:rPr lang="en-US" i="1" dirty="0"/>
+              <a:t>: float</a:t>
+            </a:r>
+            <a:r>
+              <a:rPr lang="en-US" dirty="0"/>
+              <a:t>)</a:t>
+            </a:r>
+          </a:p>
+          <a:p>
+            <a:pPr lvl="1"/>
+            <a:endParaRPr lang="en-US" dirty="0"/>
+          </a:p>
+        </p:txBody>
+      </p:sp>
+      <p:sp>
+        <p:nvSpPr>
+          <p:cNvPr id="6" name="Rectangle 5">
+            <a:extLst>
+              <a:ext uri="{FF2B5EF4-FFF2-40B4-BE49-F238E27FC236}">
+                <a16:creationId xmlns:a16="http://schemas.microsoft.com/office/drawing/2014/main" id="{5C25CD6A-CB3E-4653-A02D-E6AFFBA0E9A9}"/>
+              </a:ext>
+            </a:extLst>
+          </p:cNvPr>
+          <p:cNvSpPr/>
+          <p:nvPr/>
+        </p:nvSpPr>
+        <p:spPr>
+          <a:xfrm>
+            <a:off x="1524000" y="3368675"/>
+            <a:ext cx="9144000" cy="3124200"/>
+          </a:xfrm>
+          <a:prstGeom prst="rect">
+            <a:avLst/>
+          </a:prstGeom>
+          <a:solidFill>
+            <a:schemeClr val="accent1">
+              <a:alpha val="21000"/>
+            </a:schemeClr>
+          </a:solidFill>
+          <a:ln>
+            <a:noFill/>
+          </a:ln>
+        </p:spPr>
+        <p:style>
+          <a:lnRef idx="2">
+            <a:schemeClr val="accent1">
+              <a:shade val="50000"/>
+            </a:schemeClr>
+          </a:lnRef>
+          <a:fillRef idx="1">
+            <a:schemeClr val="accent1"/>
+          </a:fillRef>
+          <a:effectRef idx="0">
+            <a:schemeClr val="accent1"/>
+          </a:effectRef>
+          <a:fontRef idx="minor">
+            <a:schemeClr val="lt1"/>
+          </a:fontRef>
+        </p:style>
+        <p:txBody>
+          <a:bodyPr rtlCol="0" anchor="ctr"/>
+          <a:lstStyle/>
+          <a:p>
+            <a:pPr algn="ctr"/>
+            <a:endParaRPr lang="en-US"/>
+          </a:p>
+        </p:txBody>
+      </p:sp>
+      <p:graphicFrame>
+        <p:nvGraphicFramePr>
+          <p:cNvPr id="7" name="Table 6">
+            <a:extLst>
+              <a:ext uri="{FF2B5EF4-FFF2-40B4-BE49-F238E27FC236}">
+                <a16:creationId xmlns:a16="http://schemas.microsoft.com/office/drawing/2014/main" id="{1E01CD34-F6BD-47B1-9090-3862E7E0FE06}"/>
+              </a:ext>
+            </a:extLst>
+          </p:cNvPr>
+          <p:cNvGraphicFramePr>
+            <a:graphicFrameLocks noGrp="1"/>
+          </p:cNvGraphicFramePr>
+          <p:nvPr>
+            <p:extLst/>
+          </p:nvPr>
+        </p:nvGraphicFramePr>
+        <p:xfrm>
+          <a:off x="1676400" y="3617429"/>
+          <a:ext cx="2667000" cy="1371600"/>
+        </p:xfrm>
+        <a:graphic>
+          <a:graphicData uri="http://schemas.openxmlformats.org/drawingml/2006/table">
+            <a:tbl>
+              <a:tblPr firstRow="1" bandRow="1">
+                <a:tableStyleId>{5940675A-B579-460E-94D1-54222C63F5DA}</a:tableStyleId>
+              </a:tblPr>
+              <a:tblGrid>
+                <a:gridCol w="808182">
+                  <a:extLst>
+                    <a:ext uri="{9D8B030D-6E8A-4147-A177-3AD203B41FA5}">
+                      <a16:colId xmlns:a16="http://schemas.microsoft.com/office/drawing/2014/main" val="20000"/>
+                    </a:ext>
+                  </a:extLst>
+                </a:gridCol>
+                <a:gridCol w="1050636">
+                  <a:extLst>
+                    <a:ext uri="{9D8B030D-6E8A-4147-A177-3AD203B41FA5}">
+                      <a16:colId xmlns:a16="http://schemas.microsoft.com/office/drawing/2014/main" val="20001"/>
+                    </a:ext>
+                  </a:extLst>
+                </a:gridCol>
+                <a:gridCol w="808182">
+                  <a:extLst>
+                    <a:ext uri="{9D8B030D-6E8A-4147-A177-3AD203B41FA5}">
+                      <a16:colId xmlns:a16="http://schemas.microsoft.com/office/drawing/2014/main" val="20002"/>
+                    </a:ext>
+                  </a:extLst>
+                </a:gridCol>
+              </a:tblGrid>
+              <a:tr h="370840">
+                <a:tc>
+                  <a:txBody>
+                    <a:bodyPr/>
+                    <a:lstStyle/>
+                    <a:p>
+                      <a:pPr algn="ctr"/>
+                      <a:r>
+                        <a:rPr lang="en-US" sz="2400" b="1" dirty="0" err="1"/>
+                        <a:t>e_id</a:t>
+                      </a:r>
+                      <a:endParaRPr lang="en-US" sz="2400" b="1" dirty="0"/>
+                    </a:p>
+                  </a:txBody>
+                  <a:tcPr>
+                    <a:solidFill>
+                      <a:schemeClr val="accent4">
+                        <a:lumMod val="20000"/>
+                        <a:lumOff val="80000"/>
+                      </a:schemeClr>
+                    </a:solidFill>
+                  </a:tcPr>
+                </a:tc>
+                <a:tc>
+                  <a:txBody>
+                    <a:bodyPr/>
+                    <a:lstStyle/>
+                    <a:p>
+                      <a:pPr algn="ctr"/>
+                      <a:r>
+                        <a:rPr lang="en-US" sz="2400" b="1" dirty="0"/>
+                        <a:t>nom</a:t>
+                      </a:r>
+                    </a:p>
+                  </a:txBody>
+                  <a:tcPr>
+                    <a:solidFill>
+                      <a:schemeClr val="accent4">
+                        <a:lumMod val="20000"/>
+                        <a:lumOff val="80000"/>
+                      </a:schemeClr>
+                    </a:solidFill>
+                  </a:tcPr>
+                </a:tc>
+                <a:tc>
+                  <a:txBody>
+                    <a:bodyPr/>
+                    <a:lstStyle/>
+                    <a:p>
+                      <a:pPr algn="ctr"/>
+                      <a:r>
+                        <a:rPr lang="es-419" sz="2400" b="1" dirty="0"/>
+                        <a:t>pro</a:t>
+                      </a:r>
+                      <a:endParaRPr lang="en-US" sz="2400" b="1" dirty="0"/>
+                    </a:p>
+                  </a:txBody>
+                  <a:tcPr>
+                    <a:solidFill>
+                      <a:schemeClr val="accent4">
+                        <a:lumMod val="20000"/>
+                        <a:lumOff val="80000"/>
+                      </a:schemeClr>
+                    </a:solidFill>
+                  </a:tcPr>
+                </a:tc>
+                <a:extLst>
+                  <a:ext uri="{0D108BD9-81ED-4DB2-BD59-A6C34878D82A}">
+                    <a16:rowId xmlns:a16="http://schemas.microsoft.com/office/drawing/2014/main" val="10000"/>
+                  </a:ext>
+                </a:extLst>
+              </a:tr>
+              <a:tr h="370840">
+                <a:tc>
+                  <a:txBody>
+                    <a:bodyPr/>
+                    <a:lstStyle/>
+                    <a:p>
+                      <a:r>
+                        <a:rPr lang="en-US" sz="2400" dirty="0"/>
+                        <a:t>101</a:t>
+                      </a:r>
+                    </a:p>
+                  </a:txBody>
+                  <a:tcPr>
+                    <a:solidFill>
+                      <a:schemeClr val="bg1"/>
+                    </a:solidFill>
+                  </a:tcPr>
+                </a:tc>
+                <a:tc>
+                  <a:txBody>
+                    <a:bodyPr/>
+                    <a:lstStyle/>
+                    <a:p>
+                      <a:r>
+                        <a:rPr lang="en-US" sz="2400" dirty="0"/>
+                        <a:t>Bob</a:t>
+                      </a:r>
+                    </a:p>
+                  </a:txBody>
+                  <a:tcPr>
+                    <a:solidFill>
+                      <a:schemeClr val="bg1"/>
+                    </a:solidFill>
+                  </a:tcPr>
+                </a:tc>
+                <a:tc>
+                  <a:txBody>
+                    <a:bodyPr/>
+                    <a:lstStyle/>
+                    <a:p>
+                      <a:pPr algn="ctr"/>
+                      <a:r>
+                        <a:rPr lang="en-US" sz="2400" dirty="0"/>
+                        <a:t>83.2</a:t>
+                      </a:r>
+                    </a:p>
+                  </a:txBody>
+                  <a:tcPr>
+                    <a:solidFill>
+                      <a:schemeClr val="bg1"/>
+                    </a:solidFill>
+                  </a:tcPr>
+                </a:tc>
+                <a:extLst>
+                  <a:ext uri="{0D108BD9-81ED-4DB2-BD59-A6C34878D82A}">
+                    <a16:rowId xmlns:a16="http://schemas.microsoft.com/office/drawing/2014/main" val="10001"/>
+                  </a:ext>
+                </a:extLst>
+              </a:tr>
+              <a:tr h="370840">
+                <a:tc>
+                  <a:txBody>
+                    <a:bodyPr/>
+                    <a:lstStyle/>
+                    <a:p>
+                      <a:r>
+                        <a:rPr lang="en-US" sz="2400" dirty="0"/>
+                        <a:t>123</a:t>
+                      </a:r>
+                    </a:p>
+                  </a:txBody>
+                  <a:tcPr>
+                    <a:solidFill>
+                      <a:schemeClr val="bg1"/>
+                    </a:solidFill>
+                  </a:tcPr>
+                </a:tc>
+                <a:tc>
+                  <a:txBody>
+                    <a:bodyPr/>
+                    <a:lstStyle/>
+                    <a:p>
+                      <a:r>
+                        <a:rPr lang="en-US" sz="2400" dirty="0"/>
+                        <a:t>Mary</a:t>
+                      </a:r>
+                    </a:p>
+                  </a:txBody>
+                  <a:tcPr>
+                    <a:solidFill>
+                      <a:schemeClr val="bg1"/>
+                    </a:solidFill>
+                  </a:tcPr>
+                </a:tc>
+                <a:tc>
+                  <a:txBody>
+                    <a:bodyPr/>
+                    <a:lstStyle/>
+                    <a:p>
+                      <a:pPr algn="ctr"/>
+                      <a:r>
+                        <a:rPr lang="en-US" sz="2400" dirty="0"/>
+                        <a:t>93.8</a:t>
+                      </a:r>
+                    </a:p>
+                  </a:txBody>
+                  <a:tcPr>
+                    <a:solidFill>
+                      <a:schemeClr val="bg1"/>
+                    </a:solidFill>
+                  </a:tcPr>
+                </a:tc>
+                <a:extLst>
+                  <a:ext uri="{0D108BD9-81ED-4DB2-BD59-A6C34878D82A}">
+                    <a16:rowId xmlns:a16="http://schemas.microsoft.com/office/drawing/2014/main" val="10002"/>
+                  </a:ext>
+                </a:extLst>
+              </a:tr>
+            </a:tbl>
+          </a:graphicData>
+        </a:graphic>
+      </p:graphicFrame>
+      <p:sp>
+        <p:nvSpPr>
+          <p:cNvPr id="8" name="TextBox 7">
+            <a:extLst>
+              <a:ext uri="{FF2B5EF4-FFF2-40B4-BE49-F238E27FC236}">
+                <a16:creationId xmlns:a16="http://schemas.microsoft.com/office/drawing/2014/main" id="{B9F39633-594E-4F57-AFB3-45AB6F0E892E}"/>
+              </a:ext>
+            </a:extLst>
+          </p:cNvPr>
+          <p:cNvSpPr txBox="1"/>
+          <p:nvPr/>
+        </p:nvSpPr>
+        <p:spPr>
+          <a:xfrm>
+            <a:off x="1908313" y="5136965"/>
+            <a:ext cx="1825487" cy="461665"/>
+          </a:xfrm>
+          <a:prstGeom prst="rect">
+            <a:avLst/>
+          </a:prstGeom>
+          <a:noFill/>
+        </p:spPr>
+        <p:txBody>
+          <a:bodyPr wrap="square" rtlCol="0">
+            <a:spAutoFit/>
+          </a:bodyPr>
+          <a:lstStyle/>
+          <a:p>
+            <a:pPr algn="ctr"/>
+            <a:r>
+              <a:rPr lang="en-US" sz="2400" dirty="0" err="1">
+                <a:latin typeface="Arial" pitchFamily="34" charset="0"/>
+                <a:cs typeface="Arial" pitchFamily="34" charset="0"/>
+              </a:rPr>
+              <a:t>Estudiantes</a:t>
+            </a:r>
+            <a:endParaRPr lang="en-US" sz="2400" dirty="0"/>
+          </a:p>
+        </p:txBody>
+      </p:sp>
+      <p:graphicFrame>
+        <p:nvGraphicFramePr>
+          <p:cNvPr id="9" name="Table 8">
+            <a:extLst>
+              <a:ext uri="{FF2B5EF4-FFF2-40B4-BE49-F238E27FC236}">
+                <a16:creationId xmlns:a16="http://schemas.microsoft.com/office/drawing/2014/main" id="{E9B07676-5428-47C0-915B-C684202106DE}"/>
+              </a:ext>
+            </a:extLst>
+          </p:cNvPr>
+          <p:cNvGraphicFramePr>
+            <a:graphicFrameLocks noGrp="1"/>
+          </p:cNvGraphicFramePr>
+          <p:nvPr>
+            <p:extLst/>
+          </p:nvPr>
+        </p:nvGraphicFramePr>
+        <p:xfrm>
+          <a:off x="7696200" y="3617429"/>
+          <a:ext cx="2895600" cy="1371600"/>
+        </p:xfrm>
+        <a:graphic>
+          <a:graphicData uri="http://schemas.openxmlformats.org/drawingml/2006/table">
+            <a:tbl>
+              <a:tblPr firstRow="1" bandRow="1">
+                <a:tableStyleId>{5940675A-B579-460E-94D1-54222C63F5DA}</a:tableStyleId>
+              </a:tblPr>
+              <a:tblGrid>
+                <a:gridCol w="762000">
+                  <a:extLst>
+                    <a:ext uri="{9D8B030D-6E8A-4147-A177-3AD203B41FA5}">
+                      <a16:colId xmlns:a16="http://schemas.microsoft.com/office/drawing/2014/main" val="20000"/>
+                    </a:ext>
+                  </a:extLst>
+                </a:gridCol>
+                <a:gridCol w="1066800">
+                  <a:extLst>
+                    <a:ext uri="{9D8B030D-6E8A-4147-A177-3AD203B41FA5}">
+                      <a16:colId xmlns:a16="http://schemas.microsoft.com/office/drawing/2014/main" val="20001"/>
+                    </a:ext>
+                  </a:extLst>
+                </a:gridCol>
+                <a:gridCol w="1066800">
+                  <a:extLst>
+                    <a:ext uri="{9D8B030D-6E8A-4147-A177-3AD203B41FA5}">
+                      <a16:colId xmlns:a16="http://schemas.microsoft.com/office/drawing/2014/main" val="20002"/>
+                    </a:ext>
+                  </a:extLst>
+                </a:gridCol>
+              </a:tblGrid>
+              <a:tr h="370840">
+                <a:tc>
+                  <a:txBody>
+                    <a:bodyPr/>
+                    <a:lstStyle/>
+                    <a:p>
+                      <a:pPr algn="ctr"/>
+                      <a:r>
+                        <a:rPr lang="en-US" sz="2400" b="1" dirty="0" err="1"/>
+                        <a:t>c_id</a:t>
+                      </a:r>
+                      <a:endParaRPr lang="en-US" sz="2400" b="1" dirty="0"/>
+                    </a:p>
+                  </a:txBody>
+                  <a:tcPr>
+                    <a:solidFill>
+                      <a:schemeClr val="accent4">
+                        <a:lumMod val="20000"/>
+                        <a:lumOff val="80000"/>
+                      </a:schemeClr>
+                    </a:solidFill>
+                  </a:tcPr>
+                </a:tc>
+                <a:tc>
+                  <a:txBody>
+                    <a:bodyPr/>
+                    <a:lstStyle/>
+                    <a:p>
+                      <a:pPr algn="ctr"/>
+                      <a:r>
+                        <a:rPr lang="en-US" sz="2400" b="1" dirty="0"/>
+                        <a:t>nom</a:t>
+                      </a:r>
+                    </a:p>
+                  </a:txBody>
+                  <a:tcPr>
+                    <a:solidFill>
+                      <a:schemeClr val="accent4">
+                        <a:lumMod val="20000"/>
+                        <a:lumOff val="80000"/>
+                      </a:schemeClr>
+                    </a:solidFill>
+                  </a:tcPr>
+                </a:tc>
+                <a:tc>
+                  <a:txBody>
+                    <a:bodyPr/>
+                    <a:lstStyle/>
+                    <a:p>
+                      <a:pPr algn="ctr"/>
+                      <a:r>
+                        <a:rPr lang="en-US" sz="2400" b="1" dirty="0"/>
+                        <a:t>cred</a:t>
+                      </a:r>
+                    </a:p>
+                  </a:txBody>
+                  <a:tcPr>
+                    <a:solidFill>
+                      <a:schemeClr val="accent4">
+                        <a:lumMod val="20000"/>
+                        <a:lumOff val="80000"/>
+                      </a:schemeClr>
+                    </a:solidFill>
+                  </a:tcPr>
+                </a:tc>
+                <a:extLst>
+                  <a:ext uri="{0D108BD9-81ED-4DB2-BD59-A6C34878D82A}">
+                    <a16:rowId xmlns:a16="http://schemas.microsoft.com/office/drawing/2014/main" val="10000"/>
+                  </a:ext>
+                </a:extLst>
+              </a:tr>
+              <a:tr h="370840">
+                <a:tc>
+                  <a:txBody>
+                    <a:bodyPr/>
+                    <a:lstStyle/>
+                    <a:p>
+                      <a:r>
+                        <a:rPr lang="en-US" sz="2400" dirty="0"/>
+                        <a:t>564</a:t>
+                      </a:r>
+                    </a:p>
+                  </a:txBody>
+                  <a:tcPr>
+                    <a:solidFill>
+                      <a:schemeClr val="bg1"/>
+                    </a:solidFill>
+                  </a:tcPr>
+                </a:tc>
+                <a:tc>
+                  <a:txBody>
+                    <a:bodyPr/>
+                    <a:lstStyle/>
+                    <a:p>
+                      <a:r>
+                        <a:rPr lang="en-US" sz="2400" dirty="0"/>
+                        <a:t>564-2</a:t>
+                      </a:r>
+                    </a:p>
+                  </a:txBody>
+                  <a:tcPr>
+                    <a:solidFill>
+                      <a:schemeClr val="bg1"/>
+                    </a:solidFill>
+                  </a:tcPr>
+                </a:tc>
+                <a:tc>
+                  <a:txBody>
+                    <a:bodyPr/>
+                    <a:lstStyle/>
+                    <a:p>
+                      <a:pPr algn="ctr"/>
+                      <a:r>
+                        <a:rPr lang="en-US" sz="2400" dirty="0"/>
+                        <a:t>4</a:t>
+                      </a:r>
+                    </a:p>
+                  </a:txBody>
+                  <a:tcPr>
+                    <a:solidFill>
+                      <a:schemeClr val="bg1"/>
+                    </a:solidFill>
+                  </a:tcPr>
+                </a:tc>
+                <a:extLst>
+                  <a:ext uri="{0D108BD9-81ED-4DB2-BD59-A6C34878D82A}">
+                    <a16:rowId xmlns:a16="http://schemas.microsoft.com/office/drawing/2014/main" val="10001"/>
+                  </a:ext>
+                </a:extLst>
+              </a:tr>
+              <a:tr h="370840">
+                <a:tc>
+                  <a:txBody>
+                    <a:bodyPr/>
+                    <a:lstStyle/>
+                    <a:p>
+                      <a:r>
+                        <a:rPr lang="en-US" sz="2400" dirty="0"/>
+                        <a:t>308</a:t>
+                      </a:r>
+                    </a:p>
+                  </a:txBody>
+                  <a:tcPr>
+                    <a:solidFill>
+                      <a:schemeClr val="bg1"/>
+                    </a:solidFill>
+                  </a:tcPr>
+                </a:tc>
+                <a:tc>
+                  <a:txBody>
+                    <a:bodyPr/>
+                    <a:lstStyle/>
+                    <a:p>
+                      <a:r>
+                        <a:rPr lang="en-US" sz="2400" dirty="0"/>
+                        <a:t>417</a:t>
+                      </a:r>
+                    </a:p>
+                  </a:txBody>
+                  <a:tcPr>
+                    <a:solidFill>
+                      <a:schemeClr val="bg1"/>
+                    </a:solidFill>
+                  </a:tcPr>
+                </a:tc>
+                <a:tc>
+                  <a:txBody>
+                    <a:bodyPr/>
+                    <a:lstStyle/>
+                    <a:p>
+                      <a:pPr algn="ctr"/>
+                      <a:r>
+                        <a:rPr lang="en-US" sz="2400" dirty="0"/>
+                        <a:t>2</a:t>
+                      </a:r>
+                    </a:p>
+                  </a:txBody>
+                  <a:tcPr>
+                    <a:solidFill>
+                      <a:schemeClr val="bg1"/>
+                    </a:solidFill>
+                  </a:tcPr>
+                </a:tc>
+                <a:extLst>
+                  <a:ext uri="{0D108BD9-81ED-4DB2-BD59-A6C34878D82A}">
+                    <a16:rowId xmlns:a16="http://schemas.microsoft.com/office/drawing/2014/main" val="10002"/>
+                  </a:ext>
+                </a:extLst>
+              </a:tr>
+            </a:tbl>
+          </a:graphicData>
+        </a:graphic>
+      </p:graphicFrame>
+      <p:sp>
+        <p:nvSpPr>
+          <p:cNvPr id="10" name="TextBox 9">
+            <a:extLst>
+              <a:ext uri="{FF2B5EF4-FFF2-40B4-BE49-F238E27FC236}">
+                <a16:creationId xmlns:a16="http://schemas.microsoft.com/office/drawing/2014/main" id="{C524DDF6-A0C9-481F-9F86-60A7B83BE18D}"/>
+              </a:ext>
+            </a:extLst>
+          </p:cNvPr>
+          <p:cNvSpPr txBox="1"/>
+          <p:nvPr/>
+        </p:nvSpPr>
+        <p:spPr>
+          <a:xfrm>
+            <a:off x="8153400" y="5136965"/>
+            <a:ext cx="1676400" cy="461665"/>
+          </a:xfrm>
+          <a:prstGeom prst="rect">
+            <a:avLst/>
+          </a:prstGeom>
+          <a:noFill/>
+        </p:spPr>
+        <p:txBody>
+          <a:bodyPr wrap="square" rtlCol="0">
+            <a:spAutoFit/>
+          </a:bodyPr>
+          <a:lstStyle/>
+          <a:p>
+            <a:pPr algn="ctr"/>
+            <a:r>
+              <a:rPr lang="en-US" sz="2400" dirty="0" err="1">
+                <a:latin typeface="Arial" pitchFamily="34" charset="0"/>
+                <a:cs typeface="Arial" pitchFamily="34" charset="0"/>
+              </a:rPr>
+              <a:t>Cursos</a:t>
+            </a:r>
+            <a:endParaRPr lang="en-US" sz="2400" dirty="0"/>
+          </a:p>
+        </p:txBody>
+      </p:sp>
+      <p:graphicFrame>
+        <p:nvGraphicFramePr>
+          <p:cNvPr id="11" name="Table 10">
+            <a:extLst>
+              <a:ext uri="{FF2B5EF4-FFF2-40B4-BE49-F238E27FC236}">
+                <a16:creationId xmlns:a16="http://schemas.microsoft.com/office/drawing/2014/main" id="{B1187164-117F-4F08-996E-B0024188C857}"/>
+              </a:ext>
+            </a:extLst>
+          </p:cNvPr>
+          <p:cNvGraphicFramePr>
+            <a:graphicFrameLocks noGrp="1"/>
+          </p:cNvGraphicFramePr>
+          <p:nvPr>
+            <p:extLst/>
+          </p:nvPr>
+        </p:nvGraphicFramePr>
+        <p:xfrm>
+          <a:off x="4572000" y="5065229"/>
+          <a:ext cx="2895600" cy="914400"/>
+        </p:xfrm>
+        <a:graphic>
+          <a:graphicData uri="http://schemas.openxmlformats.org/drawingml/2006/table">
+            <a:tbl>
+              <a:tblPr firstRow="1" bandRow="1">
+                <a:tableStyleId>{5940675A-B579-460E-94D1-54222C63F5DA}</a:tableStyleId>
+              </a:tblPr>
+              <a:tblGrid>
+                <a:gridCol w="762000">
+                  <a:extLst>
+                    <a:ext uri="{9D8B030D-6E8A-4147-A177-3AD203B41FA5}">
+                      <a16:colId xmlns:a16="http://schemas.microsoft.com/office/drawing/2014/main" val="20000"/>
+                    </a:ext>
+                  </a:extLst>
+                </a:gridCol>
+                <a:gridCol w="1066800">
+                  <a:extLst>
+                    <a:ext uri="{9D8B030D-6E8A-4147-A177-3AD203B41FA5}">
+                      <a16:colId xmlns:a16="http://schemas.microsoft.com/office/drawing/2014/main" val="20001"/>
+                    </a:ext>
+                  </a:extLst>
+                </a:gridCol>
+                <a:gridCol w="1066800">
+                  <a:extLst>
+                    <a:ext uri="{9D8B030D-6E8A-4147-A177-3AD203B41FA5}">
+                      <a16:colId xmlns:a16="http://schemas.microsoft.com/office/drawing/2014/main" val="20002"/>
+                    </a:ext>
+                  </a:extLst>
+                </a:gridCol>
+              </a:tblGrid>
+              <a:tr h="370840">
+                <a:tc>
+                  <a:txBody>
+                    <a:bodyPr/>
+                    <a:lstStyle/>
+                    <a:p>
+                      <a:pPr algn="ctr"/>
+                      <a:r>
+                        <a:rPr lang="en-US" sz="2400" b="1" dirty="0" err="1"/>
+                        <a:t>e_id</a:t>
+                      </a:r>
+                      <a:endParaRPr lang="en-US" sz="2400" b="1" dirty="0"/>
+                    </a:p>
+                  </a:txBody>
+                  <a:tcPr>
+                    <a:solidFill>
+                      <a:schemeClr val="accent4">
+                        <a:lumMod val="20000"/>
+                        <a:lumOff val="80000"/>
+                      </a:schemeClr>
+                    </a:solidFill>
+                  </a:tcPr>
+                </a:tc>
+                <a:tc>
+                  <a:txBody>
+                    <a:bodyPr/>
+                    <a:lstStyle/>
+                    <a:p>
+                      <a:pPr algn="ctr"/>
+                      <a:r>
+                        <a:rPr lang="en-US" sz="2400" b="1" dirty="0" err="1"/>
+                        <a:t>c_id</a:t>
+                      </a:r>
+                      <a:endParaRPr lang="en-US" sz="2400" b="1" dirty="0"/>
+                    </a:p>
+                  </a:txBody>
+                  <a:tcPr>
+                    <a:solidFill>
+                      <a:schemeClr val="accent4">
+                        <a:lumMod val="20000"/>
+                        <a:lumOff val="80000"/>
+                      </a:schemeClr>
+                    </a:solidFill>
+                  </a:tcPr>
+                </a:tc>
+                <a:tc>
+                  <a:txBody>
+                    <a:bodyPr/>
+                    <a:lstStyle/>
+                    <a:p>
+                      <a:pPr algn="ctr"/>
+                      <a:r>
+                        <a:rPr lang="en-US" sz="2400" b="1" dirty="0"/>
+                        <a:t>nota</a:t>
+                      </a:r>
+                    </a:p>
+                  </a:txBody>
+                  <a:tcPr>
+                    <a:solidFill>
+                      <a:schemeClr val="accent4">
+                        <a:lumMod val="20000"/>
+                        <a:lumOff val="80000"/>
+                      </a:schemeClr>
+                    </a:solidFill>
+                  </a:tcPr>
+                </a:tc>
+                <a:extLst>
+                  <a:ext uri="{0D108BD9-81ED-4DB2-BD59-A6C34878D82A}">
+                    <a16:rowId xmlns:a16="http://schemas.microsoft.com/office/drawing/2014/main" val="10000"/>
+                  </a:ext>
+                </a:extLst>
+              </a:tr>
+              <a:tr h="370840">
+                <a:tc>
+                  <a:txBody>
+                    <a:bodyPr/>
+                    <a:lstStyle/>
+                    <a:p>
+                      <a:r>
+                        <a:rPr lang="en-US" sz="2400" dirty="0"/>
+                        <a:t>123</a:t>
+                      </a:r>
+                    </a:p>
+                  </a:txBody>
+                  <a:tcPr>
+                    <a:solidFill>
+                      <a:schemeClr val="bg1"/>
+                    </a:solidFill>
+                  </a:tcPr>
+                </a:tc>
+                <a:tc>
+                  <a:txBody>
+                    <a:bodyPr/>
+                    <a:lstStyle/>
+                    <a:p>
+                      <a:r>
+                        <a:rPr lang="en-US" sz="2400" dirty="0"/>
+                        <a:t>564</a:t>
+                      </a:r>
+                    </a:p>
+                  </a:txBody>
+                  <a:tcPr>
+                    <a:solidFill>
+                      <a:schemeClr val="bg1"/>
+                    </a:solidFill>
+                  </a:tcPr>
+                </a:tc>
+                <a:tc>
+                  <a:txBody>
+                    <a:bodyPr/>
+                    <a:lstStyle/>
+                    <a:p>
+                      <a:pPr algn="ctr"/>
+                      <a:r>
+                        <a:rPr lang="en-US" sz="2400" dirty="0"/>
+                        <a:t>85</a:t>
+                      </a:r>
+                    </a:p>
+                  </a:txBody>
+                  <a:tcPr>
+                    <a:solidFill>
+                      <a:schemeClr val="bg1"/>
+                    </a:solidFill>
+                  </a:tcPr>
+                </a:tc>
+                <a:extLst>
+                  <a:ext uri="{0D108BD9-81ED-4DB2-BD59-A6C34878D82A}">
+                    <a16:rowId xmlns:a16="http://schemas.microsoft.com/office/drawing/2014/main" val="10001"/>
+                  </a:ext>
+                </a:extLst>
+              </a:tr>
+            </a:tbl>
+          </a:graphicData>
+        </a:graphic>
+      </p:graphicFrame>
+      <p:sp>
+        <p:nvSpPr>
+          <p:cNvPr id="12" name="TextBox 11">
+            <a:extLst>
+              <a:ext uri="{FF2B5EF4-FFF2-40B4-BE49-F238E27FC236}">
+                <a16:creationId xmlns:a16="http://schemas.microsoft.com/office/drawing/2014/main" id="{177AF231-9973-408B-94CA-1843C713C52F}"/>
+              </a:ext>
+            </a:extLst>
+          </p:cNvPr>
+          <p:cNvSpPr txBox="1"/>
+          <p:nvPr/>
+        </p:nvSpPr>
+        <p:spPr>
+          <a:xfrm>
+            <a:off x="4810539" y="6051364"/>
+            <a:ext cx="2047461" cy="461665"/>
+          </a:xfrm>
+          <a:prstGeom prst="rect">
+            <a:avLst/>
+          </a:prstGeom>
+          <a:noFill/>
+        </p:spPr>
+        <p:txBody>
+          <a:bodyPr wrap="square" rtlCol="0">
+            <a:spAutoFit/>
+          </a:bodyPr>
+          <a:lstStyle/>
+          <a:p>
+            <a:pPr algn="ctr"/>
+            <a:r>
+              <a:rPr lang="en-US" sz="2400" dirty="0" err="1">
+                <a:latin typeface="Arial" pitchFamily="34" charset="0"/>
+                <a:cs typeface="Arial" pitchFamily="34" charset="0"/>
+              </a:rPr>
+              <a:t>Asignaciones</a:t>
+            </a:r>
+            <a:endParaRPr lang="en-US" sz="2400" dirty="0"/>
+          </a:p>
+        </p:txBody>
+      </p:sp>
+      <p:sp>
+        <p:nvSpPr>
+          <p:cNvPr id="13" name="TextBox 12">
+            <a:extLst>
+              <a:ext uri="{FF2B5EF4-FFF2-40B4-BE49-F238E27FC236}">
+                <a16:creationId xmlns:a16="http://schemas.microsoft.com/office/drawing/2014/main" id="{469D1FD0-A029-45CA-8C8F-8131A4D9CB7C}"/>
+              </a:ext>
+            </a:extLst>
+          </p:cNvPr>
+          <p:cNvSpPr txBox="1"/>
+          <p:nvPr/>
+        </p:nvSpPr>
+        <p:spPr>
+          <a:xfrm>
+            <a:off x="5105400" y="3693629"/>
+            <a:ext cx="1752600" cy="523220"/>
+          </a:xfrm>
+          <a:prstGeom prst="rect">
+            <a:avLst/>
+          </a:prstGeom>
+          <a:solidFill>
+            <a:schemeClr val="bg1"/>
+          </a:solidFill>
+        </p:spPr>
+        <p:txBody>
+          <a:bodyPr wrap="square" rtlCol="0">
+            <a:spAutoFit/>
+          </a:bodyPr>
+          <a:lstStyle/>
+          <a:p>
+            <a:pPr algn="ctr"/>
+            <a:r>
+              <a:rPr lang="en-US" sz="2800" i="1" dirty="0" err="1"/>
+              <a:t>Llaves</a:t>
+            </a:r>
+            <a:endParaRPr lang="en-US" sz="2800" i="1" dirty="0"/>
+          </a:p>
+        </p:txBody>
+      </p:sp>
+      <p:cxnSp>
+        <p:nvCxnSpPr>
+          <p:cNvPr id="14" name="Straight Arrow Connector 13">
+            <a:extLst>
+              <a:ext uri="{FF2B5EF4-FFF2-40B4-BE49-F238E27FC236}">
+                <a16:creationId xmlns:a16="http://schemas.microsoft.com/office/drawing/2014/main" id="{6783F3EC-318F-4459-AB16-4ACEE6B5A32E}"/>
+              </a:ext>
+            </a:extLst>
+          </p:cNvPr>
+          <p:cNvCxnSpPr/>
+          <p:nvPr/>
+        </p:nvCxnSpPr>
+        <p:spPr>
+          <a:xfrm rot="10800000">
+            <a:off x="2286000" y="4834128"/>
+            <a:ext cx="2362200" cy="914400"/>
+          </a:xfrm>
+          <a:prstGeom prst="straightConnector1">
+            <a:avLst/>
+          </a:prstGeom>
+          <a:ln w="50800">
+            <a:solidFill>
+              <a:srgbClr val="FF0000"/>
+            </a:solidFill>
+            <a:prstDash val="solid"/>
+            <a:tailEnd type="arrow"/>
+          </a:ln>
+        </p:spPr>
+        <p:style>
+          <a:lnRef idx="1">
+            <a:schemeClr val="accent1"/>
+          </a:lnRef>
+          <a:fillRef idx="0">
+            <a:schemeClr val="accent1"/>
+          </a:fillRef>
+          <a:effectRef idx="0">
+            <a:schemeClr val="accent1"/>
+          </a:effectRef>
+          <a:fontRef idx="minor">
+            <a:schemeClr val="tx1"/>
+          </a:fontRef>
+        </p:style>
+      </p:cxnSp>
+      <p:cxnSp>
+        <p:nvCxnSpPr>
+          <p:cNvPr id="15" name="Straight Arrow Connector 14">
+            <a:extLst>
+              <a:ext uri="{FF2B5EF4-FFF2-40B4-BE49-F238E27FC236}">
+                <a16:creationId xmlns:a16="http://schemas.microsoft.com/office/drawing/2014/main" id="{C3818147-7851-4F25-9C05-D87DBD523CE7}"/>
+              </a:ext>
+            </a:extLst>
+          </p:cNvPr>
+          <p:cNvCxnSpPr/>
+          <p:nvPr/>
+        </p:nvCxnSpPr>
+        <p:spPr>
+          <a:xfrm flipV="1">
+            <a:off x="5943600" y="4300728"/>
+            <a:ext cx="1752600" cy="1414272"/>
+          </a:xfrm>
+          <a:prstGeom prst="straightConnector1">
+            <a:avLst/>
+          </a:prstGeom>
+          <a:ln w="50800">
+            <a:solidFill>
+              <a:srgbClr val="FF0000"/>
+            </a:solidFill>
+            <a:prstDash val="solid"/>
+            <a:tailEnd type="arrow"/>
+          </a:ln>
+        </p:spPr>
+        <p:style>
+          <a:lnRef idx="1">
+            <a:schemeClr val="accent1"/>
+          </a:lnRef>
+          <a:fillRef idx="0">
+            <a:schemeClr val="accent1"/>
+          </a:fillRef>
+          <a:effectRef idx="0">
+            <a:schemeClr val="accent1"/>
+          </a:effectRef>
+          <a:fontRef idx="minor">
+            <a:schemeClr val="tx1"/>
+          </a:fontRef>
+        </p:style>
+      </p:cxnSp>
+    </p:spTree>
+    <p:extLst>
+      <p:ext uri="{BB962C8B-B14F-4D97-AF65-F5344CB8AC3E}">
+        <p14:creationId xmlns:p14="http://schemas.microsoft.com/office/powerpoint/2010/main" val="2204085400"/>
+      </p:ext>
+    </p:extLst>
+  </p:cSld>
+  <p:clrMapOvr>
+    <a:masterClrMapping/>
+  </p:clrMapOvr>
+  <p:timing>
+    <p:tnLst>
+      <p:par>
+        <p:cTn id="1" dur="indefinite" restart="never" nodeType="tmRoot">
+          <p:childTnLst>
+            <p:seq concurrent="1" nextAc="seek">
+              <p:cTn id="2" dur="indefinite" nodeType="mainSeq">
+                <p:childTnLst>
+                  <p:par>
+                    <p:cTn id="3" fill="hold">
+                      <p:stCondLst>
+                        <p:cond delay="indefinite"/>
+                      </p:stCondLst>
+                      <p:childTnLst>
+                        <p:par>
+                          <p:cTn id="4" fill="hold">
+                            <p:stCondLst>
+                              <p:cond delay="0"/>
+                            </p:stCondLst>
+                            <p:childTnLst>
+                              <p:par>
+                                <p:cTn id="5" presetID="1" presetClass="entr" presetSubtype="0" fill="hold" nodeType="clickEffect">
+                                  <p:stCondLst>
+                                    <p:cond delay="0"/>
+                                  </p:stCondLst>
+                                  <p:childTnLst>
+                                    <p:set>
+                                      <p:cBhvr>
+                                        <p:cTn id="6" dur="1" fill="hold">
+                                          <p:stCondLst>
+                                            <p:cond delay="0"/>
+                                          </p:stCondLst>
+                                        </p:cTn>
+                                        <p:tgtEl>
+                                          <p:spTgt spid="5">
+                                            <p:txEl>
+                                              <p:pRg st="0" end="0"/>
+                                            </p:txEl>
+                                          </p:spTgt>
+                                        </p:tgtEl>
+                                        <p:attrNameLst>
+                                          <p:attrName>style.visibility</p:attrName>
+                                        </p:attrNameLst>
+                                      </p:cBhvr>
+                                      <p:to>
+                                        <p:strVal val="visible"/>
+                                      </p:to>
+                                    </p:set>
+                                  </p:childTnLst>
+                                </p:cTn>
+                              </p:par>
+                              <p:par>
+                                <p:cTn id="7" presetID="1" presetClass="entr" presetSubtype="0" fill="hold" nodeType="withEffect">
+                                  <p:stCondLst>
+                                    <p:cond delay="0"/>
+                                  </p:stCondLst>
+                                  <p:childTnLst>
+                                    <p:set>
+                                      <p:cBhvr>
+                                        <p:cTn id="8" dur="1" fill="hold">
+                                          <p:stCondLst>
+                                            <p:cond delay="0"/>
+                                          </p:stCondLst>
+                                        </p:cTn>
+                                        <p:tgtEl>
+                                          <p:spTgt spid="5">
+                                            <p:txEl>
+                                              <p:pRg st="1" end="1"/>
+                                            </p:txEl>
+                                          </p:spTgt>
+                                        </p:tgtEl>
+                                        <p:attrNameLst>
+                                          <p:attrName>style.visibility</p:attrName>
+                                        </p:attrNameLst>
+                                      </p:cBhvr>
+                                      <p:to>
+                                        <p:strVal val="visible"/>
+                                      </p:to>
+                                    </p:set>
+                                  </p:childTnLst>
+                                </p:cTn>
+                              </p:par>
+                              <p:par>
+                                <p:cTn id="9" presetID="1" presetClass="entr" presetSubtype="0" fill="hold" nodeType="withEffect">
+                                  <p:stCondLst>
+                                    <p:cond delay="0"/>
+                                  </p:stCondLst>
+                                  <p:childTnLst>
+                                    <p:set>
+                                      <p:cBhvr>
+                                        <p:cTn id="10" dur="1" fill="hold">
+                                          <p:stCondLst>
+                                            <p:cond delay="0"/>
+                                          </p:stCondLst>
+                                        </p:cTn>
+                                        <p:tgtEl>
+                                          <p:spTgt spid="5">
+                                            <p:txEl>
+                                              <p:pRg st="2" end="2"/>
+                                            </p:txEl>
+                                          </p:spTgt>
+                                        </p:tgtEl>
+                                        <p:attrNameLst>
+                                          <p:attrName>style.visibility</p:attrName>
+                                        </p:attrNameLst>
+                                      </p:cBhvr>
+                                      <p:to>
+                                        <p:strVal val="visible"/>
+                                      </p:to>
+                                    </p:set>
+                                  </p:childTnLst>
+                                </p:cTn>
+                              </p:par>
+                              <p:par>
+                                <p:cTn id="11" presetID="1" presetClass="entr" presetSubtype="0" fill="hold" nodeType="withEffect">
+                                  <p:stCondLst>
+                                    <p:cond delay="0"/>
+                                  </p:stCondLst>
+                                  <p:childTnLst>
+                                    <p:set>
+                                      <p:cBhvr>
+                                        <p:cTn id="12" dur="1" fill="hold">
+                                          <p:stCondLst>
+                                            <p:cond delay="0"/>
+                                          </p:stCondLst>
+                                        </p:cTn>
+                                        <p:tgtEl>
+                                          <p:spTgt spid="5">
+                                            <p:txEl>
+                                              <p:pRg st="3" end="3"/>
+                                            </p:txEl>
+                                          </p:spTgt>
+                                        </p:tgtEl>
+                                        <p:attrNameLst>
+                                          <p:attrName>style.visibility</p:attrName>
+                                        </p:attrNameLst>
+                                      </p:cBhvr>
+                                      <p:to>
+                                        <p:strVal val="visible"/>
+                                      </p:to>
+                                    </p:set>
+                                  </p:childTnLst>
+                                </p:cTn>
+                              </p:par>
+                            </p:childTnLst>
+                          </p:cTn>
+                        </p:par>
+                      </p:childTnLst>
+                    </p:cTn>
+                  </p:par>
+                  <p:par>
+                    <p:cTn id="13" fill="hold">
+                      <p:stCondLst>
+                        <p:cond delay="indefinite"/>
+                      </p:stCondLst>
+                      <p:childTnLst>
+                        <p:par>
+                          <p:cTn id="14" fill="hold">
+                            <p:stCondLst>
+                              <p:cond delay="0"/>
+                            </p:stCondLst>
+                            <p:childTnLst>
+                              <p:par>
+                                <p:cTn id="15" presetID="1" presetClass="entr" presetSubtype="0" fill="hold" nodeType="clickEffect">
+                                  <p:stCondLst>
+                                    <p:cond delay="0"/>
+                                  </p:stCondLst>
+                                  <p:childTnLst>
+                                    <p:set>
+                                      <p:cBhvr>
+                                        <p:cTn id="16" dur="1" fill="hold">
+                                          <p:stCondLst>
+                                            <p:cond delay="0"/>
+                                          </p:stCondLst>
+                                        </p:cTn>
+                                        <p:tgtEl>
+                                          <p:spTgt spid="7"/>
+                                        </p:tgtEl>
+                                        <p:attrNameLst>
+                                          <p:attrName>style.visibility</p:attrName>
+                                        </p:attrNameLst>
+                                      </p:cBhvr>
+                                      <p:to>
+                                        <p:strVal val="visible"/>
+                                      </p:to>
+                                    </p:set>
+                                  </p:childTnLst>
+                                </p:cTn>
+                              </p:par>
+                              <p:par>
+                                <p:cTn id="17" presetID="1" presetClass="entr" presetSubtype="0" fill="hold" nodeType="withEffect">
+                                  <p:stCondLst>
+                                    <p:cond delay="0"/>
+                                  </p:stCondLst>
+                                  <p:childTnLst>
+                                    <p:set>
+                                      <p:cBhvr>
+                                        <p:cTn id="18" dur="1" fill="hold">
+                                          <p:stCondLst>
+                                            <p:cond delay="0"/>
+                                          </p:stCondLst>
+                                        </p:cTn>
+                                        <p:tgtEl>
+                                          <p:spTgt spid="8"/>
+                                        </p:tgtEl>
+                                        <p:attrNameLst>
+                                          <p:attrName>style.visibility</p:attrName>
+                                        </p:attrNameLst>
+                                      </p:cBhvr>
+                                      <p:to>
+                                        <p:strVal val="visible"/>
+                                      </p:to>
+                                    </p:set>
+                                  </p:childTnLst>
+                                </p:cTn>
+                              </p:par>
+                              <p:par>
+                                <p:cTn id="19" presetID="1" presetClass="entr" presetSubtype="0" fill="hold" nodeType="withEffect">
+                                  <p:stCondLst>
+                                    <p:cond delay="0"/>
+                                  </p:stCondLst>
+                                  <p:childTnLst>
+                                    <p:set>
+                                      <p:cBhvr>
+                                        <p:cTn id="20" dur="1" fill="hold">
+                                          <p:stCondLst>
+                                            <p:cond delay="0"/>
+                                          </p:stCondLst>
+                                        </p:cTn>
+                                        <p:tgtEl>
+                                          <p:spTgt spid="9"/>
+                                        </p:tgtEl>
+                                        <p:attrNameLst>
+                                          <p:attrName>style.visibility</p:attrName>
+                                        </p:attrNameLst>
+                                      </p:cBhvr>
+                                      <p:to>
+                                        <p:strVal val="visible"/>
+                                      </p:to>
+                                    </p:set>
+                                  </p:childTnLst>
+                                </p:cTn>
+                              </p:par>
+                              <p:par>
+                                <p:cTn id="21" presetID="1" presetClass="entr" presetSubtype="0" fill="hold" nodeType="withEffect">
+                                  <p:stCondLst>
+                                    <p:cond delay="0"/>
+                                  </p:stCondLst>
+                                  <p:childTnLst>
+                                    <p:set>
+                                      <p:cBhvr>
+                                        <p:cTn id="22" dur="1" fill="hold">
+                                          <p:stCondLst>
+                                            <p:cond delay="0"/>
+                                          </p:stCondLst>
+                                        </p:cTn>
+                                        <p:tgtEl>
+                                          <p:spTgt spid="10"/>
+                                        </p:tgtEl>
+                                        <p:attrNameLst>
+                                          <p:attrName>style.visibility</p:attrName>
+                                        </p:attrNameLst>
+                                      </p:cBhvr>
+                                      <p:to>
+                                        <p:strVal val="visible"/>
+                                      </p:to>
+                                    </p:set>
+                                  </p:childTnLst>
+                                </p:cTn>
+                              </p:par>
+                              <p:par>
+                                <p:cTn id="23" presetID="1" presetClass="entr" presetSubtype="0" fill="hold" nodeType="withEffect">
+                                  <p:stCondLst>
+                                    <p:cond delay="0"/>
+                                  </p:stCondLst>
+                                  <p:childTnLst>
+                                    <p:set>
+                                      <p:cBhvr>
+                                        <p:cTn id="24" dur="1" fill="hold">
+                                          <p:stCondLst>
+                                            <p:cond delay="0"/>
+                                          </p:stCondLst>
+                                        </p:cTn>
+                                        <p:tgtEl>
+                                          <p:spTgt spid="11"/>
+                                        </p:tgtEl>
+                                        <p:attrNameLst>
+                                          <p:attrName>style.visibility</p:attrName>
+                                        </p:attrNameLst>
+                                      </p:cBhvr>
+                                      <p:to>
+                                        <p:strVal val="visible"/>
+                                      </p:to>
+                                    </p:set>
+                                  </p:childTnLst>
+                                </p:cTn>
+                              </p:par>
+                              <p:par>
+                                <p:cTn id="25" presetID="1" presetClass="entr" presetSubtype="0" fill="hold" nodeType="withEffect">
+                                  <p:stCondLst>
+                                    <p:cond delay="0"/>
+                                  </p:stCondLst>
+                                  <p:childTnLst>
+                                    <p:set>
+                                      <p:cBhvr>
+                                        <p:cTn id="26" dur="1" fill="hold">
+                                          <p:stCondLst>
+                                            <p:cond delay="0"/>
+                                          </p:stCondLst>
+                                        </p:cTn>
+                                        <p:tgtEl>
+                                          <p:spTgt spid="12"/>
+                                        </p:tgtEl>
+                                        <p:attrNameLst>
+                                          <p:attrName>style.visibility</p:attrName>
+                                        </p:attrNameLst>
+                                      </p:cBhvr>
+                                      <p:to>
+                                        <p:strVal val="visible"/>
+                                      </p:to>
+                                    </p:set>
+                                  </p:childTnLst>
+                                </p:cTn>
+                              </p:par>
+                              <p:par>
+                                <p:cTn id="27" presetID="1" presetClass="entr" presetSubtype="0" fill="hold" nodeType="withEffect">
+                                  <p:stCondLst>
+                                    <p:cond delay="0"/>
+                                  </p:stCondLst>
+                                  <p:childTnLst>
+                                    <p:set>
+                                      <p:cBhvr>
+                                        <p:cTn id="28" dur="1" fill="hold">
+                                          <p:stCondLst>
+                                            <p:cond delay="0"/>
+                                          </p:stCondLst>
+                                        </p:cTn>
+                                        <p:tgtEl>
+                                          <p:spTgt spid="13"/>
+                                        </p:tgtEl>
+                                        <p:attrNameLst>
+                                          <p:attrName>style.visibility</p:attrName>
+                                        </p:attrNameLst>
+                                      </p:cBhvr>
+                                      <p:to>
+                                        <p:strVal val="visible"/>
+                                      </p:to>
+                                    </p:set>
+                                  </p:childTnLst>
+                                </p:cTn>
+                              </p:par>
+                              <p:par>
+                                <p:cTn id="29" presetID="1" presetClass="entr" presetSubtype="0" fill="hold" grpId="0" nodeType="withEffect">
+                                  <p:stCondLst>
+                                    <p:cond delay="0"/>
+                                  </p:stCondLst>
+                                  <p:childTnLst>
+                                    <p:set>
+                                      <p:cBhvr>
+                                        <p:cTn id="30" dur="1" fill="hold">
+                                          <p:stCondLst>
+                                            <p:cond delay="0"/>
+                                          </p:stCondLst>
+                                        </p:cTn>
+                                        <p:tgtEl>
+                                          <p:spTgt spid="6"/>
+                                        </p:tgtEl>
+                                        <p:attrNameLst>
+                                          <p:attrName>style.visibility</p:attrName>
+                                        </p:attrNameLst>
+                                      </p:cBhvr>
+                                      <p:to>
+                                        <p:strVal val="visible"/>
+                                      </p:to>
+                                    </p:set>
+                                  </p:childTnLst>
+                                </p:cTn>
+                              </p:par>
+                              <p:par>
+                                <p:cTn id="31" presetID="2" presetClass="entr" presetSubtype="4" fill="hold" nodeType="withEffect">
+                                  <p:stCondLst>
+                                    <p:cond delay="0"/>
+                                  </p:stCondLst>
+                                  <p:childTnLst>
+                                    <p:set>
+                                      <p:cBhvr>
+                                        <p:cTn id="32" dur="1" fill="hold">
+                                          <p:stCondLst>
+                                            <p:cond delay="0"/>
+                                          </p:stCondLst>
+                                        </p:cTn>
+                                        <p:tgtEl>
+                                          <p:spTgt spid="14"/>
+                                        </p:tgtEl>
+                                        <p:attrNameLst>
+                                          <p:attrName>style.visibility</p:attrName>
+                                        </p:attrNameLst>
+                                      </p:cBhvr>
+                                      <p:to>
+                                        <p:strVal val="visible"/>
+                                      </p:to>
+                                    </p:set>
+                                    <p:anim calcmode="lin" valueType="num">
+                                      <p:cBhvr additive="base">
+                                        <p:cTn id="33" dur="500" fill="hold"/>
+                                        <p:tgtEl>
+                                          <p:spTgt spid="14"/>
+                                        </p:tgtEl>
+                                        <p:attrNameLst>
+                                          <p:attrName>ppt_x</p:attrName>
+                                        </p:attrNameLst>
+                                      </p:cBhvr>
+                                      <p:tavLst>
+                                        <p:tav tm="0">
+                                          <p:val>
+                                            <p:strVal val="#ppt_x"/>
+                                          </p:val>
+                                        </p:tav>
+                                        <p:tav tm="100000">
+                                          <p:val>
+                                            <p:strVal val="#ppt_x"/>
+                                          </p:val>
+                                        </p:tav>
+                                      </p:tavLst>
+                                    </p:anim>
+                                    <p:anim calcmode="lin" valueType="num">
+                                      <p:cBhvr additive="base">
+                                        <p:cTn id="34" dur="500" fill="hold"/>
+                                        <p:tgtEl>
+                                          <p:spTgt spid="14"/>
+                                        </p:tgtEl>
+                                        <p:attrNameLst>
+                                          <p:attrName>ppt_y</p:attrName>
+                                        </p:attrNameLst>
+                                      </p:cBhvr>
+                                      <p:tavLst>
+                                        <p:tav tm="0">
+                                          <p:val>
+                                            <p:strVal val="1+#ppt_h/2"/>
+                                          </p:val>
+                                        </p:tav>
+                                        <p:tav tm="100000">
+                                          <p:val>
+                                            <p:strVal val="#ppt_y"/>
+                                          </p:val>
+                                        </p:tav>
+                                      </p:tavLst>
+                                    </p:anim>
+                                  </p:childTnLst>
+                                </p:cTn>
+                              </p:par>
+                              <p:par>
+                                <p:cTn id="35" presetID="2" presetClass="entr" presetSubtype="4" fill="hold" nodeType="withEffect">
+                                  <p:stCondLst>
+                                    <p:cond delay="0"/>
+                                  </p:stCondLst>
+                                  <p:childTnLst>
+                                    <p:set>
+                                      <p:cBhvr>
+                                        <p:cTn id="36" dur="1" fill="hold">
+                                          <p:stCondLst>
+                                            <p:cond delay="0"/>
+                                          </p:stCondLst>
+                                        </p:cTn>
+                                        <p:tgtEl>
+                                          <p:spTgt spid="15"/>
+                                        </p:tgtEl>
+                                        <p:attrNameLst>
+                                          <p:attrName>style.visibility</p:attrName>
+                                        </p:attrNameLst>
+                                      </p:cBhvr>
+                                      <p:to>
+                                        <p:strVal val="visible"/>
+                                      </p:to>
+                                    </p:set>
+                                    <p:anim calcmode="lin" valueType="num">
+                                      <p:cBhvr additive="base">
+                                        <p:cTn id="37" dur="500" fill="hold"/>
+                                        <p:tgtEl>
+                                          <p:spTgt spid="15"/>
+                                        </p:tgtEl>
+                                        <p:attrNameLst>
+                                          <p:attrName>ppt_x</p:attrName>
+                                        </p:attrNameLst>
+                                      </p:cBhvr>
+                                      <p:tavLst>
+                                        <p:tav tm="0">
+                                          <p:val>
+                                            <p:strVal val="#ppt_x"/>
+                                          </p:val>
+                                        </p:tav>
+                                        <p:tav tm="100000">
+                                          <p:val>
+                                            <p:strVal val="#ppt_x"/>
+                                          </p:val>
+                                        </p:tav>
+                                      </p:tavLst>
+                                    </p:anim>
+                                    <p:anim calcmode="lin" valueType="num">
+                                      <p:cBhvr additive="base">
+                                        <p:cTn id="38" dur="500" fill="hold"/>
+                                        <p:tgtEl>
+                                          <p:spTgt spid="15"/>
+                                        </p:tgtEl>
+                                        <p:attrNameLst>
+                                          <p:attrName>ppt_y</p:attrName>
+                                        </p:attrNameLst>
+                                      </p:cBhvr>
+                                      <p:tavLst>
+                                        <p:tav tm="0">
+                                          <p:val>
+                                            <p:strVal val="1+#ppt_h/2"/>
+                                          </p:val>
+                                        </p:tav>
+                                        <p:tav tm="100000">
+                                          <p:val>
+                                            <p:strVal val="#ppt_y"/>
+                                          </p:val>
+                                        </p:tav>
+                                      </p:tavLst>
+                                    </p:anim>
+                                  </p:childTnLst>
+                                </p:cTn>
+                              </p:par>
+                            </p:childTnLst>
+                          </p:cTn>
+                        </p:par>
+                      </p:childTnLst>
+                    </p:cTn>
+                  </p:par>
+                </p:childTnLst>
+              </p:cTn>
+              <p:prevCondLst>
+                <p:cond evt="onPrev" delay="0">
+                  <p:tgtEl>
+                    <p:sldTgt/>
+                  </p:tgtEl>
+                </p:cond>
+              </p:prevCondLst>
+              <p:nextCondLst>
+                <p:cond evt="onNext" delay="0">
+                  <p:tgtEl>
+                    <p:sldTgt/>
+                  </p:tgtEl>
+                </p:cond>
+              </p:nextCondLst>
+            </p:seq>
+          </p:childTnLst>
+        </p:cTn>
+      </p:par>
+    </p:tnLst>
+    <p:bldLst>
+      <p:bldP spid="6" grpId="0" animBg="1"/>
+    </p:bldLst>
+  </p:timing>
+</p:sld>
+</file>
+
+<file path=ppt/slides/slide22.xml><?xml version="1.0" encoding="utf-8"?>
+<p:sld xmlns:a="http://schemas.openxmlformats.org/drawingml/2006/main" xmlns:r="http://schemas.openxmlformats.org/officeDocument/2006/relationships" xmlns:p="http://schemas.openxmlformats.org/presentationml/2006/main">
+  <p:cSld>
+    <p:spTree>
+      <p:nvGrpSpPr>
+        <p:cNvPr id="1" name=""/>
+        <p:cNvGrpSpPr/>
+        <p:nvPr/>
+      </p:nvGrpSpPr>
+      <p:grpSpPr>
+        <a:xfrm>
+          <a:off x="0" y="0"/>
+          <a:ext cx="0" cy="0"/>
+          <a:chOff x="0" y="0"/>
+          <a:chExt cx="0" cy="0"/>
+        </a:xfrm>
+      </p:grpSpPr>
+      <p:sp>
+        <p:nvSpPr>
+          <p:cNvPr id="2" name="Title 1"/>
+          <p:cNvSpPr>
+            <a:spLocks noGrp="1"/>
+          </p:cNvSpPr>
+          <p:nvPr>
+            <p:ph type="title"/>
+          </p:nvPr>
+        </p:nvSpPr>
+        <p:spPr/>
+        <p:txBody>
+          <a:bodyPr/>
+          <a:lstStyle/>
+          <a:p>
+            <a:r>
+              <a:rPr lang="en-US" dirty="0" err="1"/>
+              <a:t>Otros</a:t>
+            </a:r>
+            <a:r>
+              <a:rPr lang="en-US" dirty="0"/>
+              <a:t> </a:t>
+            </a:r>
+            <a:r>
+              <a:rPr lang="en-US" dirty="0" err="1"/>
+              <a:t>esquemas</a:t>
+            </a:r>
+            <a:endParaRPr lang="en-US" dirty="0"/>
+          </a:p>
+        </p:txBody>
+      </p:sp>
+      <p:sp>
+        <p:nvSpPr>
+          <p:cNvPr id="3" name="Content Placeholder 2"/>
+          <p:cNvSpPr>
+            <a:spLocks noGrp="1"/>
+          </p:cNvSpPr>
+          <p:nvPr>
+            <p:ph idx="1"/>
+          </p:nvPr>
+        </p:nvSpPr>
+        <p:spPr/>
+        <p:txBody>
+          <a:bodyPr>
+            <a:normAutofit/>
+          </a:bodyPr>
+          <a:lstStyle/>
+          <a:p>
+            <a:r>
+              <a:rPr lang="en-US" i="1" dirty="0" err="1"/>
+              <a:t>Esquema</a:t>
+            </a:r>
+            <a:r>
+              <a:rPr lang="en-US" i="1" dirty="0"/>
+              <a:t> </a:t>
+            </a:r>
+            <a:r>
+              <a:rPr lang="en-US" i="1" dirty="0" err="1"/>
+              <a:t>físico</a:t>
+            </a:r>
+            <a:r>
+              <a:rPr lang="en-US" dirty="0"/>
+              <a:t>: describe la </a:t>
+            </a:r>
+            <a:r>
+              <a:rPr lang="en-US" dirty="0" err="1"/>
+              <a:t>organización</a:t>
+            </a:r>
+            <a:r>
+              <a:rPr lang="en-US" dirty="0"/>
+              <a:t> de </a:t>
+            </a:r>
+            <a:r>
+              <a:rPr lang="en-US" dirty="0" err="1"/>
+              <a:t>datos</a:t>
+            </a:r>
+            <a:endParaRPr lang="en-US" dirty="0"/>
+          </a:p>
+          <a:p>
+            <a:pPr lvl="1"/>
+            <a:r>
+              <a:rPr lang="en-US" i="1" dirty="0" err="1"/>
+              <a:t>Relaciones</a:t>
+            </a:r>
+            <a:r>
+              <a:rPr lang="en-US" i="1" dirty="0"/>
+              <a:t> </a:t>
+            </a:r>
+            <a:r>
+              <a:rPr lang="en-US" dirty="0" err="1"/>
+              <a:t>como</a:t>
+            </a:r>
+            <a:r>
+              <a:rPr lang="en-US" dirty="0"/>
+              <a:t> </a:t>
+            </a:r>
+            <a:r>
+              <a:rPr lang="en-US" dirty="0" err="1"/>
+              <a:t>archivos</a:t>
+            </a:r>
+            <a:r>
+              <a:rPr lang="en-US" dirty="0"/>
+              <a:t> </a:t>
+            </a:r>
+            <a:r>
+              <a:rPr lang="en-US" dirty="0" err="1"/>
+              <a:t>individuales</a:t>
+            </a:r>
+            <a:endParaRPr lang="en-US" dirty="0"/>
+          </a:p>
+          <a:p>
+            <a:pPr lvl="1"/>
+            <a:r>
+              <a:rPr lang="es-419" dirty="0"/>
+              <a:t>Archivo único con todos los datos</a:t>
+            </a:r>
+            <a:endParaRPr lang="en-US" dirty="0"/>
+          </a:p>
+          <a:p>
+            <a:endParaRPr lang="en-US" i="1" dirty="0"/>
+          </a:p>
+          <a:p>
+            <a:r>
+              <a:rPr lang="en-US" i="1" dirty="0" err="1"/>
+              <a:t>Esquema</a:t>
+            </a:r>
+            <a:r>
+              <a:rPr lang="en-US" i="1" dirty="0"/>
+              <a:t> </a:t>
+            </a:r>
+            <a:r>
+              <a:rPr lang="en-US" i="1" dirty="0" err="1"/>
+              <a:t>lógico</a:t>
+            </a:r>
+            <a:endParaRPr lang="en-US" i="1" dirty="0"/>
+          </a:p>
+          <a:p>
+            <a:endParaRPr lang="en-US" i="1" dirty="0"/>
+          </a:p>
+          <a:p>
+            <a:r>
+              <a:rPr lang="en-US" i="1" dirty="0" err="1"/>
+              <a:t>Esquema</a:t>
+            </a:r>
+            <a:r>
+              <a:rPr lang="en-US" i="1" dirty="0"/>
+              <a:t> </a:t>
+            </a:r>
+            <a:r>
+              <a:rPr lang="en-US" i="1" dirty="0" err="1"/>
+              <a:t>externo</a:t>
+            </a:r>
+            <a:r>
+              <a:rPr lang="en-US" dirty="0"/>
+              <a:t> (vistas)</a:t>
+            </a:r>
+          </a:p>
+          <a:p>
+            <a:pPr lvl="1"/>
+            <a:r>
+              <a:rPr lang="en-US" dirty="0" err="1">
+                <a:latin typeface="Arial" pitchFamily="34" charset="0"/>
+                <a:cs typeface="Arial" pitchFamily="34" charset="0"/>
+              </a:rPr>
+              <a:t>Informacion_curso</a:t>
+            </a:r>
+            <a:r>
+              <a:rPr lang="en-US" dirty="0">
+                <a:latin typeface="Arial" pitchFamily="34" charset="0"/>
+                <a:cs typeface="Arial" pitchFamily="34" charset="0"/>
+              </a:rPr>
+              <a:t> </a:t>
+            </a:r>
+            <a:r>
+              <a:rPr lang="en-US" dirty="0"/>
+              <a:t>(</a:t>
+            </a:r>
+            <a:r>
+              <a:rPr lang="en-US" dirty="0" err="1"/>
+              <a:t>c_id</a:t>
+            </a:r>
+            <a:r>
+              <a:rPr lang="en-US" dirty="0"/>
+              <a:t>: </a:t>
+            </a:r>
+            <a:r>
+              <a:rPr lang="en-US" i="1" dirty="0"/>
+              <a:t>string</a:t>
+            </a:r>
+            <a:r>
+              <a:rPr lang="en-US" dirty="0"/>
+              <a:t>, </a:t>
+            </a:r>
+            <a:r>
+              <a:rPr lang="en-US" dirty="0" err="1"/>
+              <a:t>asignacion</a:t>
+            </a:r>
+            <a:r>
+              <a:rPr lang="en-US" dirty="0"/>
+              <a:t>: </a:t>
+            </a:r>
+            <a:r>
+              <a:rPr lang="en-US" i="1" dirty="0"/>
+              <a:t>integer</a:t>
+            </a:r>
+            <a:r>
+              <a:rPr lang="en-US" dirty="0"/>
+              <a:t>)</a:t>
+            </a:r>
+          </a:p>
+          <a:p>
+            <a:pPr lvl="1"/>
+            <a:r>
+              <a:rPr lang="en-US" dirty="0"/>
+              <a:t>Se </a:t>
+            </a:r>
+            <a:r>
+              <a:rPr lang="en-US" dirty="0" err="1"/>
+              <a:t>deriva</a:t>
+            </a:r>
+            <a:r>
+              <a:rPr lang="en-US" dirty="0"/>
+              <a:t> de </a:t>
+            </a:r>
+            <a:r>
+              <a:rPr lang="en-US" dirty="0" err="1"/>
+              <a:t>otras</a:t>
+            </a:r>
+            <a:r>
+              <a:rPr lang="en-US" dirty="0"/>
+              <a:t> </a:t>
+            </a:r>
+            <a:r>
+              <a:rPr lang="en-US" i="1" dirty="0" err="1"/>
+              <a:t>relaciones</a:t>
+            </a:r>
+            <a:endParaRPr lang="en-US" dirty="0"/>
+          </a:p>
+        </p:txBody>
+      </p:sp>
+      <p:sp>
+        <p:nvSpPr>
+          <p:cNvPr id="9" name="TextBox 8"/>
+          <p:cNvSpPr txBox="1"/>
+          <p:nvPr/>
+        </p:nvSpPr>
+        <p:spPr>
+          <a:xfrm>
+            <a:off x="8686800" y="4692034"/>
+            <a:ext cx="2362200" cy="830997"/>
+          </a:xfrm>
+          <a:prstGeom prst="rect">
+            <a:avLst/>
+          </a:prstGeom>
+          <a:noFill/>
+        </p:spPr>
+        <p:txBody>
+          <a:bodyPr wrap="square" rtlCol="0">
+            <a:spAutoFit/>
+          </a:bodyPr>
+          <a:lstStyle/>
+          <a:p>
+            <a:pPr algn="ctr"/>
+            <a:r>
+              <a:rPr lang="en-US" sz="2400" i="1" dirty="0" err="1"/>
+              <a:t>Desarrolador</a:t>
+            </a:r>
+            <a:r>
+              <a:rPr lang="en-US" sz="2400" i="1" dirty="0"/>
+              <a:t> de </a:t>
+            </a:r>
+            <a:r>
+              <a:rPr lang="en-US" sz="2400" i="1" dirty="0" err="1"/>
+              <a:t>aplicaciones</a:t>
+            </a:r>
+            <a:endParaRPr lang="en-US" sz="2400" i="1" dirty="0"/>
+          </a:p>
+        </p:txBody>
+      </p:sp>
+      <p:sp>
+        <p:nvSpPr>
+          <p:cNvPr id="10" name="TextBox 9"/>
+          <p:cNvSpPr txBox="1"/>
+          <p:nvPr/>
+        </p:nvSpPr>
+        <p:spPr>
+          <a:xfrm>
+            <a:off x="8686800" y="1348708"/>
+            <a:ext cx="2362200" cy="830997"/>
+          </a:xfrm>
+          <a:prstGeom prst="rect">
+            <a:avLst/>
+          </a:prstGeom>
+          <a:noFill/>
+        </p:spPr>
+        <p:txBody>
+          <a:bodyPr wrap="square" rtlCol="0">
+            <a:spAutoFit/>
+          </a:bodyPr>
+          <a:lstStyle/>
+          <a:p>
+            <a:pPr algn="ctr"/>
+            <a:r>
+              <a:rPr lang="en-US" sz="2400" i="1" dirty="0" err="1"/>
+              <a:t>Implementador</a:t>
+            </a:r>
+            <a:r>
+              <a:rPr lang="en-US" sz="2400" i="1" dirty="0"/>
+              <a:t> de DBMS</a:t>
+            </a:r>
+          </a:p>
+        </p:txBody>
+      </p:sp>
+      <p:sp>
+        <p:nvSpPr>
+          <p:cNvPr id="11" name="Up Arrow 10"/>
+          <p:cNvSpPr/>
+          <p:nvPr/>
+        </p:nvSpPr>
+        <p:spPr>
+          <a:xfrm>
+            <a:off x="8077200" y="2667000"/>
+            <a:ext cx="304800" cy="609600"/>
+          </a:xfrm>
+          <a:prstGeom prst="upArrow">
+            <a:avLst/>
+          </a:prstGeom>
+          <a:solidFill>
+            <a:srgbClr val="FF0000"/>
+          </a:solidFill>
+        </p:spPr>
+        <p:style>
+          <a:lnRef idx="2">
+            <a:schemeClr val="accent1">
+              <a:shade val="50000"/>
+            </a:schemeClr>
+          </a:lnRef>
+          <a:fillRef idx="1">
+            <a:schemeClr val="accent1"/>
+          </a:fillRef>
+          <a:effectRef idx="0">
+            <a:schemeClr val="accent1"/>
+          </a:effectRef>
+          <a:fontRef idx="minor">
+            <a:schemeClr val="lt1"/>
+          </a:fontRef>
+        </p:style>
+        <p:txBody>
+          <a:bodyPr rtlCol="0" anchor="ctr"/>
+          <a:lstStyle/>
+          <a:p>
+            <a:pPr algn="ctr"/>
+            <a:endParaRPr lang="en-US"/>
+          </a:p>
+        </p:txBody>
+      </p:sp>
+      <p:sp>
+        <p:nvSpPr>
+          <p:cNvPr id="12" name="Down Arrow 11"/>
+          <p:cNvSpPr/>
+          <p:nvPr/>
+        </p:nvSpPr>
+        <p:spPr>
+          <a:xfrm>
+            <a:off x="8077200" y="4457848"/>
+            <a:ext cx="304800" cy="533400"/>
+          </a:xfrm>
+          <a:prstGeom prst="downArrow">
+            <a:avLst/>
+          </a:prstGeom>
+          <a:solidFill>
+            <a:srgbClr val="FF0000"/>
+          </a:solidFill>
+        </p:spPr>
+        <p:style>
+          <a:lnRef idx="2">
+            <a:schemeClr val="accent1">
+              <a:shade val="50000"/>
+            </a:schemeClr>
+          </a:lnRef>
+          <a:fillRef idx="1">
+            <a:schemeClr val="accent1"/>
+          </a:fillRef>
+          <a:effectRef idx="0">
+            <a:schemeClr val="accent1"/>
+          </a:effectRef>
+          <a:fontRef idx="minor">
+            <a:schemeClr val="lt1"/>
+          </a:fontRef>
+        </p:style>
+        <p:txBody>
+          <a:bodyPr rtlCol="0" anchor="ctr"/>
+          <a:lstStyle/>
+          <a:p>
+            <a:pPr algn="ctr"/>
+            <a:endParaRPr lang="en-US"/>
+          </a:p>
+        </p:txBody>
+      </p:sp>
+      <p:sp>
+        <p:nvSpPr>
+          <p:cNvPr id="13" name="Slide Number Placeholder 12"/>
+          <p:cNvSpPr>
+            <a:spLocks noGrp="1"/>
+          </p:cNvSpPr>
+          <p:nvPr>
+            <p:ph type="sldNum" sz="quarter" idx="12"/>
+          </p:nvPr>
+        </p:nvSpPr>
+        <p:spPr/>
+        <p:txBody>
+          <a:bodyPr/>
+          <a:lstStyle/>
+          <a:p>
+            <a:fld id="{DF92A6B5-0D7C-48A8-B49A-953CF10F77E3}" type="slidenum">
+              <a:rPr lang="en-US" smtClean="0"/>
+              <a:pPr/>
+              <a:t>22</a:t>
+            </a:fld>
+            <a:endParaRPr lang="en-US"/>
+          </a:p>
+        </p:txBody>
+      </p:sp>
+      <p:sp>
+        <p:nvSpPr>
+          <p:cNvPr id="14" name="TextBox 13">
+            <a:extLst>
+              <a:ext uri="{FF2B5EF4-FFF2-40B4-BE49-F238E27FC236}">
+                <a16:creationId xmlns:a16="http://schemas.microsoft.com/office/drawing/2014/main" id="{8876BB6A-887F-4F22-89AE-260D86730C66}"/>
+              </a:ext>
+            </a:extLst>
+          </p:cNvPr>
+          <p:cNvSpPr txBox="1"/>
+          <p:nvPr/>
+        </p:nvSpPr>
+        <p:spPr>
+          <a:xfrm>
+            <a:off x="8686800" y="2533254"/>
+            <a:ext cx="2362200" cy="461665"/>
+          </a:xfrm>
+          <a:prstGeom prst="rect">
+            <a:avLst/>
+          </a:prstGeom>
+          <a:noFill/>
+        </p:spPr>
+        <p:txBody>
+          <a:bodyPr wrap="square" rtlCol="0">
+            <a:spAutoFit/>
+          </a:bodyPr>
+          <a:lstStyle/>
+          <a:p>
+            <a:pPr algn="ctr"/>
+            <a:r>
+              <a:rPr lang="en-US" sz="2400" i="1" dirty="0"/>
+              <a:t>DBA</a:t>
+            </a:r>
+          </a:p>
+        </p:txBody>
+      </p:sp>
+      <p:sp>
+        <p:nvSpPr>
+          <p:cNvPr id="18" name="TextBox 17">
+            <a:extLst>
+              <a:ext uri="{FF2B5EF4-FFF2-40B4-BE49-F238E27FC236}">
+                <a16:creationId xmlns:a16="http://schemas.microsoft.com/office/drawing/2014/main" id="{7B287892-9AB0-42A4-BE87-97F7ED391D76}"/>
+              </a:ext>
+            </a:extLst>
+          </p:cNvPr>
+          <p:cNvSpPr txBox="1"/>
+          <p:nvPr/>
+        </p:nvSpPr>
+        <p:spPr>
+          <a:xfrm>
+            <a:off x="8686800" y="3483936"/>
+            <a:ext cx="2362200" cy="461665"/>
+          </a:xfrm>
+          <a:prstGeom prst="rect">
+            <a:avLst/>
+          </a:prstGeom>
+          <a:noFill/>
+        </p:spPr>
+        <p:txBody>
+          <a:bodyPr wrap="square" rtlCol="0">
+            <a:spAutoFit/>
+          </a:bodyPr>
+          <a:lstStyle/>
+          <a:p>
+            <a:pPr algn="ctr"/>
+            <a:r>
+              <a:rPr lang="es-419" sz="2400" i="1" dirty="0"/>
+              <a:t>Diseñador de BD</a:t>
+            </a:r>
+            <a:endParaRPr lang="en-US" sz="2400" i="1" dirty="0"/>
+          </a:p>
+        </p:txBody>
+      </p:sp>
+    </p:spTree>
+    <p:extLst>
+      <p:ext uri="{BB962C8B-B14F-4D97-AF65-F5344CB8AC3E}">
+        <p14:creationId xmlns:p14="http://schemas.microsoft.com/office/powerpoint/2010/main" val="4020893048"/>
+      </p:ext>
+    </p:extLst>
+  </p:cSld>
+  <p:clrMapOvr>
+    <a:masterClrMapping/>
+  </p:clrMapOvr>
+  <p:timing>
+    <p:tnLst>
+      <p:par>
+        <p:cTn id="1" dur="indefinite" restart="never" nodeType="tmRoot">
+          <p:childTnLst>
+            <p:seq concurrent="1" nextAc="seek">
+              <p:cTn id="2" dur="indefinite" nodeType="mainSeq">
+                <p:childTnLst>
+                  <p:par>
+                    <p:cTn id="3" fill="hold">
+                      <p:stCondLst>
+                        <p:cond delay="indefinite"/>
+                      </p:stCondLst>
+                      <p:childTnLst>
+                        <p:par>
+                          <p:cTn id="4" fill="hold">
+                            <p:stCondLst>
+                              <p:cond delay="0"/>
+                            </p:stCondLst>
+                            <p:childTnLst>
+                              <p:par>
+                                <p:cTn id="5" presetID="1" presetClass="entr" presetSubtype="0" fill="hold" grpId="0" nodeType="clickEffect">
+                                  <p:stCondLst>
+                                    <p:cond delay="0"/>
+                                  </p:stCondLst>
+                                  <p:childTnLst>
+                                    <p:set>
+                                      <p:cBhvr>
+                                        <p:cTn id="6" dur="1" fill="hold">
+                                          <p:stCondLst>
+                                            <p:cond delay="0"/>
+                                          </p:stCondLst>
+                                        </p:cTn>
+                                        <p:tgtEl>
+                                          <p:spTgt spid="11"/>
+                                        </p:tgtEl>
+                                        <p:attrNameLst>
+                                          <p:attrName>style.visibility</p:attrName>
+                                        </p:attrNameLst>
+                                      </p:cBhvr>
+                                      <p:to>
+                                        <p:strVal val="visible"/>
+                                      </p:to>
+                                    </p:set>
+                                  </p:childTnLst>
+                                </p:cTn>
+                              </p:par>
+                              <p:par>
+                                <p:cTn id="7" presetID="1" presetClass="entr" presetSubtype="0" fill="hold" grpId="0" nodeType="withEffect">
+                                  <p:stCondLst>
+                                    <p:cond delay="0"/>
+                                  </p:stCondLst>
+                                  <p:childTnLst>
+                                    <p:set>
+                                      <p:cBhvr>
+                                        <p:cTn id="8" dur="1" fill="hold">
+                                          <p:stCondLst>
+                                            <p:cond delay="0"/>
+                                          </p:stCondLst>
+                                        </p:cTn>
+                                        <p:tgtEl>
+                                          <p:spTgt spid="10"/>
+                                        </p:tgtEl>
+                                        <p:attrNameLst>
+                                          <p:attrName>style.visibility</p:attrName>
+                                        </p:attrNameLst>
+                                      </p:cBhvr>
+                                      <p:to>
+                                        <p:strVal val="visible"/>
+                                      </p:to>
+                                    </p:set>
+                                  </p:childTnLst>
+                                </p:cTn>
+                              </p:par>
+                              <p:par>
+                                <p:cTn id="9" presetID="1" presetClass="entr" presetSubtype="0" fill="hold" grpId="0" nodeType="withEffect">
+                                  <p:stCondLst>
+                                    <p:cond delay="0"/>
+                                  </p:stCondLst>
+                                  <p:childTnLst>
+                                    <p:set>
+                                      <p:cBhvr>
+                                        <p:cTn id="10" dur="1" fill="hold">
+                                          <p:stCondLst>
+                                            <p:cond delay="0"/>
+                                          </p:stCondLst>
+                                        </p:cTn>
+                                        <p:tgtEl>
+                                          <p:spTgt spid="12"/>
+                                        </p:tgtEl>
+                                        <p:attrNameLst>
+                                          <p:attrName>style.visibility</p:attrName>
+                                        </p:attrNameLst>
+                                      </p:cBhvr>
+                                      <p:to>
+                                        <p:strVal val="visible"/>
+                                      </p:to>
+                                    </p:set>
+                                  </p:childTnLst>
+                                </p:cTn>
+                              </p:par>
+                              <p:par>
+                                <p:cTn id="11" presetID="1" presetClass="entr" presetSubtype="0" fill="hold" grpId="0" nodeType="withEffect">
+                                  <p:stCondLst>
+                                    <p:cond delay="0"/>
+                                  </p:stCondLst>
+                                  <p:childTnLst>
+                                    <p:set>
+                                      <p:cBhvr>
+                                        <p:cTn id="12" dur="1" fill="hold">
+                                          <p:stCondLst>
+                                            <p:cond delay="0"/>
+                                          </p:stCondLst>
+                                        </p:cTn>
+                                        <p:tgtEl>
+                                          <p:spTgt spid="9"/>
+                                        </p:tgtEl>
+                                        <p:attrNameLst>
+                                          <p:attrName>style.visibility</p:attrName>
+                                        </p:attrNameLst>
+                                      </p:cBhvr>
+                                      <p:to>
+                                        <p:strVal val="visible"/>
+                                      </p:to>
+                                    </p:set>
+                                  </p:childTnLst>
+                                </p:cTn>
+                              </p:par>
+                              <p:par>
+                                <p:cTn id="13" presetID="1" presetClass="entr" presetSubtype="0" fill="hold" grpId="0" nodeType="withEffect">
+                                  <p:stCondLst>
+                                    <p:cond delay="0"/>
+                                  </p:stCondLst>
+                                  <p:childTnLst>
+                                    <p:set>
+                                      <p:cBhvr>
+                                        <p:cTn id="14" dur="1" fill="hold">
+                                          <p:stCondLst>
+                                            <p:cond delay="0"/>
+                                          </p:stCondLst>
+                                        </p:cTn>
+                                        <p:tgtEl>
+                                          <p:spTgt spid="14"/>
+                                        </p:tgtEl>
+                                        <p:attrNameLst>
+                                          <p:attrName>style.visibility</p:attrName>
+                                        </p:attrNameLst>
+                                      </p:cBhvr>
+                                      <p:to>
+                                        <p:strVal val="visible"/>
+                                      </p:to>
+                                    </p:set>
+                                  </p:childTnLst>
+                                </p:cTn>
+                              </p:par>
+                              <p:par>
+                                <p:cTn id="15" presetID="1" presetClass="entr" presetSubtype="0" fill="hold" grpId="0" nodeType="withEffect">
+                                  <p:stCondLst>
+                                    <p:cond delay="0"/>
+                                  </p:stCondLst>
+                                  <p:childTnLst>
+                                    <p:set>
+                                      <p:cBhvr>
+                                        <p:cTn id="16" dur="1" fill="hold">
+                                          <p:stCondLst>
+                                            <p:cond delay="0"/>
+                                          </p:stCondLst>
+                                        </p:cTn>
+                                        <p:tgtEl>
+                                          <p:spTgt spid="18"/>
+                                        </p:tgtEl>
+                                        <p:attrNameLst>
+                                          <p:attrName>style.visibility</p:attrName>
+                                        </p:attrNameLst>
+                                      </p:cBhvr>
+                                      <p:to>
+                                        <p:strVal val="visible"/>
+                                      </p:to>
+                                    </p:set>
+                                  </p:childTnLst>
+                                </p:cTn>
+                              </p:par>
+                            </p:childTnLst>
+                          </p:cTn>
+                        </p:par>
+                      </p:childTnLst>
+                    </p:cTn>
+                  </p:par>
+                </p:childTnLst>
+              </p:cTn>
+              <p:prevCondLst>
+                <p:cond evt="onPrev" delay="0">
+                  <p:tgtEl>
+                    <p:sldTgt/>
+                  </p:tgtEl>
+                </p:cond>
+              </p:prevCondLst>
+              <p:nextCondLst>
+                <p:cond evt="onNext" delay="0">
+                  <p:tgtEl>
+                    <p:sldTgt/>
+                  </p:tgtEl>
+                </p:cond>
+              </p:nextCondLst>
+            </p:seq>
+          </p:childTnLst>
+        </p:cTn>
+      </p:par>
+    </p:tnLst>
+    <p:bldLst>
+      <p:bldP spid="9" grpId="0"/>
+      <p:bldP spid="10" grpId="0"/>
+      <p:bldP spid="11" grpId="0" animBg="1"/>
+      <p:bldP spid="12" grpId="0" animBg="1"/>
+      <p:bldP spid="14" grpId="0"/>
+      <p:bldP spid="18" grpId="0"/>
+    </p:bldLst>
+  </p:timing>
+</p:sld>
+</file>
+
+<file path=ppt/slides/slide23.xml><?xml version="1.0" encoding="utf-8"?>
+<p:sld xmlns:a="http://schemas.openxmlformats.org/drawingml/2006/main" xmlns:r="http://schemas.openxmlformats.org/officeDocument/2006/relationships" xmlns:p="http://schemas.openxmlformats.org/presentationml/2006/main">
+  <p:cSld>
+    <p:spTree>
+      <p:nvGrpSpPr>
+        <p:cNvPr id="1" name=""/>
+        <p:cNvGrpSpPr/>
+        <p:nvPr/>
+      </p:nvGrpSpPr>
+      <p:grpSpPr>
+        <a:xfrm>
+          <a:off x="0" y="0"/>
+          <a:ext cx="0" cy="0"/>
+          <a:chOff x="0" y="0"/>
+          <a:chExt cx="0" cy="0"/>
+        </a:xfrm>
+      </p:grpSpPr>
+      <p:sp>
+        <p:nvSpPr>
+          <p:cNvPr id="2" name="Title 1">
+            <a:extLst>
+              <a:ext uri="{FF2B5EF4-FFF2-40B4-BE49-F238E27FC236}">
+                <a16:creationId xmlns:a16="http://schemas.microsoft.com/office/drawing/2014/main" id="{4EE43C0B-4A73-4922-808E-BD64B662A651}"/>
+              </a:ext>
+            </a:extLst>
+          </p:cNvPr>
+          <p:cNvSpPr>
+            <a:spLocks noGrp="1"/>
+          </p:cNvSpPr>
+          <p:nvPr>
+            <p:ph type="title"/>
+          </p:nvPr>
+        </p:nvSpPr>
+        <p:spPr/>
+        <p:txBody>
+          <a:bodyPr/>
+          <a:lstStyle/>
+          <a:p>
+            <a:r>
+              <a:rPr lang="es-419" dirty="0"/>
+              <a:t>Independencia de datos</a:t>
+            </a:r>
+            <a:endParaRPr lang="en-US" dirty="0"/>
+          </a:p>
+        </p:txBody>
+      </p:sp>
+      <p:sp>
+        <p:nvSpPr>
+          <p:cNvPr id="3" name="Content Placeholder 2">
+            <a:extLst>
+              <a:ext uri="{FF2B5EF4-FFF2-40B4-BE49-F238E27FC236}">
+                <a16:creationId xmlns:a16="http://schemas.microsoft.com/office/drawing/2014/main" id="{CDCA50FE-918C-4625-9138-32A3EC625237}"/>
+              </a:ext>
+            </a:extLst>
+          </p:cNvPr>
+          <p:cNvSpPr>
+            <a:spLocks noGrp="1"/>
+          </p:cNvSpPr>
+          <p:nvPr>
+            <p:ph idx="1"/>
+          </p:nvPr>
+        </p:nvSpPr>
+        <p:spPr/>
+        <p:txBody>
+          <a:bodyPr>
+            <a:normAutofit lnSpcReduction="10000"/>
+          </a:bodyPr>
+          <a:lstStyle/>
+          <a:p>
+            <a:pPr marL="0" indent="0">
+              <a:buNone/>
+            </a:pPr>
+            <a:r>
+              <a:rPr lang="es-419" dirty="0"/>
+              <a:t>Las aplicaciones no deben preocuparse de </a:t>
+            </a:r>
+            <a:r>
+              <a:rPr lang="es-419" i="1" dirty="0"/>
+              <a:t>cómo está estructurada y almacenada la data</a:t>
+            </a:r>
+            <a:endParaRPr lang="es-419" dirty="0"/>
+          </a:p>
+          <a:p>
+            <a:pPr marL="0" indent="0">
+              <a:buNone/>
+            </a:pPr>
+            <a:endParaRPr lang="es-419" dirty="0"/>
+          </a:p>
+          <a:p>
+            <a:pPr marL="0" indent="0">
+              <a:buNone/>
+            </a:pPr>
+            <a:r>
+              <a:rPr lang="es-419" b="1" dirty="0"/>
+              <a:t>Independencia lógica:  </a:t>
+            </a:r>
+            <a:r>
+              <a:rPr lang="es-419" dirty="0"/>
+              <a:t>Protección de cambios en la estructura lógica de los datos</a:t>
+            </a:r>
+          </a:p>
+          <a:p>
+            <a:pPr marL="0" indent="0">
+              <a:buNone/>
+            </a:pPr>
+            <a:r>
+              <a:rPr lang="es-419" sz="2000" i="1" dirty="0"/>
+              <a:t>¿Tengo que reescribir el app para crear un nuevo campo?</a:t>
+            </a:r>
+          </a:p>
+          <a:p>
+            <a:pPr marL="0" indent="0">
+              <a:buNone/>
+            </a:pPr>
+            <a:endParaRPr lang="es-419" sz="2000" dirty="0"/>
+          </a:p>
+          <a:p>
+            <a:pPr marL="0" indent="0">
+              <a:buNone/>
+            </a:pPr>
+            <a:r>
+              <a:rPr lang="es-419" b="1" dirty="0"/>
+              <a:t>Independencia física:</a:t>
+            </a:r>
+          </a:p>
+          <a:p>
+            <a:pPr marL="0" indent="0">
+              <a:buNone/>
+            </a:pPr>
+            <a:r>
+              <a:rPr lang="es-419" dirty="0"/>
+              <a:t>Protección de cambios en la estructura </a:t>
+            </a:r>
+            <a:r>
+              <a:rPr lang="es-419" i="1" dirty="0"/>
+              <a:t>física </a:t>
+            </a:r>
+            <a:r>
+              <a:rPr lang="es-419" dirty="0"/>
+              <a:t>de los datos</a:t>
+            </a:r>
+          </a:p>
+          <a:p>
+            <a:pPr marL="0" indent="0">
+              <a:buNone/>
+            </a:pPr>
+            <a:r>
+              <a:rPr lang="es-419" sz="2000" dirty="0"/>
+              <a:t>¿En qué segmentos del disco estará guardada esta tabla?</a:t>
+            </a:r>
+            <a:endParaRPr lang="en-US" sz="2000" dirty="0"/>
+          </a:p>
+        </p:txBody>
+      </p:sp>
+    </p:spTree>
+    <p:extLst>
+      <p:ext uri="{BB962C8B-B14F-4D97-AF65-F5344CB8AC3E}">
+        <p14:creationId xmlns:p14="http://schemas.microsoft.com/office/powerpoint/2010/main" val="2026205563"/>
+      </p:ext>
+    </p:extLst>
+  </p:cSld>
+  <p:clrMapOvr>
+    <a:masterClrMapping/>
+  </p:clrMapOvr>
+</p:sld>
+</file>
+
+<file path=ppt/slides/slide24.xml><?xml version="1.0" encoding="utf-8"?>
+<p:sld xmlns:a="http://schemas.openxmlformats.org/drawingml/2006/main" xmlns:r="http://schemas.openxmlformats.org/officeDocument/2006/relationships" xmlns:p="http://schemas.openxmlformats.org/presentationml/2006/main">
+  <p:cSld>
+    <p:bg>
+      <p:bgPr>
+        <a:solidFill>
+          <a:schemeClr val="bg1"/>
+        </a:solidFill>
+        <a:effectLst/>
+      </p:bgPr>
+    </p:bg>
+    <p:spTree>
+      <p:nvGrpSpPr>
+        <p:cNvPr id="1" name=""/>
+        <p:cNvGrpSpPr/>
+        <p:nvPr/>
+      </p:nvGrpSpPr>
+      <p:grpSpPr>
+        <a:xfrm>
+          <a:off x="0" y="0"/>
+          <a:ext cx="0" cy="0"/>
+          <a:chOff x="0" y="0"/>
+          <a:chExt cx="0" cy="0"/>
+        </a:xfrm>
+      </p:grpSpPr>
+      <p:sp>
+        <p:nvSpPr>
+          <p:cNvPr id="10" name="Rectangle 9">
+            <a:extLst>
+              <a:ext uri="{FF2B5EF4-FFF2-40B4-BE49-F238E27FC236}">
+                <a16:creationId xmlns:a16="http://schemas.microsoft.com/office/drawing/2014/main" id="{53BB5D57-6178-4F62-B472-0312F6D95A85}"/>
+              </a:ext>
+            </a:extLst>
+          </p:cNvPr>
+          <p:cNvSpPr>
+            <a:spLocks noGrp="1" noRot="1" noChangeAspect="1" noMove="1" noResize="1" noEditPoints="1" noAdjustHandles="1" noChangeArrowheads="1" noChangeShapeType="1" noTextEdit="1"/>
+          </p:cNvSpPr>
+          <p:nvPr>
+            <p:extLst>
+              <p:ext uri="{386F3935-93C4-4BCD-93E2-E3B085C9AB24}">
+                <p16:designElem xmlns:p16="http://schemas.microsoft.com/office/powerpoint/2015/main" val="1"/>
+              </p:ext>
+            </p:extLst>
+          </p:nvPr>
+        </p:nvSpPr>
+        <p:spPr>
+          <a:xfrm>
+            <a:off x="0" y="0"/>
+            <a:ext cx="12192000" cy="6858000"/>
+          </a:xfrm>
+          <a:prstGeom prst="rect">
+            <a:avLst/>
+          </a:prstGeom>
+          <a:solidFill>
+            <a:srgbClr val="3A5069"/>
+          </a:solidFill>
+          <a:ln>
+            <a:noFill/>
+          </a:ln>
+        </p:spPr>
+        <p:style>
+          <a:lnRef idx="2">
+            <a:schemeClr val="accent1">
+              <a:shade val="50000"/>
+            </a:schemeClr>
+          </a:lnRef>
+          <a:fillRef idx="1">
+            <a:schemeClr val="accent1"/>
+          </a:fillRef>
+          <a:effectRef idx="0">
+            <a:schemeClr val="accent1"/>
+          </a:effectRef>
+          <a:fontRef idx="minor">
+            <a:schemeClr val="lt1"/>
+          </a:fontRef>
+        </p:style>
+        <p:txBody>
+          <a:bodyPr rtlCol="0" anchor="ctr"/>
+          <a:lstStyle/>
+          <a:p>
+            <a:pPr algn="ctr"/>
+            <a:endParaRPr lang="en-US"/>
+          </a:p>
+        </p:txBody>
+      </p:sp>
+      <p:pic>
+        <p:nvPicPr>
+          <p:cNvPr id="5" name="Content Placeholder 4" descr="A close up of a person&#10;&#10;Description generated with high confidence">
+            <a:extLst>
+              <a:ext uri="{FF2B5EF4-FFF2-40B4-BE49-F238E27FC236}">
+                <a16:creationId xmlns:a16="http://schemas.microsoft.com/office/drawing/2014/main" id="{B6019685-D078-4D58-A25A-94CA8D2A89FE}"/>
+              </a:ext>
+            </a:extLst>
+          </p:cNvPr>
+          <p:cNvPicPr>
+            <a:picLocks noGrp="1" noChangeAspect="1"/>
+          </p:cNvPicPr>
+          <p:nvPr>
+            <p:ph idx="1"/>
+          </p:nvPr>
+        </p:nvPicPr>
+        <p:blipFill rotWithShape="1">
+          <a:blip r:embed="rId2">
+            <a:extLst>
+              <a:ext uri="{28A0092B-C50C-407E-A947-70E740481C1C}">
+                <a14:useLocalDpi xmlns:a14="http://schemas.microsoft.com/office/drawing/2010/main" val="0"/>
+              </a:ext>
+            </a:extLst>
+          </a:blip>
+          <a:srcRect t="8967" r="7999" b="10859"/>
+          <a:stretch/>
+        </p:blipFill>
+        <p:spPr>
+          <a:xfrm>
+            <a:off x="643467" y="1143000"/>
+            <a:ext cx="10905066" cy="4466492"/>
+          </a:xfrm>
+          <a:prstGeom prst="rect">
+            <a:avLst/>
+          </a:prstGeom>
+        </p:spPr>
+      </p:pic>
+      <p:sp>
+        <p:nvSpPr>
+          <p:cNvPr id="12" name="Rectangle 11">
+            <a:extLst>
+              <a:ext uri="{FF2B5EF4-FFF2-40B4-BE49-F238E27FC236}">
+                <a16:creationId xmlns:a16="http://schemas.microsoft.com/office/drawing/2014/main" id="{4C61BD32-7542-4D52-BA5A-3ADE869BF8AC}"/>
+              </a:ext>
+            </a:extLst>
+          </p:cNvPr>
+          <p:cNvSpPr>
+            <a:spLocks noGrp="1" noRot="1" noChangeAspect="1" noMove="1" noResize="1" noEditPoints="1" noAdjustHandles="1" noChangeArrowheads="1" noChangeShapeType="1" noTextEdit="1"/>
+          </p:cNvSpPr>
+          <p:nvPr>
+            <p:extLst>
+              <p:ext uri="{386F3935-93C4-4BCD-93E2-E3B085C9AB24}">
+                <p16:designElem xmlns:p16="http://schemas.microsoft.com/office/powerpoint/2015/main" val="1"/>
+              </p:ext>
+            </p:extLst>
+          </p:nvPr>
+        </p:nvSpPr>
+        <p:spPr>
+          <a:xfrm>
+            <a:off x="477012" y="480060"/>
+            <a:ext cx="11237976" cy="5897880"/>
+          </a:xfrm>
+          <a:prstGeom prst="rect">
+            <a:avLst/>
+          </a:prstGeom>
+          <a:noFill/>
+          <a:ln>
+            <a:solidFill>
+              <a:srgbClr val="FFFFFF"/>
+            </a:solidFill>
+          </a:ln>
+        </p:spPr>
+        <p:style>
+          <a:lnRef idx="2">
+            <a:schemeClr val="accent1">
+              <a:shade val="50000"/>
+            </a:schemeClr>
+          </a:lnRef>
+          <a:fillRef idx="1">
+            <a:schemeClr val="accent1"/>
+          </a:fillRef>
+          <a:effectRef idx="0">
+            <a:schemeClr val="accent1"/>
+          </a:effectRef>
+          <a:fontRef idx="minor">
+            <a:schemeClr val="lt1"/>
+          </a:fontRef>
+        </p:style>
+        <p:txBody>
+          <a:bodyPr rtlCol="0" anchor="ctr"/>
+          <a:lstStyle/>
+          <a:p>
+            <a:pPr algn="ctr"/>
+            <a:endParaRPr lang="en-US"/>
+          </a:p>
+        </p:txBody>
+      </p:sp>
+    </p:spTree>
+    <p:extLst>
+      <p:ext uri="{BB962C8B-B14F-4D97-AF65-F5344CB8AC3E}">
+        <p14:creationId xmlns:p14="http://schemas.microsoft.com/office/powerpoint/2010/main" val="1551555011"/>
+      </p:ext>
+    </p:extLst>
+  </p:cSld>
+  <p:clrMapOvr>
+    <a:masterClrMapping/>
+  </p:clrMapOvr>
+</p:sld>
+</file>
+
+<file path=ppt/slides/slide3.xml><?xml version="1.0" encoding="utf-8"?>
+<p:sld xmlns:a="http://schemas.openxmlformats.org/drawingml/2006/main" xmlns:r="http://schemas.openxmlformats.org/officeDocument/2006/relationships" xmlns:p="http://schemas.openxmlformats.org/presentationml/2006/main">
+  <p:cSld>
+    <p:bg>
+      <p:bgPr>
+        <a:solidFill>
+          <a:schemeClr val="bg1"/>
+        </a:solidFill>
+        <a:effectLst/>
+      </p:bgPr>
+    </p:bg>
+    <p:spTree>
+      <p:nvGrpSpPr>
+        <p:cNvPr id="1" name=""/>
+        <p:cNvGrpSpPr/>
+        <p:nvPr/>
+      </p:nvGrpSpPr>
+      <p:grpSpPr>
+        <a:xfrm>
+          <a:off x="0" y="0"/>
+          <a:ext cx="0" cy="0"/>
+          <a:chOff x="0" y="0"/>
+          <a:chExt cx="0" cy="0"/>
+        </a:xfrm>
+      </p:grpSpPr>
+      <p:sp>
+        <p:nvSpPr>
+          <p:cNvPr id="10" name="Rectangle 9">
+            <a:extLst>
+              <a:ext uri="{FF2B5EF4-FFF2-40B4-BE49-F238E27FC236}">
+                <a16:creationId xmlns:a16="http://schemas.microsoft.com/office/drawing/2014/main" id="{53BB5D57-6178-4F62-B472-0312F6D95A85}"/>
+              </a:ext>
+            </a:extLst>
+          </p:cNvPr>
+          <p:cNvSpPr>
+            <a:spLocks noGrp="1" noRot="1" noChangeAspect="1" noMove="1" noResize="1" noEditPoints="1" noAdjustHandles="1" noChangeArrowheads="1" noChangeShapeType="1" noTextEdit="1"/>
+          </p:cNvSpPr>
+          <p:nvPr>
+            <p:extLst>
+              <p:ext uri="{386F3935-93C4-4BCD-93E2-E3B085C9AB24}">
+                <p16:designElem xmlns:p16="http://schemas.microsoft.com/office/powerpoint/2015/main" val="1"/>
+              </p:ext>
+            </p:extLst>
+          </p:nvPr>
+        </p:nvSpPr>
+        <p:spPr>
+          <a:xfrm>
+            <a:off x="0" y="0"/>
+            <a:ext cx="12192000" cy="6858000"/>
+          </a:xfrm>
+          <a:prstGeom prst="rect">
+            <a:avLst/>
+          </a:prstGeom>
+          <a:solidFill>
+            <a:schemeClr val="tx1">
+              <a:lumMod val="65000"/>
+              <a:lumOff val="35000"/>
+            </a:schemeClr>
+          </a:solidFill>
+          <a:ln>
+            <a:noFill/>
+          </a:ln>
+        </p:spPr>
+        <p:style>
+          <a:lnRef idx="2">
+            <a:schemeClr val="accent1">
+              <a:shade val="50000"/>
+            </a:schemeClr>
+          </a:lnRef>
+          <a:fillRef idx="1">
+            <a:schemeClr val="accent1"/>
+          </a:fillRef>
+          <a:effectRef idx="0">
+            <a:schemeClr val="accent1"/>
+          </a:effectRef>
+          <a:fontRef idx="minor">
+            <a:schemeClr val="lt1"/>
+          </a:fontRef>
+        </p:style>
+        <p:txBody>
+          <a:bodyPr rtlCol="0" anchor="ctr"/>
+          <a:lstStyle/>
+          <a:p>
+            <a:pPr algn="ctr"/>
+            <a:endParaRPr lang="en-US"/>
+          </a:p>
+        </p:txBody>
+      </p:sp>
+      <p:pic>
+        <p:nvPicPr>
+          <p:cNvPr id="5" name="Picture 4">
+            <a:extLst>
+              <a:ext uri="{FF2B5EF4-FFF2-40B4-BE49-F238E27FC236}">
+                <a16:creationId xmlns:a16="http://schemas.microsoft.com/office/drawing/2014/main" id="{999A5842-5A29-4128-A4BE-1708BA9C2545}"/>
+              </a:ext>
+            </a:extLst>
+          </p:cNvPr>
+          <p:cNvPicPr>
+            <a:picLocks noChangeAspect="1"/>
+          </p:cNvPicPr>
+          <p:nvPr/>
+        </p:nvPicPr>
+        <p:blipFill rotWithShape="1">
+          <a:blip r:embed="rId2">
+            <a:extLst>
+              <a:ext uri="{28A0092B-C50C-407E-A947-70E740481C1C}">
+                <a14:useLocalDpi xmlns:a14="http://schemas.microsoft.com/office/drawing/2010/main" val="0"/>
+              </a:ext>
+            </a:extLst>
+          </a:blip>
+          <a:srcRect l="932" t="8608" r="7999" b="11629"/>
+          <a:stretch/>
+        </p:blipFill>
+        <p:spPr>
+          <a:xfrm>
+            <a:off x="753979" y="1122947"/>
+            <a:ext cx="10794554" cy="4443664"/>
+          </a:xfrm>
+          <a:prstGeom prst="rect">
+            <a:avLst/>
+          </a:prstGeom>
+        </p:spPr>
+      </p:pic>
+      <p:sp>
+        <p:nvSpPr>
+          <p:cNvPr id="12" name="Rectangle 11">
+            <a:extLst>
+              <a:ext uri="{FF2B5EF4-FFF2-40B4-BE49-F238E27FC236}">
+                <a16:creationId xmlns:a16="http://schemas.microsoft.com/office/drawing/2014/main" id="{4C61BD32-7542-4D52-BA5A-3ADE869BF8AC}"/>
+              </a:ext>
+            </a:extLst>
+          </p:cNvPr>
+          <p:cNvSpPr>
+            <a:spLocks noGrp="1" noRot="1" noChangeAspect="1" noMove="1" noResize="1" noEditPoints="1" noAdjustHandles="1" noChangeArrowheads="1" noChangeShapeType="1" noTextEdit="1"/>
+          </p:cNvSpPr>
+          <p:nvPr>
+            <p:extLst>
+              <p:ext uri="{386F3935-93C4-4BCD-93E2-E3B085C9AB24}">
+                <p16:designElem xmlns:p16="http://schemas.microsoft.com/office/powerpoint/2015/main" val="1"/>
+              </p:ext>
+            </p:extLst>
+          </p:nvPr>
+        </p:nvSpPr>
+        <p:spPr>
+          <a:xfrm>
+            <a:off x="477012" y="480060"/>
+            <a:ext cx="11237976" cy="5897880"/>
+          </a:xfrm>
+          <a:prstGeom prst="rect">
+            <a:avLst/>
+          </a:prstGeom>
+          <a:noFill/>
+          <a:ln>
+            <a:solidFill>
+              <a:srgbClr val="FFFFFF"/>
+            </a:solidFill>
+          </a:ln>
+        </p:spPr>
+        <p:style>
+          <a:lnRef idx="2">
+            <a:schemeClr val="accent1">
+              <a:shade val="50000"/>
+            </a:schemeClr>
+          </a:lnRef>
+          <a:fillRef idx="1">
+            <a:schemeClr val="accent1"/>
+          </a:fillRef>
+          <a:effectRef idx="0">
+            <a:schemeClr val="accent1"/>
+          </a:effectRef>
+          <a:fontRef idx="minor">
+            <a:schemeClr val="lt1"/>
+          </a:fontRef>
+        </p:style>
+        <p:txBody>
+          <a:bodyPr rtlCol="0" anchor="ctr"/>
+          <a:lstStyle/>
+          <a:p>
+            <a:pPr algn="ctr"/>
+            <a:endParaRPr lang="en-US"/>
+          </a:p>
+        </p:txBody>
+      </p:sp>
+    </p:spTree>
+    <p:extLst>
+      <p:ext uri="{BB962C8B-B14F-4D97-AF65-F5344CB8AC3E}">
+        <p14:creationId xmlns:p14="http://schemas.microsoft.com/office/powerpoint/2010/main" val="1743146336"/>
+      </p:ext>
+    </p:extLst>
+  </p:cSld>
+  <p:clrMapOvr>
+    <a:masterClrMapping/>
+  </p:clrMapOvr>
+</p:sld>
+</file>
+
+<file path=ppt/slides/slide4.xml><?xml version="1.0" encoding="utf-8"?>
+<p:sld xmlns:a="http://schemas.openxmlformats.org/drawingml/2006/main" xmlns:r="http://schemas.openxmlformats.org/officeDocument/2006/relationships" xmlns:p="http://schemas.openxmlformats.org/presentationml/2006/main">
+  <p:cSld>
+    <p:spTree>
+      <p:nvGrpSpPr>
+        <p:cNvPr id="1" name=""/>
+        <p:cNvGrpSpPr/>
+        <p:nvPr/>
+      </p:nvGrpSpPr>
+      <p:grpSpPr>
+        <a:xfrm>
+          <a:off x="0" y="0"/>
+          <a:ext cx="0" cy="0"/>
+          <a:chOff x="0" y="0"/>
+          <a:chExt cx="0" cy="0"/>
+        </a:xfrm>
+      </p:grpSpPr>
+      <p:sp>
+        <p:nvSpPr>
+          <p:cNvPr id="2" name="Title 1">
+            <a:extLst>
+              <a:ext uri="{FF2B5EF4-FFF2-40B4-BE49-F238E27FC236}">
+                <a16:creationId xmlns:a16="http://schemas.microsoft.com/office/drawing/2014/main" id="{0066BA88-D5B6-4C62-9D0F-A1004A7A2D6F}"/>
+              </a:ext>
+            </a:extLst>
+          </p:cNvPr>
+          <p:cNvSpPr>
+            <a:spLocks noGrp="1"/>
+          </p:cNvSpPr>
+          <p:nvPr>
+            <p:ph type="title"/>
+          </p:nvPr>
+        </p:nvSpPr>
+        <p:spPr/>
+        <p:txBody>
+          <a:bodyPr/>
+          <a:lstStyle/>
+          <a:p>
+            <a:r>
+              <a:rPr lang="es-419" dirty="0"/>
+              <a:t>Ejemplos</a:t>
+            </a:r>
+            <a:endParaRPr lang="en-US" dirty="0"/>
+          </a:p>
+        </p:txBody>
+      </p:sp>
+      <p:pic>
+        <p:nvPicPr>
+          <p:cNvPr id="5" name="Content Placeholder 4">
+            <a:extLst>
+              <a:ext uri="{FF2B5EF4-FFF2-40B4-BE49-F238E27FC236}">
+                <a16:creationId xmlns:a16="http://schemas.microsoft.com/office/drawing/2014/main" id="{371A8C5F-0AE6-4E79-A5CB-E9527C5A9DF2}"/>
+              </a:ext>
+            </a:extLst>
+          </p:cNvPr>
+          <p:cNvPicPr>
+            <a:picLocks noGrp="1" noChangeAspect="1"/>
+          </p:cNvPicPr>
+          <p:nvPr>
+            <p:ph idx="1"/>
+          </p:nvPr>
+        </p:nvPicPr>
+        <p:blipFill>
+          <a:blip r:embed="rId2">
+            <a:extLst>
+              <a:ext uri="{28A0092B-C50C-407E-A947-70E740481C1C}">
+                <a14:useLocalDpi xmlns:a14="http://schemas.microsoft.com/office/drawing/2010/main" val="0"/>
+              </a:ext>
+            </a:extLst>
+          </a:blip>
+          <a:stretch>
+            <a:fillRect/>
+          </a:stretch>
+        </p:blipFill>
+        <p:spPr>
+          <a:xfrm>
+            <a:off x="1321511" y="2661214"/>
+            <a:ext cx="2448383" cy="2448383"/>
+          </a:xfrm>
+        </p:spPr>
+      </p:pic>
+      <p:pic>
+        <p:nvPicPr>
+          <p:cNvPr id="10" name="Picture 9">
+            <a:extLst>
+              <a:ext uri="{FF2B5EF4-FFF2-40B4-BE49-F238E27FC236}">
+                <a16:creationId xmlns:a16="http://schemas.microsoft.com/office/drawing/2014/main" id="{9670AC18-1DB8-45D9-B060-72255103C4BC}"/>
+              </a:ext>
+            </a:extLst>
+          </p:cNvPr>
+          <p:cNvPicPr>
+            <a:picLocks noChangeAspect="1"/>
+          </p:cNvPicPr>
+          <p:nvPr/>
+        </p:nvPicPr>
+        <p:blipFill>
+          <a:blip r:embed="rId3">
+            <a:extLst>
+              <a:ext uri="{28A0092B-C50C-407E-A947-70E740481C1C}">
+                <a14:useLocalDpi xmlns:a14="http://schemas.microsoft.com/office/drawing/2010/main" val="0"/>
+              </a:ext>
+            </a:extLst>
+          </a:blip>
+          <a:stretch>
+            <a:fillRect/>
+          </a:stretch>
+        </p:blipFill>
+        <p:spPr>
+          <a:xfrm>
+            <a:off x="4657975" y="1027906"/>
+            <a:ext cx="4448175" cy="2857500"/>
+          </a:xfrm>
+          <a:prstGeom prst="rect">
+            <a:avLst/>
+          </a:prstGeom>
+        </p:spPr>
+      </p:pic>
+      <p:pic>
+        <p:nvPicPr>
+          <p:cNvPr id="12" name="Picture 11" descr="A close up of a logo&#10;&#10;Description generated with very high confidence">
+            <a:extLst>
+              <a:ext uri="{FF2B5EF4-FFF2-40B4-BE49-F238E27FC236}">
+                <a16:creationId xmlns:a16="http://schemas.microsoft.com/office/drawing/2014/main" id="{66067A0D-0D48-4509-B3CC-EFE9393AA91D}"/>
+              </a:ext>
+            </a:extLst>
+          </p:cNvPr>
+          <p:cNvPicPr>
+            <a:picLocks noChangeAspect="1"/>
+          </p:cNvPicPr>
+          <p:nvPr/>
+        </p:nvPicPr>
+        <p:blipFill>
+          <a:blip r:embed="rId4">
+            <a:extLst>
+              <a:ext uri="{28A0092B-C50C-407E-A947-70E740481C1C}">
+                <a14:useLocalDpi xmlns:a14="http://schemas.microsoft.com/office/drawing/2010/main" val="0"/>
+              </a:ext>
+            </a:extLst>
+          </a:blip>
+          <a:stretch>
+            <a:fillRect/>
+          </a:stretch>
+        </p:blipFill>
+        <p:spPr>
+          <a:xfrm>
+            <a:off x="5066297" y="4407128"/>
+            <a:ext cx="6088060" cy="1404937"/>
+          </a:xfrm>
+          <a:prstGeom prst="rect">
+            <a:avLst/>
+          </a:prstGeom>
+        </p:spPr>
+      </p:pic>
+    </p:spTree>
+    <p:extLst>
+      <p:ext uri="{BB962C8B-B14F-4D97-AF65-F5344CB8AC3E}">
+        <p14:creationId xmlns:p14="http://schemas.microsoft.com/office/powerpoint/2010/main" val="3970659771"/>
+      </p:ext>
+    </p:extLst>
+  </p:cSld>
+  <p:clrMapOvr>
+    <a:masterClrMapping/>
+  </p:clrMapOvr>
+</p:sld>
+</file>
+
+<file path=ppt/slides/slide5.xml><?xml version="1.0" encoding="utf-8"?>
+<p:sld xmlns:a="http://schemas.openxmlformats.org/drawingml/2006/main" xmlns:r="http://schemas.openxmlformats.org/officeDocument/2006/relationships" xmlns:p="http://schemas.openxmlformats.org/presentationml/2006/main">
+  <p:cSld>
+    <p:spTree>
+      <p:nvGrpSpPr>
+        <p:cNvPr id="1" name=""/>
+        <p:cNvGrpSpPr/>
+        <p:nvPr/>
+      </p:nvGrpSpPr>
+      <p:grpSpPr>
+        <a:xfrm>
+          <a:off x="0" y="0"/>
+          <a:ext cx="0" cy="0"/>
+          <a:chOff x="0" y="0"/>
+          <a:chExt cx="0" cy="0"/>
+        </a:xfrm>
+      </p:grpSpPr>
+      <p:sp>
+        <p:nvSpPr>
+          <p:cNvPr id="2" name="Title 1">
+            <a:extLst>
+              <a:ext uri="{FF2B5EF4-FFF2-40B4-BE49-F238E27FC236}">
+                <a16:creationId xmlns:a16="http://schemas.microsoft.com/office/drawing/2014/main" id="{9D5D97B4-FAED-46E4-B2CD-F560AC6653F6}"/>
+              </a:ext>
+            </a:extLst>
+          </p:cNvPr>
+          <p:cNvSpPr>
+            <a:spLocks noGrp="1"/>
+          </p:cNvSpPr>
+          <p:nvPr>
+            <p:ph type="title"/>
+          </p:nvPr>
+        </p:nvSpPr>
+        <p:spPr>
+          <a:xfrm>
+            <a:off x="838200" y="2515201"/>
+            <a:ext cx="10515600" cy="1325563"/>
+          </a:xfrm>
+        </p:spPr>
+        <p:txBody>
+          <a:bodyPr/>
+          <a:lstStyle/>
+          <a:p>
+            <a:pPr algn="ctr"/>
+            <a:r>
+              <a:rPr lang="es-419" dirty="0"/>
+              <a:t>¿Dónde se encuentra la información?</a:t>
+            </a:r>
+            <a:endParaRPr lang="en-US" dirty="0"/>
+          </a:p>
+        </p:txBody>
+      </p:sp>
+    </p:spTree>
+    <p:extLst>
+      <p:ext uri="{BB962C8B-B14F-4D97-AF65-F5344CB8AC3E}">
+        <p14:creationId xmlns:p14="http://schemas.microsoft.com/office/powerpoint/2010/main" val="3917251332"/>
+      </p:ext>
+    </p:extLst>
+  </p:cSld>
+  <p:clrMapOvr>
+    <a:masterClrMapping/>
+  </p:clrMapOvr>
+</p:sld>
+</file>
+
+<file path=ppt/slides/slide6.xml><?xml version="1.0" encoding="utf-8"?>
+<p:sld xmlns:a="http://schemas.openxmlformats.org/drawingml/2006/main" xmlns:r="http://schemas.openxmlformats.org/officeDocument/2006/relationships" xmlns:p="http://schemas.openxmlformats.org/presentationml/2006/main">
+  <p:cSld>
+    <p:spTree>
+      <p:nvGrpSpPr>
+        <p:cNvPr id="1" name=""/>
+        <p:cNvGrpSpPr/>
+        <p:nvPr/>
+      </p:nvGrpSpPr>
+      <p:grpSpPr>
+        <a:xfrm>
+          <a:off x="0" y="0"/>
+          <a:ext cx="0" cy="0"/>
+          <a:chOff x="0" y="0"/>
+          <a:chExt cx="0" cy="0"/>
+        </a:xfrm>
+      </p:grpSpPr>
+      <p:sp>
+        <p:nvSpPr>
+          <p:cNvPr id="2" name="Title 1">
+            <a:extLst>
+              <a:ext uri="{FF2B5EF4-FFF2-40B4-BE49-F238E27FC236}">
+                <a16:creationId xmlns:a16="http://schemas.microsoft.com/office/drawing/2014/main" id="{F8849E20-A734-42D6-BBB3-5EC83405D7D0}"/>
+              </a:ext>
+            </a:extLst>
+          </p:cNvPr>
+          <p:cNvSpPr>
+            <a:spLocks noGrp="1"/>
+          </p:cNvSpPr>
+          <p:nvPr>
+            <p:ph type="title"/>
+          </p:nvPr>
+        </p:nvSpPr>
+        <p:spPr>
+          <a:xfrm>
+            <a:off x="838200" y="1539018"/>
+            <a:ext cx="10515600" cy="3267760"/>
+          </a:xfrm>
+        </p:spPr>
+        <p:txBody>
+          <a:bodyPr>
+            <a:normAutofit/>
+          </a:bodyPr>
+          <a:lstStyle/>
+          <a:p>
+            <a:pPr algn="ctr"/>
+            <a:r>
+              <a:rPr lang="es-419" sz="6600" dirty="0"/>
+              <a:t>¿Bases de datos?</a:t>
+            </a:r>
+            <a:br>
+              <a:rPr lang="es-419" sz="6600" dirty="0"/>
+            </a:br>
+            <a:br>
+              <a:rPr lang="es-419" sz="6600" dirty="0"/>
+            </a:br>
+            <a:r>
+              <a:rPr lang="es-419" sz="6600" dirty="0"/>
+              <a:t>¿DBMS?</a:t>
+            </a:r>
+            <a:endParaRPr lang="en-US" sz="6600" dirty="0"/>
+          </a:p>
+        </p:txBody>
+      </p:sp>
+    </p:spTree>
+    <p:extLst>
+      <p:ext uri="{BB962C8B-B14F-4D97-AF65-F5344CB8AC3E}">
+        <p14:creationId xmlns:p14="http://schemas.microsoft.com/office/powerpoint/2010/main" val="1107158484"/>
+      </p:ext>
+    </p:extLst>
+  </p:cSld>
+  <p:clrMapOvr>
+    <a:masterClrMapping/>
+  </p:clrMapOvr>
+</p:sld>
+</file>
+
+<file path=ppt/slides/slide7.xml><?xml version="1.0" encoding="utf-8"?>
+<p:sld xmlns:a="http://schemas.openxmlformats.org/drawingml/2006/main" xmlns:r="http://schemas.openxmlformats.org/officeDocument/2006/relationships" xmlns:p="http://schemas.openxmlformats.org/presentationml/2006/main">
+  <p:cSld>
+    <p:spTree>
+      <p:nvGrpSpPr>
+        <p:cNvPr id="1" name=""/>
+        <p:cNvGrpSpPr/>
+        <p:nvPr/>
+      </p:nvGrpSpPr>
+      <p:grpSpPr>
+        <a:xfrm>
+          <a:off x="0" y="0"/>
+          <a:ext cx="0" cy="0"/>
+          <a:chOff x="0" y="0"/>
+          <a:chExt cx="0" cy="0"/>
+        </a:xfrm>
+      </p:grpSpPr>
+      <p:sp>
+        <p:nvSpPr>
+          <p:cNvPr id="2" name="Title 1">
+            <a:extLst>
+              <a:ext uri="{FF2B5EF4-FFF2-40B4-BE49-F238E27FC236}">
+                <a16:creationId xmlns:a16="http://schemas.microsoft.com/office/drawing/2014/main" id="{FDABD304-ED7D-40BD-8DA5-9DF490BDD701}"/>
+              </a:ext>
+            </a:extLst>
+          </p:cNvPr>
+          <p:cNvSpPr>
+            <a:spLocks noGrp="1"/>
+          </p:cNvSpPr>
+          <p:nvPr>
+            <p:ph type="title"/>
+          </p:nvPr>
+        </p:nvSpPr>
+        <p:spPr/>
+        <p:txBody>
+          <a:bodyPr/>
+          <a:lstStyle/>
+          <a:p>
+            <a:r>
+              <a:rPr lang="es-419" dirty="0"/>
+              <a:t>Esta clase tiene por objetivos:</a:t>
+            </a:r>
+            <a:endParaRPr lang="en-US" dirty="0"/>
+          </a:p>
+        </p:txBody>
+      </p:sp>
+      <p:sp>
+        <p:nvSpPr>
+          <p:cNvPr id="3" name="Content Placeholder 2">
+            <a:extLst>
+              <a:ext uri="{FF2B5EF4-FFF2-40B4-BE49-F238E27FC236}">
+                <a16:creationId xmlns:a16="http://schemas.microsoft.com/office/drawing/2014/main" id="{7805AD67-58CD-42F0-B551-D50821BF3290}"/>
+              </a:ext>
+            </a:extLst>
+          </p:cNvPr>
+          <p:cNvSpPr>
+            <a:spLocks noGrp="1"/>
+          </p:cNvSpPr>
+          <p:nvPr>
+            <p:ph idx="1"/>
+          </p:nvPr>
+        </p:nvSpPr>
+        <p:spPr/>
+        <p:txBody>
+          <a:bodyPr>
+            <a:normAutofit lnSpcReduction="10000"/>
+          </a:bodyPr>
+          <a:lstStyle/>
+          <a:p>
+            <a:pPr marL="0" indent="0">
+              <a:buNone/>
+            </a:pPr>
+            <a:r>
+              <a:rPr lang="es-ES" i="1" dirty="0"/>
+              <a:t>Diseñar una base de datos </a:t>
+            </a:r>
+            <a:r>
+              <a:rPr lang="es-ES" b="1" i="1" dirty="0"/>
+              <a:t>normalizada</a:t>
+            </a:r>
+            <a:r>
+              <a:rPr lang="es-ES" i="1" dirty="0"/>
+              <a:t> que contenga la información </a:t>
+            </a:r>
+            <a:r>
+              <a:rPr lang="es-ES" b="1" i="1" dirty="0"/>
+              <a:t>organizada</a:t>
+            </a:r>
+            <a:r>
+              <a:rPr lang="es-ES" i="1" dirty="0"/>
+              <a:t> de manera adecuada y de </a:t>
+            </a:r>
+            <a:r>
+              <a:rPr lang="es-ES" b="1" i="1" dirty="0"/>
+              <a:t>fácil acceso</a:t>
+            </a:r>
+          </a:p>
+          <a:p>
+            <a:endParaRPr lang="es-ES" i="1" dirty="0"/>
+          </a:p>
+          <a:p>
+            <a:pPr marL="0" indent="0">
+              <a:buNone/>
+            </a:pPr>
+            <a:r>
+              <a:rPr lang="es-ES" i="1" dirty="0"/>
+              <a:t>Utilizar </a:t>
+            </a:r>
+            <a:r>
+              <a:rPr lang="es-ES" b="1" i="1" dirty="0"/>
+              <a:t>SQL</a:t>
+            </a:r>
+            <a:r>
+              <a:rPr lang="es-ES" i="1" dirty="0"/>
+              <a:t> como lenguaje de consulta para gestionar información almacenada en bases de datos</a:t>
+            </a:r>
+          </a:p>
+          <a:p>
+            <a:pPr marL="0" indent="0">
+              <a:buNone/>
+            </a:pPr>
+            <a:endParaRPr lang="es-ES" dirty="0"/>
+          </a:p>
+          <a:p>
+            <a:pPr marL="0" indent="0">
+              <a:buNone/>
+            </a:pPr>
+            <a:r>
+              <a:rPr lang="es-ES_tradnl" i="1" dirty="0"/>
+              <a:t>Diseñar y construir </a:t>
+            </a:r>
+            <a:r>
+              <a:rPr lang="es-ES_tradnl" b="1" i="1" dirty="0"/>
+              <a:t>sistemas de aplicación</a:t>
+            </a:r>
+            <a:r>
+              <a:rPr lang="es-ES_tradnl" i="1" dirty="0"/>
+              <a:t> de bases de datos</a:t>
+            </a:r>
+          </a:p>
+          <a:p>
+            <a:pPr marL="0" indent="0">
+              <a:buNone/>
+            </a:pPr>
+            <a:endParaRPr lang="es-ES_tradnl" i="1" dirty="0"/>
+          </a:p>
+          <a:p>
+            <a:pPr marL="0" indent="0">
+              <a:buNone/>
+            </a:pPr>
+            <a:r>
+              <a:rPr lang="es-ES_tradnl" i="1" dirty="0"/>
+              <a:t>Estudiar cómo funcionan los sistemas gestores de bases de datos y los principios en que se fundamentan</a:t>
+            </a:r>
+          </a:p>
+        </p:txBody>
+      </p:sp>
+    </p:spTree>
+    <p:extLst>
+      <p:ext uri="{BB962C8B-B14F-4D97-AF65-F5344CB8AC3E}">
+        <p14:creationId xmlns:p14="http://schemas.microsoft.com/office/powerpoint/2010/main" val="1175328216"/>
+      </p:ext>
+    </p:extLst>
+  </p:cSld>
+  <p:clrMapOvr>
+    <a:masterClrMapping/>
+  </p:clrMapOvr>
+</p:sld>
+</file>
+
+<file path=ppt/slides/slide8.xml><?xml version="1.0" encoding="utf-8"?>
+<p:sld xmlns:a="http://schemas.openxmlformats.org/drawingml/2006/main" xmlns:r="http://schemas.openxmlformats.org/officeDocument/2006/relationships" xmlns:p="http://schemas.openxmlformats.org/presentationml/2006/main">
+  <p:cSld>
+    <p:spTree>
+      <p:nvGrpSpPr>
+        <p:cNvPr id="1" name=""/>
+        <p:cNvGrpSpPr/>
+        <p:nvPr/>
+      </p:nvGrpSpPr>
+      <p:grpSpPr>
+        <a:xfrm>
+          <a:off x="0" y="0"/>
+          <a:ext cx="0" cy="0"/>
+          <a:chOff x="0" y="0"/>
+          <a:chExt cx="0" cy="0"/>
+        </a:xfrm>
+      </p:grpSpPr>
+      <p:sp>
+        <p:nvSpPr>
+          <p:cNvPr id="2" name="Title 1">
+            <a:extLst>
+              <a:ext uri="{FF2B5EF4-FFF2-40B4-BE49-F238E27FC236}">
+                <a16:creationId xmlns:a16="http://schemas.microsoft.com/office/drawing/2014/main" id="{72F83E9B-EEB8-4A2B-9E3A-E01319A4D1F1}"/>
+              </a:ext>
+            </a:extLst>
+          </p:cNvPr>
+          <p:cNvSpPr>
+            <a:spLocks noGrp="1"/>
+          </p:cNvSpPr>
+          <p:nvPr>
+            <p:ph type="title"/>
+          </p:nvPr>
+        </p:nvSpPr>
+        <p:spPr/>
+        <p:txBody>
+          <a:bodyPr/>
+          <a:lstStyle/>
+          <a:p>
+            <a:r>
+              <a:rPr lang="es-419" dirty="0"/>
+              <a:t>Esta clase tiene </a:t>
+            </a:r>
+            <a:r>
+              <a:rPr lang="es-419" b="1" dirty="0"/>
+              <a:t>no</a:t>
+            </a:r>
+            <a:r>
+              <a:rPr lang="es-419" dirty="0"/>
+              <a:t> por objetivos:</a:t>
+            </a:r>
+            <a:endParaRPr lang="en-US" dirty="0"/>
+          </a:p>
+        </p:txBody>
+      </p:sp>
+      <p:sp>
+        <p:nvSpPr>
+          <p:cNvPr id="3" name="Content Placeholder 2">
+            <a:extLst>
+              <a:ext uri="{FF2B5EF4-FFF2-40B4-BE49-F238E27FC236}">
+                <a16:creationId xmlns:a16="http://schemas.microsoft.com/office/drawing/2014/main" id="{48A6DA83-95D6-48E2-BB97-5FEA3A57FFB7}"/>
+              </a:ext>
+            </a:extLst>
+          </p:cNvPr>
+          <p:cNvSpPr>
+            <a:spLocks noGrp="1"/>
+          </p:cNvSpPr>
+          <p:nvPr>
+            <p:ph idx="1"/>
+          </p:nvPr>
+        </p:nvSpPr>
+        <p:spPr>
+          <a:xfrm>
+            <a:off x="838200" y="2842053"/>
+            <a:ext cx="10515600" cy="3334909"/>
+          </a:xfrm>
+        </p:spPr>
+        <p:txBody>
+          <a:bodyPr>
+            <a:normAutofit/>
+          </a:bodyPr>
+          <a:lstStyle/>
+          <a:p>
+            <a:pPr marL="0" indent="0">
+              <a:buNone/>
+            </a:pPr>
+            <a:r>
+              <a:rPr lang="es-419" sz="3200" dirty="0"/>
+              <a:t>Cómo ser un DBA</a:t>
+            </a:r>
+          </a:p>
+          <a:p>
+            <a:pPr marL="0" indent="0">
+              <a:buNone/>
+            </a:pPr>
+            <a:endParaRPr lang="es-419" sz="3200" dirty="0"/>
+          </a:p>
+          <a:p>
+            <a:pPr marL="0" indent="0">
+              <a:buNone/>
+            </a:pPr>
+            <a:r>
+              <a:rPr lang="es-419" sz="3200" dirty="0"/>
+              <a:t>Como </a:t>
+            </a:r>
+            <a:r>
+              <a:rPr lang="es-419" sz="3200" i="1" dirty="0"/>
+              <a:t>tunear</a:t>
+            </a:r>
+            <a:r>
+              <a:rPr lang="es-419" sz="3200" dirty="0"/>
+              <a:t> el desempeño de un SQL Server 2014</a:t>
+            </a:r>
+            <a:endParaRPr lang="en-US" sz="3200" dirty="0"/>
+          </a:p>
+        </p:txBody>
+      </p:sp>
+    </p:spTree>
+    <p:extLst>
+      <p:ext uri="{BB962C8B-B14F-4D97-AF65-F5344CB8AC3E}">
+        <p14:creationId xmlns:p14="http://schemas.microsoft.com/office/powerpoint/2010/main" val="4236422940"/>
+      </p:ext>
+    </p:extLst>
+  </p:cSld>
+  <p:clrMapOvr>
+    <a:masterClrMapping/>
+  </p:clrMapOvr>
+</p:sld>
+</file>
+
+<file path=ppt/slides/slide9.xml><?xml version="1.0" encoding="utf-8"?>
+<p:sld xmlns:a="http://schemas.openxmlformats.org/drawingml/2006/main" xmlns:r="http://schemas.openxmlformats.org/officeDocument/2006/relationships" xmlns:p="http://schemas.openxmlformats.org/presentationml/2006/main">
+  <p:cSld>
+    <p:spTree>
+      <p:nvGrpSpPr>
+        <p:cNvPr id="1" name=""/>
+        <p:cNvGrpSpPr/>
+        <p:nvPr/>
+      </p:nvGrpSpPr>
+      <p:grpSpPr>
+        <a:xfrm>
+          <a:off x="0" y="0"/>
+          <a:ext cx="0" cy="0"/>
+          <a:chOff x="0" y="0"/>
+          <a:chExt cx="0" cy="0"/>
+        </a:xfrm>
+      </p:grpSpPr>
+      <p:sp>
+        <p:nvSpPr>
+          <p:cNvPr id="2" name="Title 1">
+            <a:extLst>
+              <a:ext uri="{FF2B5EF4-FFF2-40B4-BE49-F238E27FC236}">
+                <a16:creationId xmlns:a16="http://schemas.microsoft.com/office/drawing/2014/main" id="{04EAE487-CCB7-49E8-90E1-8BB20BF93062}"/>
+              </a:ext>
+            </a:extLst>
+          </p:cNvPr>
+          <p:cNvSpPr>
+            <a:spLocks noGrp="1"/>
+          </p:cNvSpPr>
+          <p:nvPr>
+            <p:ph type="title"/>
+          </p:nvPr>
+        </p:nvSpPr>
+        <p:spPr/>
+        <p:txBody>
+          <a:bodyPr/>
+          <a:lstStyle/>
+          <a:p>
+            <a:pPr algn="ctr"/>
+            <a:r>
+              <a:rPr lang="es-419" dirty="0"/>
+              <a:t>Características de las bases de datos</a:t>
+            </a:r>
+            <a:endParaRPr lang="en-US" dirty="0"/>
+          </a:p>
+        </p:txBody>
+      </p:sp>
+      <p:sp>
+        <p:nvSpPr>
+          <p:cNvPr id="4" name="Content Placeholder 3">
+            <a:extLst>
+              <a:ext uri="{FF2B5EF4-FFF2-40B4-BE49-F238E27FC236}">
+                <a16:creationId xmlns:a16="http://schemas.microsoft.com/office/drawing/2014/main" id="{6D3F564B-D2B0-4D28-8D5B-3AE18E77A24D}"/>
+              </a:ext>
+            </a:extLst>
+          </p:cNvPr>
+          <p:cNvSpPr>
+            <a:spLocks noGrp="1"/>
+          </p:cNvSpPr>
+          <p:nvPr>
+            <p:ph sz="half" idx="2"/>
+          </p:nvPr>
+        </p:nvSpPr>
+        <p:spPr>
+          <a:xfrm>
+            <a:off x="839788" y="2137719"/>
+            <a:ext cx="5157787" cy="4051944"/>
+          </a:xfrm>
+        </p:spPr>
+        <p:txBody>
+          <a:bodyPr/>
+          <a:lstStyle/>
+          <a:p>
+            <a:pPr marL="0" indent="0" algn="ctr">
+              <a:buNone/>
+            </a:pPr>
+            <a:r>
+              <a:rPr lang="es-419" dirty="0"/>
+              <a:t>Escalables</a:t>
+            </a:r>
+          </a:p>
+          <a:p>
+            <a:pPr marL="0" indent="0" algn="ctr">
+              <a:buNone/>
+            </a:pPr>
+            <a:endParaRPr lang="es-419" dirty="0"/>
+          </a:p>
+          <a:p>
+            <a:pPr marL="0" indent="0" algn="ctr">
+              <a:buNone/>
+            </a:pPr>
+            <a:r>
+              <a:rPr lang="es-419" dirty="0"/>
+              <a:t>Persistentes</a:t>
+            </a:r>
+          </a:p>
+          <a:p>
+            <a:pPr marL="0" indent="0" algn="ctr">
+              <a:buNone/>
+            </a:pPr>
+            <a:endParaRPr lang="es-419" dirty="0"/>
+          </a:p>
+          <a:p>
+            <a:pPr marL="0" indent="0" algn="ctr">
+              <a:buNone/>
+            </a:pPr>
+            <a:r>
+              <a:rPr lang="es-419" dirty="0"/>
+              <a:t>Seguras</a:t>
+            </a:r>
+          </a:p>
+          <a:p>
+            <a:pPr marL="0" indent="0" algn="ctr">
+              <a:buNone/>
+            </a:pPr>
+            <a:endParaRPr lang="es-419" dirty="0"/>
+          </a:p>
+          <a:p>
+            <a:pPr marL="0" indent="0" algn="ctr">
+              <a:buNone/>
+            </a:pPr>
+            <a:r>
+              <a:rPr lang="es-419" dirty="0"/>
+              <a:t>Multi usuario</a:t>
+            </a:r>
+          </a:p>
+          <a:p>
+            <a:pPr marL="0" indent="0" algn="ctr">
+              <a:buNone/>
+            </a:pPr>
+            <a:endParaRPr lang="es-419" dirty="0"/>
+          </a:p>
+        </p:txBody>
+      </p:sp>
+      <p:sp>
+        <p:nvSpPr>
+          <p:cNvPr id="6" name="Content Placeholder 5">
+            <a:extLst>
+              <a:ext uri="{FF2B5EF4-FFF2-40B4-BE49-F238E27FC236}">
+                <a16:creationId xmlns:a16="http://schemas.microsoft.com/office/drawing/2014/main" id="{9A46F380-C0DB-4235-A9DC-183C057BFA3E}"/>
+              </a:ext>
+            </a:extLst>
+          </p:cNvPr>
+          <p:cNvSpPr>
+            <a:spLocks noGrp="1"/>
+          </p:cNvSpPr>
+          <p:nvPr>
+            <p:ph sz="quarter" idx="4"/>
+          </p:nvPr>
+        </p:nvSpPr>
+        <p:spPr>
+          <a:xfrm>
+            <a:off x="6172200" y="2137719"/>
+            <a:ext cx="5183188" cy="4051944"/>
+          </a:xfrm>
+        </p:spPr>
+        <p:txBody>
+          <a:bodyPr/>
+          <a:lstStyle/>
+          <a:p>
+            <a:pPr marL="0" indent="0" algn="ctr">
+              <a:buNone/>
+            </a:pPr>
+            <a:r>
+              <a:rPr lang="es-419" dirty="0"/>
+              <a:t>Accesibles</a:t>
+            </a:r>
+          </a:p>
+          <a:p>
+            <a:pPr marL="0" indent="0" algn="ctr">
+              <a:buNone/>
+            </a:pPr>
+            <a:endParaRPr lang="es-419" dirty="0"/>
+          </a:p>
+          <a:p>
+            <a:pPr marL="0" indent="0" algn="ctr">
+              <a:buNone/>
+            </a:pPr>
+            <a:r>
+              <a:rPr lang="es-419" dirty="0"/>
+              <a:t>Eficientes</a:t>
+            </a:r>
+          </a:p>
+          <a:p>
+            <a:pPr marL="0" indent="0" algn="ctr">
+              <a:buNone/>
+            </a:pPr>
+            <a:endParaRPr lang="es-419" dirty="0"/>
+          </a:p>
+          <a:p>
+            <a:pPr marL="0" indent="0" algn="ctr">
+              <a:buNone/>
+            </a:pPr>
+            <a:r>
+              <a:rPr lang="es-419" dirty="0"/>
+              <a:t>Confiables</a:t>
+            </a:r>
+          </a:p>
+          <a:p>
+            <a:pPr marL="0" indent="0" algn="ctr">
+              <a:buNone/>
+            </a:pPr>
+            <a:endParaRPr lang="en-US" dirty="0"/>
+          </a:p>
+        </p:txBody>
+      </p:sp>
+    </p:spTree>
+    <p:extLst>
+      <p:ext uri="{BB962C8B-B14F-4D97-AF65-F5344CB8AC3E}">
+        <p14:creationId xmlns:p14="http://schemas.microsoft.com/office/powerpoint/2010/main" val="256758482"/>
       </p:ext>
     </p:extLst>
   </p:cSld>
@@ -3694,4 +12098,299 @@
     </a:ext>
   </a:extLst>
 </a:theme>
+</file>
+
+<file path=ppt/theme/theme2.xml><?xml version="1.0" encoding="utf-8"?>
+<a:theme xmlns:a="http://schemas.openxmlformats.org/drawingml/2006/main" name="Office Theme">
+  <a:themeElements>
+    <a:clrScheme name="Office">
+      <a:dk1>
+        <a:sysClr val="windowText" lastClr="000000"/>
+      </a:dk1>
+      <a:lt1>
+        <a:sysClr val="window" lastClr="FFFFFF"/>
+      </a:lt1>
+      <a:dk2>
+        <a:srgbClr val="44546A"/>
+      </a:dk2>
+      <a:lt2>
+        <a:srgbClr val="E7E6E6"/>
+      </a:lt2>
+      <a:accent1>
+        <a:srgbClr val="4472C4"/>
+      </a:accent1>
+      <a:accent2>
+        <a:srgbClr val="ED7D31"/>
+      </a:accent2>
+      <a:accent3>
+        <a:srgbClr val="A5A5A5"/>
+      </a:accent3>
+      <a:accent4>
+        <a:srgbClr val="FFC000"/>
+      </a:accent4>
+      <a:accent5>
+        <a:srgbClr val="5B9BD5"/>
+      </a:accent5>
+      <a:accent6>
+        <a:srgbClr val="70AD47"/>
+      </a:accent6>
+      <a:hlink>
+        <a:srgbClr val="0563C1"/>
+      </a:hlink>
+      <a:folHlink>
+        <a:srgbClr val="954F72"/>
+      </a:folHlink>
+    </a:clrScheme>
+    <a:fontScheme name="Office">
+      <a:majorFont>
+        <a:latin typeface="Calibri Light" panose="020F0302020204030204"/>
+        <a:ea typeface=""/>
+        <a:cs typeface=""/>
+        <a:font script="Jpan" typeface="游ゴシック Light"/>
+        <a:font script="Hang" typeface="맑은 고딕"/>
+        <a:font script="Hans" typeface="等线 Light"/>
+        <a:font script="Hant" typeface="新細明體"/>
+        <a:font script="Arab" typeface="Times New Roman"/>
+        <a:font script="Hebr" typeface="Times New Roman"/>
+        <a:font script="Thai" typeface="Angsana New"/>
+        <a:font script="Ethi" typeface="Nyala"/>
+        <a:font script="Beng" typeface="Vrinda"/>
+        <a:font script="Gujr" typeface="Shruti"/>
+        <a:font script="Khmr" typeface="MoolBoran"/>
+        <a:font script="Knda" typeface="Tunga"/>
+        <a:font script="Guru" typeface="Raavi"/>
+        <a:font script="Cans" typeface="Euphemia"/>
+        <a:font script="Cher" typeface="Plantagenet Cherokee"/>
+        <a:font script="Yiii" typeface="Microsoft Yi Baiti"/>
+        <a:font script="Tibt" typeface="Microsoft Himalaya"/>
+        <a:font script="Thaa" typeface="MV Boli"/>
+        <a:font script="Deva" typeface="Mangal"/>
+        <a:font script="Telu" typeface="Gautami"/>
+        <a:font script="Taml" typeface="Latha"/>
+        <a:font script="Syrc" typeface="Estrangelo Edessa"/>
+        <a:font script="Orya" typeface="Kalinga"/>
+        <a:font script="Mlym" typeface="Kartika"/>
+        <a:font script="Laoo" typeface="DokChampa"/>
+        <a:font script="Sinh" typeface="Iskoola Pota"/>
+        <a:font script="Mong" typeface="Mongolian Baiti"/>
+        <a:font script="Viet" typeface="Times New Roman"/>
+        <a:font script="Uigh" typeface="Microsoft Uighur"/>
+        <a:font script="Geor" typeface="Sylfaen"/>
+        <a:font script="Armn" typeface="Arial"/>
+        <a:font script="Bugi" typeface="Leelawadee UI"/>
+        <a:font script="Bopo" typeface="Microsoft JhengHei"/>
+        <a:font script="Java" typeface="Javanese Text"/>
+        <a:font script="Lisu" typeface="Segoe UI"/>
+        <a:font script="Mymr" typeface="Myanmar Text"/>
+        <a:font script="Nkoo" typeface="Ebrima"/>
+        <a:font script="Olck" typeface="Nirmala UI"/>
+        <a:font script="Osma" typeface="Ebrima"/>
+        <a:font script="Phag" typeface="Phagspa"/>
+        <a:font script="Syrn" typeface="Estrangelo Edessa"/>
+        <a:font script="Syrj" typeface="Estrangelo Edessa"/>
+        <a:font script="Syre" typeface="Estrangelo Edessa"/>
+        <a:font script="Sora" typeface="Nirmala UI"/>
+        <a:font script="Tale" typeface="Microsoft Tai Le"/>
+        <a:font script="Talu" typeface="Microsoft New Tai Lue"/>
+        <a:font script="Tfng" typeface="Ebrima"/>
+      </a:majorFont>
+      <a:minorFont>
+        <a:latin typeface="Calibri" panose="020F0502020204030204"/>
+        <a:ea typeface=""/>
+        <a:cs typeface=""/>
+        <a:font script="Jpan" typeface="游ゴシック"/>
+        <a:font script="Hang" typeface="맑은 고딕"/>
+        <a:font script="Hans" typeface="等线"/>
+        <a:font script="Hant" typeface="新細明體"/>
+        <a:font script="Arab" typeface="Arial"/>
+        <a:font script="Hebr" typeface="Arial"/>
+        <a:font script="Thai" typeface="Cordia New"/>
+        <a:font script="Ethi" typeface="Nyala"/>
+        <a:font script="Beng" typeface="Vrinda"/>
+        <a:font script="Gujr" typeface="Shruti"/>
+        <a:font script="Khmr" typeface="DaunPenh"/>
+        <a:font script="Knda" typeface="Tunga"/>
+        <a:font script="Guru" typeface="Raavi"/>
+        <a:font script="Cans" typeface="Euphemia"/>
+        <a:font script="Cher" typeface="Plantagenet Cherokee"/>
+        <a:font script="Yiii" typeface="Microsoft Yi Baiti"/>
+        <a:font script="Tibt" typeface="Microsoft Himalaya"/>
+        <a:font script="Thaa" typeface="MV Boli"/>
+        <a:font script="Deva" typeface="Mangal"/>
+        <a:font script="Telu" typeface="Gautami"/>
+        <a:font script="Taml" typeface="Latha"/>
+        <a:font script="Syrc" typeface="Estrangelo Edessa"/>
+        <a:font script="Orya" typeface="Kalinga"/>
+        <a:font script="Mlym" typeface="Kartika"/>
+        <a:font script="Laoo" typeface="DokChampa"/>
+        <a:font script="Sinh" typeface="Iskoola Pota"/>
+        <a:font script="Mong" typeface="Mongolian Baiti"/>
+        <a:font script="Viet" typeface="Arial"/>
+        <a:font script="Uigh" typeface="Microsoft Uighur"/>
+        <a:font script="Geor" typeface="Sylfaen"/>
+        <a:font script="Armn" typeface="Arial"/>
+        <a:font script="Bugi" typeface="Leelawadee UI"/>
+        <a:font script="Bopo" typeface="Microsoft JhengHei"/>
+        <a:font script="Java" typeface="Javanese Text"/>
+        <a:font script="Lisu" typeface="Segoe UI"/>
+        <a:font script="Mymr" typeface="Myanmar Text"/>
+        <a:font script="Nkoo" typeface="Ebrima"/>
+        <a:font script="Olck" typeface="Nirmala UI"/>
+        <a:font script="Osma" typeface="Ebrima"/>
+        <a:font script="Phag" typeface="Phagspa"/>
+        <a:font script="Syrn" typeface="Estrangelo Edessa"/>
+        <a:font script="Syrj" typeface="Estrangelo Edessa"/>
+        <a:font script="Syre" typeface="Estrangelo Edessa"/>
+        <a:font script="Sora" typeface="Nirmala UI"/>
+        <a:font script="Tale" typeface="Microsoft Tai Le"/>
+        <a:font script="Talu" typeface="Microsoft New Tai Lue"/>
+        <a:font script="Tfng" typeface="Ebrima"/>
+      </a:minorFont>
+    </a:fontScheme>
+    <a:fmtScheme name="Office">
+      <a:fillStyleLst>
+        <a:solidFill>
+          <a:schemeClr val="phClr"/>
+        </a:solidFill>
+        <a:gradFill rotWithShape="1">
+          <a:gsLst>
+            <a:gs pos="0">
+              <a:schemeClr val="phClr">
+                <a:lumMod val="110000"/>
+                <a:satMod val="105000"/>
+                <a:tint val="67000"/>
+              </a:schemeClr>
+            </a:gs>
+            <a:gs pos="50000">
+              <a:schemeClr val="phClr">
+                <a:lumMod val="105000"/>
+                <a:satMod val="103000"/>
+                <a:tint val="73000"/>
+              </a:schemeClr>
+            </a:gs>
+            <a:gs pos="100000">
+              <a:schemeClr val="phClr">
+                <a:lumMod val="105000"/>
+                <a:satMod val="109000"/>
+                <a:tint val="81000"/>
+              </a:schemeClr>
+            </a:gs>
+          </a:gsLst>
+          <a:lin ang="5400000" scaled="0"/>
+        </a:gradFill>
+        <a:gradFill rotWithShape="1">
+          <a:gsLst>
+            <a:gs pos="0">
+              <a:schemeClr val="phClr">
+                <a:satMod val="103000"/>
+                <a:lumMod val="102000"/>
+                <a:tint val="94000"/>
+              </a:schemeClr>
+            </a:gs>
+            <a:gs pos="50000">
+              <a:schemeClr val="phClr">
+                <a:satMod val="110000"/>
+                <a:lumMod val="100000"/>
+                <a:shade val="100000"/>
+              </a:schemeClr>
+            </a:gs>
+            <a:gs pos="100000">
+              <a:schemeClr val="phClr">
+                <a:lumMod val="99000"/>
+                <a:satMod val="120000"/>
+                <a:shade val="78000"/>
+              </a:schemeClr>
+            </a:gs>
+          </a:gsLst>
+          <a:lin ang="5400000" scaled="0"/>
+        </a:gradFill>
+      </a:fillStyleLst>
+      <a:lnStyleLst>
+        <a:ln w="6350" cap="flat" cmpd="sng" algn="ctr">
+          <a:solidFill>
+            <a:schemeClr val="phClr"/>
+          </a:solidFill>
+          <a:prstDash val="solid"/>
+          <a:miter lim="800000"/>
+        </a:ln>
+        <a:ln w="12700" cap="flat" cmpd="sng" algn="ctr">
+          <a:solidFill>
+            <a:schemeClr val="phClr"/>
+          </a:solidFill>
+          <a:prstDash val="solid"/>
+          <a:miter lim="800000"/>
+        </a:ln>
+        <a:ln w="19050" cap="flat" cmpd="sng" algn="ctr">
+          <a:solidFill>
+            <a:schemeClr val="phClr"/>
+          </a:solidFill>
+          <a:prstDash val="solid"/>
+          <a:miter lim="800000"/>
+        </a:ln>
+      </a:lnStyleLst>
+      <a:effectStyleLst>
+        <a:effectStyle>
+          <a:effectLst/>
+        </a:effectStyle>
+        <a:effectStyle>
+          <a:effectLst/>
+        </a:effectStyle>
+        <a:effectStyle>
+          <a:effectLst>
+            <a:outerShdw blurRad="57150" dist="19050" dir="5400000" algn="ctr" rotWithShape="0">
+              <a:srgbClr val="000000">
+                <a:alpha val="63000"/>
+              </a:srgbClr>
+            </a:outerShdw>
+          </a:effectLst>
+        </a:effectStyle>
+      </a:effectStyleLst>
+      <a:bgFillStyleLst>
+        <a:solidFill>
+          <a:schemeClr val="phClr"/>
+        </a:solidFill>
+        <a:solidFill>
+          <a:schemeClr val="phClr">
+            <a:tint val="95000"/>
+            <a:satMod val="170000"/>
+          </a:schemeClr>
+        </a:solidFill>
+        <a:gradFill rotWithShape="1">
+          <a:gsLst>
+            <a:gs pos="0">
+              <a:schemeClr val="phClr">
+                <a:tint val="93000"/>
+                <a:satMod val="150000"/>
+                <a:shade val="98000"/>
+                <a:lumMod val="102000"/>
+              </a:schemeClr>
+            </a:gs>
+            <a:gs pos="50000">
+              <a:schemeClr val="phClr">
+                <a:tint val="98000"/>
+                <a:satMod val="130000"/>
+                <a:shade val="90000"/>
+                <a:lumMod val="103000"/>
+              </a:schemeClr>
+            </a:gs>
+            <a:gs pos="100000">
+              <a:schemeClr val="phClr">
+                <a:shade val="63000"/>
+                <a:satMod val="120000"/>
+              </a:schemeClr>
+            </a:gs>
+          </a:gsLst>
+          <a:lin ang="5400000" scaled="0"/>
+        </a:gradFill>
+      </a:bgFillStyleLst>
+    </a:fmtScheme>
+  </a:themeElements>
+  <a:objectDefaults/>
+  <a:extraClrSchemeLst/>
+  <a:extLst>
+    <a:ext uri="{05A4C25C-085E-4340-85A3-A5531E510DB2}">
+      <thm15:themeFamily xmlns:thm15="http://schemas.microsoft.com/office/thememl/2012/main" name="Office Theme" id="{62F939B6-93AF-4DB8-9C6B-D6C7DFDC589F}" vid="{4A3C46E8-61CC-4603-A589-7422A47A8E4A}"/>
+    </a:ext>
+  </a:extLst>
+</a:theme>
 </file>
--- a/clases/clase1-introduccion/clase1.pptx
+++ b/clases/clase1-introduccion/clase1.pptx
@@ -5,7 +5,7 @@
     <p:sldMasterId id="2147483648" r:id="rId1"/>
   </p:sldMasterIdLst>
   <p:notesMasterIdLst>
-    <p:notesMasterId r:id="rId26"/>
+    <p:notesMasterId r:id="rId27"/>
   </p:notesMasterIdLst>
   <p:sldIdLst>
     <p:sldId id="256" r:id="rId2"/>
@@ -32,6 +32,7 @@
     <p:sldId id="280" r:id="rId23"/>
     <p:sldId id="281" r:id="rId24"/>
     <p:sldId id="282" r:id="rId25"/>
+    <p:sldId id="283" r:id="rId26"/>
   </p:sldIdLst>
   <p:sldSz cx="12192000" cy="6858000"/>
   <p:notesSz cx="6858000" cy="9144000"/>
@@ -167,6 +168,7 @@
             <p14:sldId id="280"/>
             <p14:sldId id="281"/>
             <p14:sldId id="282"/>
+            <p14:sldId id="283"/>
           </p14:sldIdLst>
         </p14:section>
       </p14:sectionLst>
@@ -10783,6 +10785,176 @@
 </p:sld>
 </file>
 
+<file path=ppt/slides/slide25.xml><?xml version="1.0" encoding="utf-8"?>
+<p:sld xmlns:a="http://schemas.openxmlformats.org/drawingml/2006/main" xmlns:r="http://schemas.openxmlformats.org/officeDocument/2006/relationships" xmlns:p="http://schemas.openxmlformats.org/presentationml/2006/main">
+  <p:cSld>
+    <p:spTree>
+      <p:nvGrpSpPr>
+        <p:cNvPr id="1" name=""/>
+        <p:cNvGrpSpPr/>
+        <p:nvPr/>
+      </p:nvGrpSpPr>
+      <p:grpSpPr>
+        <a:xfrm>
+          <a:off x="0" y="0"/>
+          <a:ext cx="0" cy="0"/>
+          <a:chOff x="0" y="0"/>
+          <a:chExt cx="0" cy="0"/>
+        </a:xfrm>
+      </p:grpSpPr>
+      <p:sp>
+        <p:nvSpPr>
+          <p:cNvPr id="2" name="Title 1">
+            <a:extLst>
+              <a:ext uri="{FF2B5EF4-FFF2-40B4-BE49-F238E27FC236}">
+                <a16:creationId xmlns:a16="http://schemas.microsoft.com/office/drawing/2014/main" id="{03A3330D-31C5-4E1F-8171-822E7F89B0B5}"/>
+              </a:ext>
+            </a:extLst>
+          </p:cNvPr>
+          <p:cNvSpPr>
+            <a:spLocks noGrp="1"/>
+          </p:cNvSpPr>
+          <p:nvPr>
+            <p:ph type="title"/>
+          </p:nvPr>
+        </p:nvSpPr>
+        <p:spPr/>
+        <p:txBody>
+          <a:bodyPr/>
+          <a:lstStyle/>
+          <a:p>
+            <a:r>
+              <a:rPr lang="es-419" dirty="0" err="1"/>
+              <a:t>Jupyter</a:t>
+            </a:r>
+            <a:endParaRPr lang="en-US" dirty="0"/>
+          </a:p>
+        </p:txBody>
+      </p:sp>
+      <p:sp>
+        <p:nvSpPr>
+          <p:cNvPr id="3" name="Content Placeholder 2">
+            <a:extLst>
+              <a:ext uri="{FF2B5EF4-FFF2-40B4-BE49-F238E27FC236}">
+                <a16:creationId xmlns:a16="http://schemas.microsoft.com/office/drawing/2014/main" id="{AB54FDDA-5BF7-48B4-887A-D0901FA0854A}"/>
+              </a:ext>
+            </a:extLst>
+          </p:cNvPr>
+          <p:cNvSpPr>
+            <a:spLocks noGrp="1"/>
+          </p:cNvSpPr>
+          <p:nvPr>
+            <p:ph idx="1"/>
+          </p:nvPr>
+        </p:nvSpPr>
+        <p:spPr/>
+        <p:txBody>
+          <a:bodyPr/>
+          <a:lstStyle/>
+          <a:p>
+            <a:pPr marL="0" indent="0" algn="ctr">
+              <a:buNone/>
+            </a:pPr>
+            <a:r>
+              <a:rPr lang="es-419" dirty="0"/>
+              <a:t>Instalar Python 2.7</a:t>
+            </a:r>
+          </a:p>
+          <a:p>
+            <a:pPr marL="0" indent="0" algn="ctr">
+              <a:buNone/>
+            </a:pPr>
+            <a:endParaRPr lang="es-419" dirty="0"/>
+          </a:p>
+          <a:p>
+            <a:pPr marL="0" indent="0" algn="ctr">
+              <a:buNone/>
+            </a:pPr>
+            <a:r>
+              <a:rPr lang="sv-SE" dirty="0"/>
+              <a:t>python -m pip install jupyter</a:t>
+            </a:r>
+          </a:p>
+          <a:p>
+            <a:pPr marL="0" indent="0" algn="ctr">
+              <a:buNone/>
+            </a:pPr>
+            <a:endParaRPr lang="sv-SE" dirty="0"/>
+          </a:p>
+          <a:p>
+            <a:pPr marL="0" indent="0" algn="ctr">
+              <a:buNone/>
+            </a:pPr>
+            <a:r>
+              <a:rPr lang="es-419" dirty="0" err="1"/>
+              <a:t>python</a:t>
+            </a:r>
+            <a:r>
+              <a:rPr lang="es-419" dirty="0"/>
+              <a:t> -m </a:t>
+            </a:r>
+            <a:r>
+              <a:rPr lang="es-419" dirty="0" err="1"/>
+              <a:t>pip</a:t>
+            </a:r>
+            <a:r>
+              <a:rPr lang="es-419" dirty="0"/>
+              <a:t> </a:t>
+            </a:r>
+            <a:r>
+              <a:rPr lang="es-419" dirty="0" err="1"/>
+              <a:t>install</a:t>
+            </a:r>
+            <a:r>
+              <a:rPr lang="es-419" dirty="0"/>
+              <a:t> </a:t>
+            </a:r>
+            <a:r>
+              <a:rPr lang="es-419" dirty="0" err="1"/>
+              <a:t>ipython-sql</a:t>
+            </a:r>
+            <a:endParaRPr lang="es-419" dirty="0"/>
+          </a:p>
+          <a:p>
+            <a:pPr marL="0" indent="0" algn="ctr">
+              <a:buNone/>
+            </a:pPr>
+            <a:endParaRPr lang="es-419" dirty="0"/>
+          </a:p>
+          <a:p>
+            <a:pPr marL="0" indent="0" algn="ctr">
+              <a:buNone/>
+            </a:pPr>
+            <a:r>
+              <a:rPr lang="es-419" dirty="0" err="1"/>
+              <a:t>jupyter</a:t>
+            </a:r>
+            <a:r>
+              <a:rPr lang="es-419" dirty="0"/>
+              <a:t> notebook</a:t>
+            </a:r>
+          </a:p>
+          <a:p>
+            <a:pPr marL="0" indent="0" algn="ctr">
+              <a:buNone/>
+            </a:pPr>
+            <a:endParaRPr lang="en-US" dirty="0"/>
+          </a:p>
+        </p:txBody>
+      </p:sp>
+    </p:spTree>
+    <p:extLst>
+      <p:ext uri="{BB962C8B-B14F-4D97-AF65-F5344CB8AC3E}">
+        <p14:creationId xmlns:p14="http://schemas.microsoft.com/office/powerpoint/2010/main" val="3420159426"/>
+      </p:ext>
+    </p:extLst>
+  </p:cSld>
+  <p:clrMapOvr>
+    <a:masterClrMapping/>
+  </p:clrMapOvr>
+</p:sld>
+</file>
+
 <file path=ppt/slides/slide3.xml><?xml version="1.0" encoding="utf-8"?>
 <p:sld xmlns:a="http://schemas.openxmlformats.org/drawingml/2006/main" xmlns:r="http://schemas.openxmlformats.org/officeDocument/2006/relationships" xmlns:p="http://schemas.openxmlformats.org/presentationml/2006/main">
   <p:cSld>
